--- a/ikt.pptx
+++ b/ikt.pptx
@@ -6,6 +6,8 @@
   </p:sldMasterIdLst>
   <p:sldIdLst>
     <p:sldId id="256" r:id="rId2"/>
+    <p:sldId id="257" r:id="rId3"/>
+    <p:sldId id="258" r:id="rId4"/>
   </p:sldIdLst>
   <p:sldSz cx="12192000" cy="6858000"/>
   <p:notesSz cx="6858000" cy="9144000"/>
@@ -104,6 +106,11 @@
       </a:defRPr>
     </a:lvl9pPr>
   </p:defaultTextStyle>
+  <p:extLst>
+    <p:ext uri="{EFAFB233-063F-42B5-8137-9DF3F51BA10A}">
+      <p15:sldGuideLst xmlns:p15="http://schemas.microsoft.com/office/powerpoint/2012/main"/>
+    </p:ext>
+  </p:extLst>
 </p:presentation>
 </file>
 
@@ -295,7 +302,7 @@
           <a:p>
             <a:fld id="{1992587E-51EA-4C36-8D37-0D2CAFFACDE2}" type="datetimeFigureOut">
               <a:rPr lang="hu-HU" smtClean="0"/>
-              <a:t>2022.09.14.</a:t>
+              <a:t>2022.09.15.</a:t>
             </a:fld>
             <a:endParaRPr lang="hu-HU"/>
           </a:p>
@@ -440,6 +447,25 @@
   <p:clrMapOvr>
     <a:masterClrMapping/>
   </p:clrMapOvr>
+  <mc:AlternateContent xmlns:mc="http://schemas.openxmlformats.org/markup-compatibility/2006" xmlns:p15="http://schemas.microsoft.com/office/powerpoint/2012/main">
+    <mc:Choice Requires="p15">
+      <p:transition xmlns:p14="http://schemas.microsoft.com/office/powerpoint/2010/main" spd="slow" p14:dur="1250">
+        <p15:prstTrans prst="pageCurlDouble"/>
+      </p:transition>
+    </mc:Choice>
+    <mc:Fallback xmlns="">
+      <p:transition spd="slow">
+        <p:fade/>
+      </p:transition>
+    </mc:Fallback>
+  </mc:AlternateContent>
+  <p:timing>
+    <p:tnLst>
+      <p:par>
+        <p:cTn id="1" dur="indefinite" restart="never" nodeType="tmRoot"/>
+      </p:par>
+    </p:tnLst>
+  </p:timing>
 </p:sldLayout>
 </file>
 
@@ -633,7 +659,7 @@
           <a:p>
             <a:fld id="{1992587E-51EA-4C36-8D37-0D2CAFFACDE2}" type="datetimeFigureOut">
               <a:rPr lang="hu-HU" smtClean="0"/>
-              <a:t>2022.09.14.</a:t>
+              <a:t>2022.09.15.</a:t>
             </a:fld>
             <a:endParaRPr lang="hu-HU"/>
           </a:p>
@@ -778,6 +804,18 @@
   <p:clrMapOvr>
     <a:masterClrMapping/>
   </p:clrMapOvr>
+  <mc:AlternateContent xmlns:mc="http://schemas.openxmlformats.org/markup-compatibility/2006" xmlns:p15="http://schemas.microsoft.com/office/powerpoint/2012/main">
+    <mc:Choice Requires="p15">
+      <p:transition xmlns:p14="http://schemas.microsoft.com/office/powerpoint/2010/main" spd="slow" p14:dur="1250">
+        <p15:prstTrans prst="pageCurlDouble"/>
+      </p:transition>
+    </mc:Choice>
+    <mc:Fallback xmlns="">
+      <p:transition spd="slow">
+        <p:fade/>
+      </p:transition>
+    </mc:Fallback>
+  </mc:AlternateContent>
 </p:sldLayout>
 </file>
 
@@ -1034,7 +1072,7 @@
           <a:p>
             <a:fld id="{1992587E-51EA-4C36-8D37-0D2CAFFACDE2}" type="datetimeFigureOut">
               <a:rPr lang="hu-HU" smtClean="0"/>
-              <a:t>2022.09.14.</a:t>
+              <a:t>2022.09.15.</a:t>
             </a:fld>
             <a:endParaRPr lang="hu-HU"/>
           </a:p>
@@ -1255,6 +1293,18 @@
   <p:clrMapOvr>
     <a:masterClrMapping/>
   </p:clrMapOvr>
+  <mc:AlternateContent xmlns:mc="http://schemas.openxmlformats.org/markup-compatibility/2006" xmlns:p15="http://schemas.microsoft.com/office/powerpoint/2012/main">
+    <mc:Choice Requires="p15">
+      <p:transition xmlns:p14="http://schemas.microsoft.com/office/powerpoint/2010/main" spd="slow" p14:dur="1250">
+        <p15:prstTrans prst="pageCurlDouble"/>
+      </p:transition>
+    </mc:Choice>
+    <mc:Fallback xmlns="">
+      <p:transition spd="slow">
+        <p:fade/>
+      </p:transition>
+    </mc:Fallback>
+  </mc:AlternateContent>
 </p:sldLayout>
 </file>
 
@@ -1370,7 +1420,7 @@
           <a:p>
             <a:fld id="{1992587E-51EA-4C36-8D37-0D2CAFFACDE2}" type="datetimeFigureOut">
               <a:rPr lang="hu-HU" smtClean="0"/>
-              <a:t>2022.09.14.</a:t>
+              <a:t>2022.09.15.</a:t>
             </a:fld>
             <a:endParaRPr lang="hu-HU"/>
           </a:p>
@@ -1515,6 +1565,18 @@
   <p:clrMapOvr>
     <a:masterClrMapping/>
   </p:clrMapOvr>
+  <mc:AlternateContent xmlns:mc="http://schemas.openxmlformats.org/markup-compatibility/2006" xmlns:p15="http://schemas.microsoft.com/office/powerpoint/2012/main">
+    <mc:Choice Requires="p15">
+      <p:transition xmlns:p14="http://schemas.microsoft.com/office/powerpoint/2010/main" spd="slow" p14:dur="1250">
+        <p15:prstTrans prst="pageCurlDouble"/>
+      </p:transition>
+    </mc:Choice>
+    <mc:Fallback xmlns="">
+      <p:transition spd="slow">
+        <p:fade/>
+      </p:transition>
+    </mc:Fallback>
+  </mc:AlternateContent>
 </p:sldLayout>
 </file>
 
@@ -1690,7 +1752,7 @@
           <a:p>
             <a:fld id="{1992587E-51EA-4C36-8D37-0D2CAFFACDE2}" type="datetimeFigureOut">
               <a:rPr lang="hu-HU" smtClean="0"/>
-              <a:t>2022.09.14.</a:t>
+              <a:t>2022.09.15.</a:t>
             </a:fld>
             <a:endParaRPr lang="hu-HU"/>
           </a:p>
@@ -1911,6 +1973,18 @@
   <p:clrMapOvr>
     <a:masterClrMapping/>
   </p:clrMapOvr>
+  <mc:AlternateContent xmlns:mc="http://schemas.openxmlformats.org/markup-compatibility/2006" xmlns:p15="http://schemas.microsoft.com/office/powerpoint/2012/main">
+    <mc:Choice Requires="p15">
+      <p:transition xmlns:p14="http://schemas.microsoft.com/office/powerpoint/2010/main" spd="slow" p14:dur="1250">
+        <p15:prstTrans prst="pageCurlDouble"/>
+      </p:transition>
+    </mc:Choice>
+    <mc:Fallback xmlns="">
+      <p:transition spd="slow">
+        <p:fade/>
+      </p:transition>
+    </mc:Fallback>
+  </mc:AlternateContent>
 </p:sldLayout>
 </file>
 
@@ -2086,7 +2160,7 @@
           <a:p>
             <a:fld id="{1992587E-51EA-4C36-8D37-0D2CAFFACDE2}" type="datetimeFigureOut">
               <a:rPr lang="hu-HU" smtClean="0"/>
-              <a:t>2022.09.14.</a:t>
+              <a:t>2022.09.15.</a:t>
             </a:fld>
             <a:endParaRPr lang="hu-HU"/>
           </a:p>
@@ -2231,6 +2305,18 @@
   <p:clrMapOvr>
     <a:masterClrMapping/>
   </p:clrMapOvr>
+  <mc:AlternateContent xmlns:mc="http://schemas.openxmlformats.org/markup-compatibility/2006" xmlns:p15="http://schemas.microsoft.com/office/powerpoint/2012/main">
+    <mc:Choice Requires="p15">
+      <p:transition xmlns:p14="http://schemas.microsoft.com/office/powerpoint/2010/main" spd="slow" p14:dur="1250">
+        <p15:prstTrans prst="pageCurlDouble"/>
+      </p:transition>
+    </mc:Choice>
+    <mc:Fallback xmlns="">
+      <p:transition spd="slow">
+        <p:fade/>
+      </p:transition>
+    </mc:Fallback>
+  </mc:AlternateContent>
 </p:sldLayout>
 </file>
 
@@ -2343,7 +2429,7 @@
           <a:p>
             <a:fld id="{1992587E-51EA-4C36-8D37-0D2CAFFACDE2}" type="datetimeFigureOut">
               <a:rPr lang="hu-HU" smtClean="0"/>
-              <a:t>2022.09.14.</a:t>
+              <a:t>2022.09.15.</a:t>
             </a:fld>
             <a:endParaRPr lang="hu-HU"/>
           </a:p>
@@ -2483,6 +2569,18 @@
   <p:clrMapOvr>
     <a:masterClrMapping/>
   </p:clrMapOvr>
+  <mc:AlternateContent xmlns:mc="http://schemas.openxmlformats.org/markup-compatibility/2006" xmlns:p15="http://schemas.microsoft.com/office/powerpoint/2012/main">
+    <mc:Choice Requires="p15">
+      <p:transition xmlns:p14="http://schemas.microsoft.com/office/powerpoint/2010/main" spd="slow" p14:dur="1250">
+        <p15:prstTrans prst="pageCurlDouble"/>
+      </p:transition>
+    </mc:Choice>
+    <mc:Fallback xmlns="">
+      <p:transition spd="slow">
+        <p:fade/>
+      </p:transition>
+    </mc:Fallback>
+  </mc:AlternateContent>
 </p:sldLayout>
 </file>
 
@@ -2605,7 +2703,7 @@
           <a:p>
             <a:fld id="{1992587E-51EA-4C36-8D37-0D2CAFFACDE2}" type="datetimeFigureOut">
               <a:rPr lang="hu-HU" smtClean="0"/>
-              <a:t>2022.09.14.</a:t>
+              <a:t>2022.09.15.</a:t>
             </a:fld>
             <a:endParaRPr lang="hu-HU"/>
           </a:p>
@@ -2745,6 +2843,18 @@
   <p:clrMapOvr>
     <a:masterClrMapping/>
   </p:clrMapOvr>
+  <mc:AlternateContent xmlns:mc="http://schemas.openxmlformats.org/markup-compatibility/2006" xmlns:p15="http://schemas.microsoft.com/office/powerpoint/2012/main">
+    <mc:Choice Requires="p15">
+      <p:transition xmlns:p14="http://schemas.microsoft.com/office/powerpoint/2010/main" spd="slow" p14:dur="1250">
+        <p15:prstTrans prst="pageCurlDouble"/>
+      </p:transition>
+    </mc:Choice>
+    <mc:Fallback xmlns="">
+      <p:transition spd="slow">
+        <p:fade/>
+      </p:transition>
+    </mc:Fallback>
+  </mc:AlternateContent>
 </p:sldLayout>
 </file>
 
@@ -2867,7 +2977,7 @@
           <a:p>
             <a:fld id="{1992587E-51EA-4C36-8D37-0D2CAFFACDE2}" type="datetimeFigureOut">
               <a:rPr lang="hu-HU" smtClean="0"/>
-              <a:t>2022.09.14.</a:t>
+              <a:t>2022.09.15.</a:t>
             </a:fld>
             <a:endParaRPr lang="hu-HU"/>
           </a:p>
@@ -3007,6 +3117,18 @@
   <p:clrMapOvr>
     <a:masterClrMapping/>
   </p:clrMapOvr>
+  <mc:AlternateContent xmlns:mc="http://schemas.openxmlformats.org/markup-compatibility/2006" xmlns:p15="http://schemas.microsoft.com/office/powerpoint/2012/main">
+    <mc:Choice Requires="p15">
+      <p:transition xmlns:p14="http://schemas.microsoft.com/office/powerpoint/2010/main" spd="slow" p14:dur="1250">
+        <p15:prstTrans prst="pageCurlDouble"/>
+      </p:transition>
+    </mc:Choice>
+    <mc:Fallback xmlns="">
+      <p:transition spd="slow">
+        <p:fade/>
+      </p:transition>
+    </mc:Fallback>
+  </mc:AlternateContent>
 </p:sldLayout>
 </file>
 
@@ -3196,7 +3318,7 @@
           <a:p>
             <a:fld id="{1992587E-51EA-4C36-8D37-0D2CAFFACDE2}" type="datetimeFigureOut">
               <a:rPr lang="hu-HU" smtClean="0"/>
-              <a:t>2022.09.14.</a:t>
+              <a:t>2022.09.15.</a:t>
             </a:fld>
             <a:endParaRPr lang="hu-HU"/>
           </a:p>
@@ -3341,6 +3463,18 @@
   <p:clrMapOvr>
     <a:masterClrMapping/>
   </p:clrMapOvr>
+  <mc:AlternateContent xmlns:mc="http://schemas.openxmlformats.org/markup-compatibility/2006" xmlns:p15="http://schemas.microsoft.com/office/powerpoint/2012/main">
+    <mc:Choice Requires="p15">
+      <p:transition xmlns:p14="http://schemas.microsoft.com/office/powerpoint/2010/main" spd="slow" p14:dur="1250">
+        <p15:prstTrans prst="pageCurlDouble"/>
+      </p:transition>
+    </mc:Choice>
+    <mc:Fallback xmlns="">
+      <p:transition spd="slow">
+        <p:fade/>
+      </p:transition>
+    </mc:Fallback>
+  </mc:AlternateContent>
 </p:sldLayout>
 </file>
 
@@ -3519,7 +3653,7 @@
           <a:p>
             <a:fld id="{1992587E-51EA-4C36-8D37-0D2CAFFACDE2}" type="datetimeFigureOut">
               <a:rPr lang="hu-HU" smtClean="0"/>
-              <a:t>2022.09.14.</a:t>
+              <a:t>2022.09.15.</a:t>
             </a:fld>
             <a:endParaRPr lang="hu-HU"/>
           </a:p>
@@ -3664,6 +3798,18 @@
   <p:clrMapOvr>
     <a:masterClrMapping/>
   </p:clrMapOvr>
+  <mc:AlternateContent xmlns:mc="http://schemas.openxmlformats.org/markup-compatibility/2006" xmlns:p15="http://schemas.microsoft.com/office/powerpoint/2012/main">
+    <mc:Choice Requires="p15">
+      <p:transition xmlns:p14="http://schemas.microsoft.com/office/powerpoint/2010/main" spd="slow" p14:dur="1250">
+        <p15:prstTrans prst="pageCurlDouble"/>
+      </p:transition>
+    </mc:Choice>
+    <mc:Fallback xmlns="">
+      <p:transition spd="slow">
+        <p:fade/>
+      </p:transition>
+    </mc:Fallback>
+  </mc:AlternateContent>
 </p:sldLayout>
 </file>
 
@@ -3976,7 +4122,7 @@
           <a:p>
             <a:fld id="{1992587E-51EA-4C36-8D37-0D2CAFFACDE2}" type="datetimeFigureOut">
               <a:rPr lang="hu-HU" smtClean="0"/>
-              <a:t>2022.09.14.</a:t>
+              <a:t>2022.09.15.</a:t>
             </a:fld>
             <a:endParaRPr lang="hu-HU"/>
           </a:p>
@@ -4121,6 +4267,18 @@
   <p:clrMapOvr>
     <a:masterClrMapping/>
   </p:clrMapOvr>
+  <mc:AlternateContent xmlns:mc="http://schemas.openxmlformats.org/markup-compatibility/2006" xmlns:p15="http://schemas.microsoft.com/office/powerpoint/2012/main">
+    <mc:Choice Requires="p15">
+      <p:transition xmlns:p14="http://schemas.microsoft.com/office/powerpoint/2010/main" spd="slow" p14:dur="1250">
+        <p15:prstTrans prst="pageCurlDouble"/>
+      </p:transition>
+    </mc:Choice>
+    <mc:Fallback xmlns="">
+      <p:transition spd="slow">
+        <p:fade/>
+      </p:transition>
+    </mc:Fallback>
+  </mc:AlternateContent>
 </p:sldLayout>
 </file>
 
@@ -4181,7 +4339,7 @@
           <a:p>
             <a:fld id="{1992587E-51EA-4C36-8D37-0D2CAFFACDE2}" type="datetimeFigureOut">
               <a:rPr lang="hu-HU" smtClean="0"/>
-              <a:t>2022.09.14.</a:t>
+              <a:t>2022.09.15.</a:t>
             </a:fld>
             <a:endParaRPr lang="hu-HU"/>
           </a:p>
@@ -4321,6 +4479,18 @@
   <p:clrMapOvr>
     <a:masterClrMapping/>
   </p:clrMapOvr>
+  <mc:AlternateContent xmlns:mc="http://schemas.openxmlformats.org/markup-compatibility/2006" xmlns:p15="http://schemas.microsoft.com/office/powerpoint/2012/main">
+    <mc:Choice Requires="p15">
+      <p:transition xmlns:p14="http://schemas.microsoft.com/office/powerpoint/2010/main" spd="slow" p14:dur="1250">
+        <p15:prstTrans prst="pageCurlDouble"/>
+      </p:transition>
+    </mc:Choice>
+    <mc:Fallback xmlns="">
+      <p:transition spd="slow">
+        <p:fade/>
+      </p:transition>
+    </mc:Fallback>
+  </mc:AlternateContent>
 </p:sldLayout>
 </file>
 
@@ -4358,7 +4528,7 @@
           <a:p>
             <a:fld id="{1992587E-51EA-4C36-8D37-0D2CAFFACDE2}" type="datetimeFigureOut">
               <a:rPr lang="hu-HU" smtClean="0"/>
-              <a:t>2022.09.14.</a:t>
+              <a:t>2022.09.15.</a:t>
             </a:fld>
             <a:endParaRPr lang="hu-HU"/>
           </a:p>
@@ -4498,6 +4668,18 @@
   <p:clrMapOvr>
     <a:masterClrMapping/>
   </p:clrMapOvr>
+  <mc:AlternateContent xmlns:mc="http://schemas.openxmlformats.org/markup-compatibility/2006" xmlns:p15="http://schemas.microsoft.com/office/powerpoint/2012/main">
+    <mc:Choice Requires="p15">
+      <p:transition xmlns:p14="http://schemas.microsoft.com/office/powerpoint/2010/main" spd="slow" p14:dur="1250">
+        <p15:prstTrans prst="pageCurlDouble"/>
+      </p:transition>
+    </mc:Choice>
+    <mc:Fallback xmlns="">
+      <p:transition spd="slow">
+        <p:fade/>
+      </p:transition>
+    </mc:Fallback>
+  </mc:AlternateContent>
 </p:sldLayout>
 </file>
 
@@ -4691,7 +4873,7 @@
           <a:p>
             <a:fld id="{1992587E-51EA-4C36-8D37-0D2CAFFACDE2}" type="datetimeFigureOut">
               <a:rPr lang="hu-HU" smtClean="0"/>
-              <a:t>2022.09.14.</a:t>
+              <a:t>2022.09.15.</a:t>
             </a:fld>
             <a:endParaRPr lang="hu-HU"/>
           </a:p>
@@ -4831,6 +5013,18 @@
   <p:clrMapOvr>
     <a:masterClrMapping/>
   </p:clrMapOvr>
+  <mc:AlternateContent xmlns:mc="http://schemas.openxmlformats.org/markup-compatibility/2006" xmlns:p15="http://schemas.microsoft.com/office/powerpoint/2012/main">
+    <mc:Choice Requires="p15">
+      <p:transition xmlns:p14="http://schemas.microsoft.com/office/powerpoint/2010/main" spd="slow" p14:dur="1250">
+        <p15:prstTrans prst="pageCurlDouble"/>
+      </p:transition>
+    </mc:Choice>
+    <mc:Fallback xmlns="">
+      <p:transition spd="slow">
+        <p:fade/>
+      </p:transition>
+    </mc:Fallback>
+  </mc:AlternateContent>
 </p:sldLayout>
 </file>
 
@@ -5036,7 +5230,7 @@
           <a:p>
             <a:fld id="{1992587E-51EA-4C36-8D37-0D2CAFFACDE2}" type="datetimeFigureOut">
               <a:rPr lang="hu-HU" smtClean="0"/>
-              <a:t>2022.09.14.</a:t>
+              <a:t>2022.09.15.</a:t>
             </a:fld>
             <a:endParaRPr lang="hu-HU"/>
           </a:p>
@@ -5181,6 +5375,18 @@
   <p:clrMapOvr>
     <a:masterClrMapping/>
   </p:clrMapOvr>
+  <mc:AlternateContent xmlns:mc="http://schemas.openxmlformats.org/markup-compatibility/2006" xmlns:p15="http://schemas.microsoft.com/office/powerpoint/2012/main">
+    <mc:Choice Requires="p15">
+      <p:transition xmlns:p14="http://schemas.microsoft.com/office/powerpoint/2010/main" spd="slow" p14:dur="1250">
+        <p15:prstTrans prst="pageCurlDouble"/>
+      </p:transition>
+    </mc:Choice>
+    <mc:Fallback xmlns="">
+      <p:transition spd="slow">
+        <p:fade/>
+      </p:transition>
+    </mc:Fallback>
+  </mc:AlternateContent>
 </p:sldLayout>
 </file>
 
@@ -7153,7 +7359,7 @@
           <a:p>
             <a:fld id="{1992587E-51EA-4C36-8D37-0D2CAFFACDE2}" type="datetimeFigureOut">
               <a:rPr lang="hu-HU" smtClean="0"/>
-              <a:t>2022.09.14.</a:t>
+              <a:t>2022.09.15.</a:t>
             </a:fld>
             <a:endParaRPr lang="hu-HU"/>
           </a:p>
@@ -7261,6 +7467,25 @@
     <p:sldLayoutId id="2147483710" r:id="rId15"/>
     <p:sldLayoutId id="2147483711" r:id="rId16"/>
   </p:sldLayoutIdLst>
+  <mc:AlternateContent xmlns:mc="http://schemas.openxmlformats.org/markup-compatibility/2006" xmlns:p15="http://schemas.microsoft.com/office/powerpoint/2012/main">
+    <mc:Choice Requires="p15">
+      <p:transition xmlns:p14="http://schemas.microsoft.com/office/powerpoint/2010/main" spd="slow" p14:dur="1250">
+        <p15:prstTrans prst="pageCurlDouble"/>
+      </p:transition>
+    </mc:Choice>
+    <mc:Fallback xmlns="">
+      <p:transition spd="slow">
+        <p:fade/>
+      </p:transition>
+    </mc:Fallback>
+  </mc:AlternateContent>
+  <p:timing>
+    <p:tnLst>
+      <p:par>
+        <p:cTn id="1" dur="indefinite" restart="never" nodeType="tmRoot"/>
+      </p:par>
+    </p:tnLst>
+  </p:timing>
   <p:txStyles>
     <p:titleStyle>
       <a:lvl1pPr algn="l" defTabSz="457200" rtl="0" eaLnBrk="1" latinLnBrk="0" hangingPunct="1">
@@ -7680,31 +7905,56 @@
             <p:ph type="ctrTitle"/>
           </p:nvPr>
         </p:nvSpPr>
-        <p:spPr/>
+        <p:spPr>
+          <a:xfrm>
+            <a:off x="1841068" y="1857895"/>
+            <a:ext cx="8915399" cy="2262781"/>
+          </a:xfrm>
+        </p:spPr>
+        <p:txBody>
+          <a:bodyPr>
+            <a:normAutofit/>
+          </a:bodyPr>
+          <a:lstStyle/>
+          <a:p>
+            <a:pPr algn="ctr"/>
+            <a:r>
+              <a:rPr lang="hu-HU" b="1" dirty="0"/>
+              <a:t>A </a:t>
+            </a:r>
+            <a:r>
+              <a:rPr lang="hu-HU" b="1" dirty="0" smtClean="0"/>
+              <a:t>számítógépes billentyűzet</a:t>
+            </a:r>
+            <a:endParaRPr lang="hu-HU" dirty="0"/>
+          </a:p>
+        </p:txBody>
+      </p:sp>
+      <p:sp>
+        <p:nvSpPr>
+          <p:cNvPr id="3" name="Alcím 2"/>
+          <p:cNvSpPr>
+            <a:spLocks noGrp="1"/>
+          </p:cNvSpPr>
+          <p:nvPr>
+            <p:ph type="subTitle" idx="1"/>
+          </p:nvPr>
+        </p:nvSpPr>
+        <p:spPr>
+          <a:xfrm>
+            <a:off x="1009794" y="5720967"/>
+            <a:ext cx="8915399" cy="1126283"/>
+          </a:xfrm>
+        </p:spPr>
         <p:txBody>
           <a:bodyPr/>
           <a:lstStyle/>
           <a:p>
+            <a:r>
+              <a:rPr lang="hu-HU" dirty="0" smtClean="0"/>
+              <a:t>Készítette: Ács Norbert</a:t>
+            </a:r>
             <a:endParaRPr lang="hu-HU" dirty="0"/>
-          </a:p>
-        </p:txBody>
-      </p:sp>
-      <p:sp>
-        <p:nvSpPr>
-          <p:cNvPr id="3" name="Alcím 2"/>
-          <p:cNvSpPr>
-            <a:spLocks noGrp="1"/>
-          </p:cNvSpPr>
-          <p:nvPr>
-            <p:ph type="subTitle" idx="1"/>
-          </p:nvPr>
-        </p:nvSpPr>
-        <p:spPr/>
-        <p:txBody>
-          <a:bodyPr/>
-          <a:lstStyle/>
-          <a:p>
-            <a:endParaRPr lang="hu-HU"/>
           </a:p>
         </p:txBody>
       </p:sp>
@@ -7718,6 +7968,386 @@
   <p:clrMapOvr>
     <a:masterClrMapping/>
   </p:clrMapOvr>
+  <mc:AlternateContent xmlns:mc="http://schemas.openxmlformats.org/markup-compatibility/2006" xmlns:p15="http://schemas.microsoft.com/office/powerpoint/2012/main">
+    <mc:Choice Requires="p15">
+      <p:transition xmlns:p14="http://schemas.microsoft.com/office/powerpoint/2010/main" spd="slow" p14:dur="1250">
+        <p15:prstTrans prst="pageCurlDouble"/>
+      </p:transition>
+    </mc:Choice>
+    <mc:Fallback xmlns="">
+      <p:transition spd="slow">
+        <p:fade/>
+      </p:transition>
+    </mc:Fallback>
+  </mc:AlternateContent>
+  <p:timing>
+    <p:tnLst>
+      <p:par>
+        <p:cTn id="1" dur="indefinite" restart="never" nodeType="tmRoot"/>
+      </p:par>
+    </p:tnLst>
+  </p:timing>
+</p:sld>
+</file>
+
+<file path=ppt/slides/slide2.xml><?xml version="1.0" encoding="utf-8"?>
+<p:sld xmlns:a="http://schemas.openxmlformats.org/drawingml/2006/main" xmlns:r="http://schemas.openxmlformats.org/officeDocument/2006/relationships" xmlns:p="http://schemas.openxmlformats.org/presentationml/2006/main">
+  <p:cSld>
+    <p:spTree>
+      <p:nvGrpSpPr>
+        <p:cNvPr id="1" name=""/>
+        <p:cNvGrpSpPr/>
+        <p:nvPr/>
+      </p:nvGrpSpPr>
+      <p:grpSpPr>
+        <a:xfrm>
+          <a:off x="0" y="0"/>
+          <a:ext cx="0" cy="0"/>
+          <a:chOff x="0" y="0"/>
+          <a:chExt cx="0" cy="0"/>
+        </a:xfrm>
+      </p:grpSpPr>
+      <p:sp>
+        <p:nvSpPr>
+          <p:cNvPr id="2" name="Cím 1"/>
+          <p:cNvSpPr>
+            <a:spLocks noGrp="1"/>
+          </p:cNvSpPr>
+          <p:nvPr>
+            <p:ph type="title"/>
+          </p:nvPr>
+        </p:nvSpPr>
+        <p:spPr>
+          <a:xfrm>
+            <a:off x="1774565" y="670764"/>
+            <a:ext cx="8911687" cy="1280890"/>
+          </a:xfrm>
+        </p:spPr>
+        <p:txBody>
+          <a:bodyPr/>
+          <a:lstStyle/>
+          <a:p>
+            <a:r>
+              <a:rPr lang="hu-HU" dirty="0" smtClean="0"/>
+              <a:t>Feltalálása</a:t>
+            </a:r>
+            <a:endParaRPr lang="hu-HU" dirty="0"/>
+          </a:p>
+        </p:txBody>
+      </p:sp>
+      <p:sp>
+        <p:nvSpPr>
+          <p:cNvPr id="3" name="Tartalom helye 2"/>
+          <p:cNvSpPr>
+            <a:spLocks noGrp="1"/>
+          </p:cNvSpPr>
+          <p:nvPr>
+            <p:ph sz="half" idx="1"/>
+          </p:nvPr>
+        </p:nvSpPr>
+        <p:spPr>
+          <a:xfrm>
+            <a:off x="1774565" y="1951654"/>
+            <a:ext cx="4313864" cy="3777622"/>
+          </a:xfrm>
+        </p:spPr>
+        <p:txBody>
+          <a:bodyPr/>
+          <a:lstStyle/>
+          <a:p>
+            <a:r>
+              <a:rPr lang="hu-HU" dirty="0" err="1" smtClean="0"/>
+              <a:t>Közvelten</a:t>
+            </a:r>
+            <a:r>
+              <a:rPr lang="hu-HU" dirty="0" smtClean="0"/>
+              <a:t> az írógép után (öröklés)</a:t>
+            </a:r>
+          </a:p>
+          <a:p>
+            <a:r>
+              <a:rPr lang="hu-HU" dirty="0" err="1"/>
+              <a:t>Christopher</a:t>
+            </a:r>
+            <a:r>
+              <a:rPr lang="hu-HU" dirty="0"/>
+              <a:t> Latham </a:t>
+            </a:r>
+            <a:r>
+              <a:rPr lang="hu-HU" dirty="0" err="1" smtClean="0"/>
+              <a:t>Sholes</a:t>
+            </a:r>
+            <a:r>
+              <a:rPr lang="hu-HU" dirty="0" smtClean="0"/>
+              <a:t> (1868)</a:t>
+            </a:r>
+          </a:p>
+          <a:p>
+            <a:r>
+              <a:rPr lang="hu-HU" dirty="0"/>
+              <a:t>Remington </a:t>
+            </a:r>
+            <a:r>
+              <a:rPr lang="hu-HU" dirty="0" err="1" smtClean="0"/>
+              <a:t>Company</a:t>
+            </a:r>
+            <a:r>
+              <a:rPr lang="hu-HU" dirty="0" smtClean="0"/>
+              <a:t> – forgalmazás</a:t>
+            </a:r>
+          </a:p>
+          <a:p>
+            <a:r>
+              <a:rPr lang="hu-HU" dirty="0" smtClean="0"/>
+              <a:t>A </a:t>
+            </a:r>
+            <a:r>
+              <a:rPr lang="hu-HU" dirty="0"/>
+              <a:t>technológiai </a:t>
+            </a:r>
+            <a:r>
+              <a:rPr lang="hu-HU" dirty="0" smtClean="0"/>
+              <a:t>fejlesztések</a:t>
+            </a:r>
+          </a:p>
+          <a:p>
+            <a:r>
+              <a:rPr lang="hu-HU" dirty="0" smtClean="0"/>
+              <a:t>Mai napi billentyűzet</a:t>
+            </a:r>
+            <a:endParaRPr lang="hu-HU" dirty="0"/>
+          </a:p>
+        </p:txBody>
+      </p:sp>
+      <p:pic>
+        <p:nvPicPr>
+          <p:cNvPr id="8" name="Tartalom helye 7"/>
+          <p:cNvPicPr>
+            <a:picLocks noGrp="1" noChangeAspect="1"/>
+          </p:cNvPicPr>
+          <p:nvPr>
+            <p:ph sz="half" idx="2"/>
+          </p:nvPr>
+        </p:nvPicPr>
+        <p:blipFill>
+          <a:blip r:embed="rId2" cstate="print">
+            <a:extLst>
+              <a:ext uri="{28A0092B-C50C-407E-A947-70E740481C1C}">
+                <a14:useLocalDpi xmlns:a14="http://schemas.microsoft.com/office/drawing/2010/main" val="0"/>
+              </a:ext>
+            </a:extLst>
+          </a:blip>
+          <a:stretch>
+            <a:fillRect/>
+          </a:stretch>
+        </p:blipFill>
+        <p:spPr>
+          <a:xfrm>
+            <a:off x="6606158" y="1951654"/>
+            <a:ext cx="5266676" cy="2962504"/>
+          </a:xfrm>
+        </p:spPr>
+      </p:pic>
+    </p:spTree>
+    <p:extLst>
+      <p:ext uri="{BB962C8B-B14F-4D97-AF65-F5344CB8AC3E}">
+        <p14:creationId xmlns:p14="http://schemas.microsoft.com/office/powerpoint/2010/main" val="1354544233"/>
+      </p:ext>
+    </p:extLst>
+  </p:cSld>
+  <p:clrMapOvr>
+    <a:masterClrMapping/>
+  </p:clrMapOvr>
+  <mc:AlternateContent xmlns:mc="http://schemas.openxmlformats.org/markup-compatibility/2006" xmlns:p15="http://schemas.microsoft.com/office/powerpoint/2012/main">
+    <mc:Choice Requires="p15">
+      <p:transition xmlns:p14="http://schemas.microsoft.com/office/powerpoint/2010/main" spd="slow" p14:dur="1250">
+        <p15:prstTrans prst="pageCurlDouble"/>
+      </p:transition>
+    </mc:Choice>
+    <mc:Fallback xmlns="">
+      <p:transition spd="slow">
+        <p:fade/>
+      </p:transition>
+    </mc:Fallback>
+  </mc:AlternateContent>
+  <p:timing>
+    <p:tnLst>
+      <p:par>
+        <p:cTn id="1" dur="indefinite" restart="never" nodeType="tmRoot"/>
+      </p:par>
+    </p:tnLst>
+  </p:timing>
+</p:sld>
+</file>
+
+<file path=ppt/slides/slide3.xml><?xml version="1.0" encoding="utf-8"?>
+<p:sld xmlns:a="http://schemas.openxmlformats.org/drawingml/2006/main" xmlns:r="http://schemas.openxmlformats.org/officeDocument/2006/relationships" xmlns:p="http://schemas.openxmlformats.org/presentationml/2006/main">
+  <p:cSld>
+    <p:spTree>
+      <p:nvGrpSpPr>
+        <p:cNvPr id="1" name=""/>
+        <p:cNvGrpSpPr/>
+        <p:nvPr/>
+      </p:nvGrpSpPr>
+      <p:grpSpPr>
+        <a:xfrm>
+          <a:off x="0" y="0"/>
+          <a:ext cx="0" cy="0"/>
+          <a:chOff x="0" y="0"/>
+          <a:chExt cx="0" cy="0"/>
+        </a:xfrm>
+      </p:grpSpPr>
+      <p:sp>
+        <p:nvSpPr>
+          <p:cNvPr id="4" name="Cím 3"/>
+          <p:cNvSpPr>
+            <a:spLocks noGrp="1"/>
+          </p:cNvSpPr>
+          <p:nvPr>
+            <p:ph type="title"/>
+          </p:nvPr>
+        </p:nvSpPr>
+        <p:spPr>
+          <a:xfrm>
+            <a:off x="1886341" y="665673"/>
+            <a:ext cx="8911687" cy="1280890"/>
+          </a:xfrm>
+        </p:spPr>
+        <p:txBody>
+          <a:bodyPr/>
+          <a:lstStyle/>
+          <a:p>
+            <a:r>
+              <a:rPr lang="hu-HU" dirty="0" smtClean="0"/>
+              <a:t>QWERTY billentyűzet</a:t>
+            </a:r>
+            <a:endParaRPr lang="hu-HU" dirty="0"/>
+          </a:p>
+        </p:txBody>
+      </p:sp>
+      <p:sp>
+        <p:nvSpPr>
+          <p:cNvPr id="5" name="Tartalom helye 4"/>
+          <p:cNvSpPr>
+            <a:spLocks noGrp="1"/>
+          </p:cNvSpPr>
+          <p:nvPr>
+            <p:ph sz="half" idx="1"/>
+          </p:nvPr>
+        </p:nvSpPr>
+        <p:spPr>
+          <a:xfrm>
+            <a:off x="1886341" y="1977978"/>
+            <a:ext cx="4313864" cy="3777622"/>
+          </a:xfrm>
+        </p:spPr>
+        <p:txBody>
+          <a:bodyPr/>
+          <a:lstStyle/>
+          <a:p>
+            <a:r>
+              <a:rPr lang="hu-HU" dirty="0"/>
+              <a:t>Számos </a:t>
+            </a:r>
+            <a:r>
+              <a:rPr lang="hu-HU" dirty="0" smtClean="0"/>
+              <a:t>legenda</a:t>
+            </a:r>
+          </a:p>
+          <a:p>
+            <a:r>
+              <a:rPr lang="hu-HU" dirty="0" err="1"/>
+              <a:t>Sholes</a:t>
+            </a:r>
+            <a:r>
+              <a:rPr lang="hu-HU" dirty="0"/>
+              <a:t> és partnere, James </a:t>
+            </a:r>
+            <a:r>
+              <a:rPr lang="hu-HU" dirty="0" err="1"/>
+              <a:t>Densmore</a:t>
+            </a:r>
+            <a:r>
+              <a:rPr lang="hu-HU" dirty="0"/>
+              <a:t> </a:t>
+            </a:r>
+            <a:r>
+              <a:rPr lang="hu-HU" dirty="0" smtClean="0"/>
+              <a:t>szabadalmaztatott</a:t>
+            </a:r>
+          </a:p>
+          <a:p>
+            <a:r>
+              <a:rPr lang="hu-HU" dirty="0" smtClean="0"/>
+              <a:t>Elrendezés, mechanikai technológia gondok ellen</a:t>
+            </a:r>
+          </a:p>
+          <a:p>
+            <a:r>
+              <a:rPr lang="hu-HU" dirty="0" smtClean="0"/>
+              <a:t>Billentyű lenyomás régen</a:t>
+            </a:r>
+          </a:p>
+          <a:p>
+            <a:r>
+              <a:rPr lang="hu-HU" dirty="0" smtClean="0"/>
+              <a:t>Legnépszerűbb angol nyelvterületen</a:t>
+            </a:r>
+            <a:endParaRPr lang="hu-HU" dirty="0"/>
+          </a:p>
+        </p:txBody>
+      </p:sp>
+      <p:pic>
+        <p:nvPicPr>
+          <p:cNvPr id="7" name="Tartalom helye 6"/>
+          <p:cNvPicPr>
+            <a:picLocks noGrp="1" noChangeAspect="1"/>
+          </p:cNvPicPr>
+          <p:nvPr>
+            <p:ph sz="half" idx="2"/>
+          </p:nvPr>
+        </p:nvPicPr>
+        <p:blipFill>
+          <a:blip r:embed="rId2">
+            <a:extLst>
+              <a:ext uri="{28A0092B-C50C-407E-A947-70E740481C1C}">
+                <a14:useLocalDpi xmlns:a14="http://schemas.microsoft.com/office/drawing/2010/main" val="0"/>
+              </a:ext>
+            </a:extLst>
+          </a:blip>
+          <a:stretch>
+            <a:fillRect/>
+          </a:stretch>
+        </p:blipFill>
+        <p:spPr>
+          <a:xfrm>
+            <a:off x="6267798" y="1977978"/>
+            <a:ext cx="5445788" cy="3080758"/>
+          </a:xfrm>
+        </p:spPr>
+      </p:pic>
+    </p:spTree>
+    <p:extLst>
+      <p:ext uri="{BB962C8B-B14F-4D97-AF65-F5344CB8AC3E}">
+        <p14:creationId xmlns:p14="http://schemas.microsoft.com/office/powerpoint/2010/main" val="558859068"/>
+      </p:ext>
+    </p:extLst>
+  </p:cSld>
+  <p:clrMapOvr>
+    <a:masterClrMapping/>
+  </p:clrMapOvr>
+  <mc:AlternateContent xmlns:mc="http://schemas.openxmlformats.org/markup-compatibility/2006" xmlns:p15="http://schemas.microsoft.com/office/powerpoint/2012/main">
+    <mc:Choice Requires="p15">
+      <p:transition xmlns:p14="http://schemas.microsoft.com/office/powerpoint/2010/main" spd="slow" p14:dur="1250">
+        <p15:prstTrans prst="pageCurlDouble"/>
+      </p:transition>
+    </mc:Choice>
+    <mc:Fallback xmlns="">
+      <p:transition spd="slow">
+        <p:fade/>
+      </p:transition>
+    </mc:Fallback>
+  </mc:AlternateContent>
   <p:timing>
     <p:tnLst>
       <p:par>

--- a/ikt.pptx
+++ b/ikt.pptx
@@ -9,6 +9,9 @@
     <p:sldId id="257" r:id="rId3"/>
     <p:sldId id="258" r:id="rId4"/>
     <p:sldId id="259" r:id="rId5"/>
+    <p:sldId id="260" r:id="rId6"/>
+    <p:sldId id="261" r:id="rId7"/>
+    <p:sldId id="262" r:id="rId8"/>
   </p:sldIdLst>
   <p:sldSz cx="12192000" cy="6858000"/>
   <p:notesSz cx="6858000" cy="9144000"/>
@@ -262,7 +265,7 @@
           <a:p>
             <a:fld id="{1992587E-51EA-4C36-8D37-0D2CAFFACDE2}" type="datetimeFigureOut">
               <a:rPr lang="hu-HU" smtClean="0"/>
-              <a:t>2022. 09. 27.</a:t>
+              <a:t>2022. 09. 28.</a:t>
             </a:fld>
             <a:endParaRPr lang="hu-HU"/>
           </a:p>
@@ -460,7 +463,7 @@
           <a:p>
             <a:fld id="{1992587E-51EA-4C36-8D37-0D2CAFFACDE2}" type="datetimeFigureOut">
               <a:rPr lang="hu-HU" smtClean="0"/>
-              <a:t>2022. 09. 27.</a:t>
+              <a:t>2022. 09. 28.</a:t>
             </a:fld>
             <a:endParaRPr lang="hu-HU"/>
           </a:p>
@@ -668,7 +671,7 @@
           <a:p>
             <a:fld id="{1992587E-51EA-4C36-8D37-0D2CAFFACDE2}" type="datetimeFigureOut">
               <a:rPr lang="hu-HU" smtClean="0"/>
-              <a:t>2022. 09. 27.</a:t>
+              <a:t>2022. 09. 28.</a:t>
             </a:fld>
             <a:endParaRPr lang="hu-HU"/>
           </a:p>
@@ -866,7 +869,7 @@
           <a:p>
             <a:fld id="{1992587E-51EA-4C36-8D37-0D2CAFFACDE2}" type="datetimeFigureOut">
               <a:rPr lang="hu-HU" smtClean="0"/>
-              <a:t>2022. 09. 27.</a:t>
+              <a:t>2022. 09. 28.</a:t>
             </a:fld>
             <a:endParaRPr lang="hu-HU"/>
           </a:p>
@@ -1141,7 +1144,7 @@
           <a:p>
             <a:fld id="{1992587E-51EA-4C36-8D37-0D2CAFFACDE2}" type="datetimeFigureOut">
               <a:rPr lang="hu-HU" smtClean="0"/>
-              <a:t>2022. 09. 27.</a:t>
+              <a:t>2022. 09. 28.</a:t>
             </a:fld>
             <a:endParaRPr lang="hu-HU"/>
           </a:p>
@@ -1406,7 +1409,7 @@
           <a:p>
             <a:fld id="{1992587E-51EA-4C36-8D37-0D2CAFFACDE2}" type="datetimeFigureOut">
               <a:rPr lang="hu-HU" smtClean="0"/>
-              <a:t>2022. 09. 27.</a:t>
+              <a:t>2022. 09. 28.</a:t>
             </a:fld>
             <a:endParaRPr lang="hu-HU"/>
           </a:p>
@@ -1818,7 +1821,7 @@
           <a:p>
             <a:fld id="{1992587E-51EA-4C36-8D37-0D2CAFFACDE2}" type="datetimeFigureOut">
               <a:rPr lang="hu-HU" smtClean="0"/>
-              <a:t>2022. 09. 27.</a:t>
+              <a:t>2022. 09. 28.</a:t>
             </a:fld>
             <a:endParaRPr lang="hu-HU"/>
           </a:p>
@@ -1959,7 +1962,7 @@
           <a:p>
             <a:fld id="{1992587E-51EA-4C36-8D37-0D2CAFFACDE2}" type="datetimeFigureOut">
               <a:rPr lang="hu-HU" smtClean="0"/>
-              <a:t>2022. 09. 27.</a:t>
+              <a:t>2022. 09. 28.</a:t>
             </a:fld>
             <a:endParaRPr lang="hu-HU"/>
           </a:p>
@@ -2072,7 +2075,7 @@
           <a:p>
             <a:fld id="{1992587E-51EA-4C36-8D37-0D2CAFFACDE2}" type="datetimeFigureOut">
               <a:rPr lang="hu-HU" smtClean="0"/>
-              <a:t>2022. 09. 27.</a:t>
+              <a:t>2022. 09. 28.</a:t>
             </a:fld>
             <a:endParaRPr lang="hu-HU"/>
           </a:p>
@@ -2383,7 +2386,7 @@
           <a:p>
             <a:fld id="{1992587E-51EA-4C36-8D37-0D2CAFFACDE2}" type="datetimeFigureOut">
               <a:rPr lang="hu-HU" smtClean="0"/>
-              <a:t>2022. 09. 27.</a:t>
+              <a:t>2022. 09. 28.</a:t>
             </a:fld>
             <a:endParaRPr lang="hu-HU"/>
           </a:p>
@@ -2671,7 +2674,7 @@
           <a:p>
             <a:fld id="{1992587E-51EA-4C36-8D37-0D2CAFFACDE2}" type="datetimeFigureOut">
               <a:rPr lang="hu-HU" smtClean="0"/>
-              <a:t>2022. 09. 27.</a:t>
+              <a:t>2022. 09. 28.</a:t>
             </a:fld>
             <a:endParaRPr lang="hu-HU"/>
           </a:p>
@@ -2912,7 +2915,7 @@
           <a:p>
             <a:fld id="{1992587E-51EA-4C36-8D37-0D2CAFFACDE2}" type="datetimeFigureOut">
               <a:rPr lang="hu-HU" smtClean="0"/>
-              <a:t>2022. 09. 27.</a:t>
+              <a:t>2022. 09. 28.</a:t>
             </a:fld>
             <a:endParaRPr lang="hu-HU"/>
           </a:p>
@@ -3961,7 +3964,7 @@
         </p:nvSpPr>
         <p:spPr>
           <a:xfrm>
-            <a:off x="4343626" y="4195281"/>
+            <a:off x="3924300" y="4195194"/>
             <a:ext cx="909638" cy="307777"/>
           </a:xfrm>
           <a:prstGeom prst="rect">
@@ -3999,8 +4002,8 @@
         </p:nvSpPr>
         <p:spPr>
           <a:xfrm>
-            <a:off x="5686425" y="4188378"/>
-            <a:ext cx="971552" cy="307777"/>
+            <a:off x="4833938" y="4195194"/>
+            <a:ext cx="1070909" cy="307777"/>
           </a:xfrm>
           <a:prstGeom prst="rect">
             <a:avLst/>
@@ -4017,7 +4020,7 @@
               <a:rPr lang="hu-HU" sz="1400" u="sng" dirty="0">
                 <a:hlinkClick r:id="rId5" action="ppaction://hlinksldjump"/>
               </a:rPr>
-              <a:t>téma</a:t>
+              <a:t>generációk</a:t>
             </a:r>
             <a:endParaRPr lang="hu-HU" sz="1400" u="sng" dirty="0"/>
           </a:p>
@@ -4037,7 +4040,7 @@
         </p:nvSpPr>
         <p:spPr>
           <a:xfrm>
-            <a:off x="6762752" y="4189689"/>
+            <a:off x="5863246" y="4195194"/>
             <a:ext cx="704848" cy="307777"/>
           </a:xfrm>
           <a:prstGeom prst="rect">
@@ -4055,7 +4058,7 @@
               <a:rPr lang="hu-HU" sz="1400" u="sng" dirty="0">
                 <a:hlinkClick r:id="rId6" action="ppaction://hlinksldjump"/>
               </a:rPr>
-              <a:t>téma</a:t>
+              <a:t>bitek</a:t>
             </a:r>
             <a:endParaRPr lang="hu-HU" sz="1400" u="sng" dirty="0"/>
           </a:p>
@@ -4103,6 +4106,93 @@
           </a:p>
         </p:txBody>
       </p:sp>
+      <p:sp>
+        <p:nvSpPr>
+          <p:cNvPr id="3" name="Szövegdoboz 2">
+            <a:extLst>
+              <a:ext uri="{FF2B5EF4-FFF2-40B4-BE49-F238E27FC236}">
+                <a16:creationId xmlns:a16="http://schemas.microsoft.com/office/drawing/2014/main" id="{A67169D3-7861-359C-8AED-070FEA27AC9A}"/>
+              </a:ext>
+            </a:extLst>
+          </p:cNvPr>
+          <p:cNvSpPr txBox="1"/>
+          <p:nvPr/>
+        </p:nvSpPr>
+        <p:spPr>
+          <a:xfrm>
+            <a:off x="6530133" y="4189872"/>
+            <a:ext cx="1067269" cy="307777"/>
+          </a:xfrm>
+          <a:prstGeom prst="rect">
+            <a:avLst/>
+          </a:prstGeom>
+          <a:noFill/>
+        </p:spPr>
+        <p:txBody>
+          <a:bodyPr wrap="square" rtlCol="0">
+            <a:spAutoFit/>
+          </a:bodyPr>
+          <a:lstStyle/>
+          <a:p>
+            <a:r>
+              <a:rPr lang="hu-HU" sz="1400" b="0" i="0" u="sng" dirty="0">
+                <a:solidFill>
+                  <a:srgbClr val="000000"/>
+                </a:solidFill>
+                <a:effectLst/>
+                <a:latin typeface="Linux Libertine"/>
+                <a:hlinkClick r:id="rId7" action="ppaction://hlinksldjump"/>
+              </a:rPr>
+              <a:t>összeomlás</a:t>
+            </a:r>
+            <a:endParaRPr lang="hu-HU" sz="1400" b="0" i="0" u="sng" dirty="0">
+              <a:solidFill>
+                <a:srgbClr val="000000"/>
+              </a:solidFill>
+              <a:effectLst/>
+              <a:latin typeface="Linux Libertine"/>
+            </a:endParaRPr>
+          </a:p>
+        </p:txBody>
+      </p:sp>
+      <p:sp>
+        <p:nvSpPr>
+          <p:cNvPr id="5" name="Szövegdoboz 4">
+            <a:extLst>
+              <a:ext uri="{FF2B5EF4-FFF2-40B4-BE49-F238E27FC236}">
+                <a16:creationId xmlns:a16="http://schemas.microsoft.com/office/drawing/2014/main" id="{9BDEB30D-4FDC-2586-816D-CCEBD6066B80}"/>
+              </a:ext>
+            </a:extLst>
+          </p:cNvPr>
+          <p:cNvSpPr txBox="1"/>
+          <p:nvPr/>
+        </p:nvSpPr>
+        <p:spPr>
+          <a:xfrm>
+            <a:off x="7597402" y="4189871"/>
+            <a:ext cx="1244567" cy="307777"/>
+          </a:xfrm>
+          <a:prstGeom prst="rect">
+            <a:avLst/>
+          </a:prstGeom>
+          <a:noFill/>
+        </p:spPr>
+        <p:txBody>
+          <a:bodyPr wrap="square" rtlCol="0">
+            <a:spAutoFit/>
+          </a:bodyPr>
+          <a:lstStyle/>
+          <a:p>
+            <a:r>
+              <a:rPr lang="hu-HU" sz="1400" u="sng" dirty="0">
+                <a:hlinkClick r:id="rId8" action="ppaction://hlinksldjump"/>
+              </a:rPr>
+              <a:t>jelen</a:t>
+            </a:r>
+            <a:endParaRPr lang="hu-HU" sz="1400" u="sng" dirty="0"/>
+          </a:p>
+        </p:txBody>
+      </p:sp>
     </p:spTree>
     <p:extLst>
       <p:ext uri="{BB962C8B-B14F-4D97-AF65-F5344CB8AC3E}">
@@ -4113,11 +4203,11 @@
   <p:clrMapOvr>
     <a:masterClrMapping/>
   </p:clrMapOvr>
-  <mc:AlternateContent xmlns:mc="http://schemas.openxmlformats.org/markup-compatibility/2006">
-    <mc:Choice xmlns:p14="http://schemas.microsoft.com/office/powerpoint/2010/main" Requires="p14">
+  <mc:AlternateContent xmlns:mc="http://schemas.openxmlformats.org/markup-compatibility/2006" xmlns:p14="http://schemas.microsoft.com/office/powerpoint/2010/main">
+    <mc:Choice Requires="p14">
       <p:transition p14:dur="10"/>
     </mc:Choice>
-    <mc:Fallback>
+    <mc:Fallback xmlns="">
       <p:transition/>
     </mc:Fallback>
   </mc:AlternateContent>
@@ -5712,24 +5802,15 @@
                                   </p:childTnLst>
                                 </p:cTn>
                               </p:par>
-                            </p:childTnLst>
-                          </p:cTn>
-                        </p:par>
-                        <p:par>
-                          <p:cTn id="39" fill="hold">
-                            <p:stCondLst>
-                              <p:cond delay="2500"/>
-                            </p:stCondLst>
-                            <p:childTnLst>
                               <p:par>
-                                <p:cTn id="40" presetID="22" presetClass="entr" presetSubtype="4" fill="hold" grpId="0" nodeType="afterEffect">
+                                <p:cTn id="39" presetID="22" presetClass="entr" presetSubtype="4" fill="hold" grpId="0" nodeType="withEffect">
                                   <p:stCondLst>
                                     <p:cond delay="0"/>
                                   </p:stCondLst>
                                   <p:childTnLst>
                                     <p:set>
                                       <p:cBhvr>
-                                        <p:cTn id="41" dur="1" fill="hold">
+                                        <p:cTn id="40" dur="1" fill="hold">
                                           <p:stCondLst>
                                             <p:cond delay="0"/>
                                           </p:stCondLst>
@@ -5747,7 +5828,7 @@
                                     </p:set>
                                     <p:animEffect transition="in" filter="wipe(down)">
                                       <p:cBhvr>
-                                        <p:cTn id="42" dur="500"/>
+                                        <p:cTn id="41" dur="500"/>
                                         <p:tgtEl>
                                           <p:spTgt spid="27"/>
                                         </p:tgtEl>
@@ -5756,24 +5837,15 @@
                                   </p:childTnLst>
                                 </p:cTn>
                               </p:par>
-                            </p:childTnLst>
-                          </p:cTn>
-                        </p:par>
-                        <p:par>
-                          <p:cTn id="43" fill="hold">
-                            <p:stCondLst>
-                              <p:cond delay="3000"/>
-                            </p:stCondLst>
-                            <p:childTnLst>
                               <p:par>
-                                <p:cTn id="44" presetID="22" presetClass="entr" presetSubtype="4" fill="hold" grpId="0" nodeType="afterEffect">
+                                <p:cTn id="42" presetID="22" presetClass="entr" presetSubtype="4" fill="hold" grpId="0" nodeType="withEffect">
                                   <p:stCondLst>
                                     <p:cond delay="0"/>
                                   </p:stCondLst>
                                   <p:childTnLst>
                                     <p:set>
                                       <p:cBhvr>
-                                        <p:cTn id="45" dur="1" fill="hold">
+                                        <p:cTn id="43" dur="1" fill="hold">
                                           <p:stCondLst>
                                             <p:cond delay="0"/>
                                           </p:stCondLst>
@@ -5791,7 +5863,7 @@
                                     </p:set>
                                     <p:animEffect transition="in" filter="wipe(down)">
                                       <p:cBhvr>
-                                        <p:cTn id="46" dur="500"/>
+                                        <p:cTn id="44" dur="500"/>
                                         <p:tgtEl>
                                           <p:spTgt spid="28"/>
                                         </p:tgtEl>
@@ -5800,30 +5872,56 @@
                                   </p:childTnLst>
                                 </p:cTn>
                               </p:par>
-                            </p:childTnLst>
-                          </p:cTn>
-                        </p:par>
-                        <p:par>
-                          <p:cTn id="47" fill="hold">
-                            <p:stCondLst>
-                              <p:cond delay="3500"/>
-                            </p:stCondLst>
-                            <p:childTnLst>
                               <p:par>
-                                <p:cTn id="48" presetID="22" presetClass="entr" presetSubtype="4" fill="hold" grpId="0" nodeType="afterEffect">
+                                <p:cTn id="45" presetID="22" presetClass="entr" presetSubtype="4" fill="hold" grpId="0" nodeType="withEffect">
                                   <p:stCondLst>
                                     <p:cond delay="0"/>
                                   </p:stCondLst>
                                   <p:childTnLst>
                                     <p:set>
                                       <p:cBhvr>
+                                        <p:cTn id="46" dur="1" fill="hold">
+                                          <p:stCondLst>
+                                            <p:cond delay="0"/>
+                                          </p:stCondLst>
+                                        </p:cTn>
+                                        <p:tgtEl>
+                                          <p:spTgt spid="30"/>
+                                        </p:tgtEl>
+                                        <p:attrNameLst>
+                                          <p:attrName>style.visibility</p:attrName>
+                                        </p:attrNameLst>
+                                      </p:cBhvr>
+                                      <p:to>
+                                        <p:strVal val="visible"/>
+                                      </p:to>
+                                    </p:set>
+                                    <p:animEffect transition="in" filter="wipe(down)">
+                                      <p:cBhvr>
+                                        <p:cTn id="47" dur="500"/>
+                                        <p:tgtEl>
+                                          <p:spTgt spid="30"/>
+                                        </p:tgtEl>
+                                      </p:cBhvr>
+                                    </p:animEffect>
+                                  </p:childTnLst>
+                                </p:cTn>
+                              </p:par>
+                              <p:par>
+                                <p:cTn id="48" presetID="22" presetClass="entr" presetSubtype="4" fill="hold" nodeType="withEffect">
+                                  <p:stCondLst>
+                                    <p:cond delay="0"/>
+                                  </p:stCondLst>
+                                  <p:childTnLst>
+                                    <p:set>
+                                      <p:cBhvr>
                                         <p:cTn id="49" dur="1" fill="hold">
                                           <p:stCondLst>
                                             <p:cond delay="0"/>
                                           </p:stCondLst>
                                         </p:cTn>
                                         <p:tgtEl>
-                                          <p:spTgt spid="30"/>
+                                          <p:spTgt spid="32"/>
                                         </p:tgtEl>
                                         <p:attrNameLst>
                                           <p:attrName>style.visibility</p:attrName>
@@ -5837,37 +5935,28 @@
                                       <p:cBhvr>
                                         <p:cTn id="50" dur="500"/>
                                         <p:tgtEl>
-                                          <p:spTgt spid="30"/>
+                                          <p:spTgt spid="32"/>
                                         </p:tgtEl>
                                       </p:cBhvr>
                                     </p:animEffect>
                                   </p:childTnLst>
                                 </p:cTn>
                               </p:par>
-                            </p:childTnLst>
-                          </p:cTn>
-                        </p:par>
-                        <p:par>
-                          <p:cTn id="51" fill="hold">
-                            <p:stCondLst>
-                              <p:cond delay="4000"/>
-                            </p:stCondLst>
-                            <p:childTnLst>
                               <p:par>
-                                <p:cTn id="52" presetID="22" presetClass="entr" presetSubtype="4" fill="hold" nodeType="afterEffect">
+                                <p:cTn id="51" presetID="22" presetClass="entr" presetSubtype="4" fill="hold" nodeType="withEffect">
                                   <p:stCondLst>
                                     <p:cond delay="0"/>
                                   </p:stCondLst>
                                   <p:childTnLst>
                                     <p:set>
                                       <p:cBhvr>
-                                        <p:cTn id="53" dur="1" fill="hold">
+                                        <p:cTn id="52" dur="1" fill="hold">
                                           <p:stCondLst>
                                             <p:cond delay="0"/>
                                           </p:stCondLst>
                                         </p:cTn>
                                         <p:tgtEl>
-                                          <p:spTgt spid="32"/>
+                                          <p:spTgt spid="44"/>
                                         </p:tgtEl>
                                         <p:attrNameLst>
                                           <p:attrName>style.visibility</p:attrName>
@@ -5879,39 +5968,30 @@
                                     </p:set>
                                     <p:animEffect transition="in" filter="wipe(down)">
                                       <p:cBhvr>
-                                        <p:cTn id="54" dur="500"/>
-                                        <p:tgtEl>
-                                          <p:spTgt spid="32"/>
+                                        <p:cTn id="53" dur="500"/>
+                                        <p:tgtEl>
+                                          <p:spTgt spid="44"/>
                                         </p:tgtEl>
                                       </p:cBhvr>
                                     </p:animEffect>
                                   </p:childTnLst>
                                 </p:cTn>
                               </p:par>
-                            </p:childTnLst>
-                          </p:cTn>
-                        </p:par>
-                        <p:par>
-                          <p:cTn id="55" fill="hold">
-                            <p:stCondLst>
-                              <p:cond delay="4500"/>
-                            </p:stCondLst>
-                            <p:childTnLst>
                               <p:par>
-                                <p:cTn id="56" presetID="22" presetClass="entr" presetSubtype="4" fill="hold" nodeType="afterEffect">
+                                <p:cTn id="54" presetID="22" presetClass="entr" presetSubtype="4" fill="hold" nodeType="withEffect">
                                   <p:stCondLst>
                                     <p:cond delay="0"/>
                                   </p:stCondLst>
                                   <p:childTnLst>
                                     <p:set>
                                       <p:cBhvr>
-                                        <p:cTn id="57" dur="1" fill="hold">
+                                        <p:cTn id="55" dur="1" fill="hold">
                                           <p:stCondLst>
                                             <p:cond delay="0"/>
                                           </p:stCondLst>
                                         </p:cTn>
                                         <p:tgtEl>
-                                          <p:spTgt spid="44"/>
+                                          <p:spTgt spid="40"/>
                                         </p:tgtEl>
                                         <p:attrNameLst>
                                           <p:attrName>style.visibility</p:attrName>
@@ -5923,51 +6003,7 @@
                                     </p:set>
                                     <p:animEffect transition="in" filter="wipe(down)">
                                       <p:cBhvr>
-                                        <p:cTn id="58" dur="500"/>
-                                        <p:tgtEl>
-                                          <p:spTgt spid="44"/>
-                                        </p:tgtEl>
-                                      </p:cBhvr>
-                                    </p:animEffect>
-                                  </p:childTnLst>
-                                </p:cTn>
-                              </p:par>
-                            </p:childTnLst>
-                          </p:cTn>
-                        </p:par>
-                        <p:par>
-                          <p:cTn id="59" fill="hold">
-                            <p:stCondLst>
-                              <p:cond delay="5000"/>
-                            </p:stCondLst>
-                            <p:childTnLst>
-                              <p:par>
-                                <p:cTn id="60" presetID="22" presetClass="entr" presetSubtype="4" fill="hold" nodeType="afterEffect">
-                                  <p:stCondLst>
-                                    <p:cond delay="0"/>
-                                  </p:stCondLst>
-                                  <p:childTnLst>
-                                    <p:set>
-                                      <p:cBhvr>
-                                        <p:cTn id="61" dur="1" fill="hold">
-                                          <p:stCondLst>
-                                            <p:cond delay="0"/>
-                                          </p:stCondLst>
-                                        </p:cTn>
-                                        <p:tgtEl>
-                                          <p:spTgt spid="40"/>
-                                        </p:tgtEl>
-                                        <p:attrNameLst>
-                                          <p:attrName>style.visibility</p:attrName>
-                                        </p:attrNameLst>
-                                      </p:cBhvr>
-                                      <p:to>
-                                        <p:strVal val="visible"/>
-                                      </p:to>
-                                    </p:set>
-                                    <p:animEffect transition="in" filter="wipe(down)">
-                                      <p:cBhvr>
-                                        <p:cTn id="62" dur="500"/>
+                                        <p:cTn id="56" dur="500"/>
                                         <p:tgtEl>
                                           <p:spTgt spid="40"/>
                                         </p:tgtEl>
@@ -6133,31 +6169,6 @@
       </p:sp>
       <p:sp>
         <p:nvSpPr>
-          <p:cNvPr id="3" name="Tartalom helye 2">
-            <a:extLst>
-              <a:ext uri="{FF2B5EF4-FFF2-40B4-BE49-F238E27FC236}">
-                <a16:creationId xmlns:a16="http://schemas.microsoft.com/office/drawing/2014/main" id="{673CAEFE-D7F5-28FD-9AC7-E88ECC683E27}"/>
-              </a:ext>
-            </a:extLst>
-          </p:cNvPr>
-          <p:cNvSpPr>
-            <a:spLocks noGrp="1"/>
-          </p:cNvSpPr>
-          <p:nvPr>
-            <p:ph idx="1"/>
-          </p:nvPr>
-        </p:nvSpPr>
-        <p:spPr/>
-        <p:txBody>
-          <a:bodyPr/>
-          <a:lstStyle/>
-          <a:p>
-            <a:endParaRPr lang="hu-HU"/>
-          </a:p>
-        </p:txBody>
-      </p:sp>
-      <p:sp>
-        <p:nvSpPr>
           <p:cNvPr id="19" name="Téglalap: lekerekített 18">
             <a:extLst>
               <a:ext uri="{FF2B5EF4-FFF2-40B4-BE49-F238E27FC236}">
@@ -6694,8 +6705,8 @@
         </p:nvSpPr>
         <p:spPr>
           <a:xfrm>
-            <a:off x="3520003" y="484912"/>
-            <a:ext cx="2466975" cy="369332"/>
+            <a:off x="3071087" y="483154"/>
+            <a:ext cx="3210699" cy="369332"/>
           </a:xfrm>
           <a:prstGeom prst="rect">
             <a:avLst/>
@@ -6716,9 +6727,542 @@
                 <a:effectLst/>
                 <a:latin typeface="Arial" panose="020B0604020202020204" pitchFamily="34" charset="0"/>
               </a:rPr>
-              <a:t>videójáték-konzol</a:t>
+              <a:t>videójáték-konzol, generációk</a:t>
             </a:r>
             <a:endParaRPr lang="hu-HU" dirty="0"/>
+          </a:p>
+        </p:txBody>
+      </p:sp>
+      <p:sp>
+        <p:nvSpPr>
+          <p:cNvPr id="4" name="Téglalap: lekerekített 3">
+            <a:extLst>
+              <a:ext uri="{FF2B5EF4-FFF2-40B4-BE49-F238E27FC236}">
+                <a16:creationId xmlns:a16="http://schemas.microsoft.com/office/drawing/2014/main" id="{E7E35142-A9D4-E7F7-2450-35F2CB7A4255}"/>
+              </a:ext>
+            </a:extLst>
+          </p:cNvPr>
+          <p:cNvSpPr/>
+          <p:nvPr/>
+        </p:nvSpPr>
+        <p:spPr>
+          <a:xfrm>
+            <a:off x="647700" y="1286668"/>
+            <a:ext cx="11068050" cy="5257007"/>
+          </a:xfrm>
+          <a:prstGeom prst="roundRect">
+            <a:avLst>
+              <a:gd name="adj" fmla="val 20110"/>
+            </a:avLst>
+          </a:prstGeom>
+          <a:solidFill>
+            <a:schemeClr val="bg1"/>
+          </a:solidFill>
+          <a:ln>
+            <a:noFill/>
+          </a:ln>
+          <a:effectLst>
+            <a:outerShdw blurRad="381000" sx="102000" sy="102000" algn="ctr" rotWithShape="0">
+              <a:prstClr val="black">
+                <a:alpha val="40000"/>
+              </a:prstClr>
+            </a:outerShdw>
+          </a:effectLst>
+        </p:spPr>
+        <p:style>
+          <a:lnRef idx="2">
+            <a:schemeClr val="accent1">
+              <a:shade val="50000"/>
+            </a:schemeClr>
+          </a:lnRef>
+          <a:fillRef idx="1">
+            <a:schemeClr val="accent1"/>
+          </a:fillRef>
+          <a:effectRef idx="0">
+            <a:schemeClr val="accent1"/>
+          </a:effectRef>
+          <a:fontRef idx="minor">
+            <a:schemeClr val="lt1"/>
+          </a:fontRef>
+        </p:style>
+        <p:txBody>
+          <a:bodyPr rtlCol="0" anchor="ctr"/>
+          <a:lstStyle/>
+          <a:p>
+            <a:pPr algn="ctr"/>
+            <a:endParaRPr lang="hu-HU"/>
+          </a:p>
+        </p:txBody>
+      </p:sp>
+      <p:pic>
+        <p:nvPicPr>
+          <p:cNvPr id="5" name="Kép 4">
+            <a:extLst>
+              <a:ext uri="{FF2B5EF4-FFF2-40B4-BE49-F238E27FC236}">
+                <a16:creationId xmlns:a16="http://schemas.microsoft.com/office/drawing/2014/main" id="{66C40EF4-17D0-B1C3-018A-43857BF43460}"/>
+              </a:ext>
+            </a:extLst>
+          </p:cNvPr>
+          <p:cNvPicPr>
+            <a:picLocks noChangeAspect="1"/>
+          </p:cNvPicPr>
+          <p:nvPr/>
+        </p:nvPicPr>
+        <p:blipFill>
+          <a:blip r:embed="rId4" cstate="print">
+            <a:extLst>
+              <a:ext uri="{28A0092B-C50C-407E-A947-70E740481C1C}">
+                <a14:useLocalDpi xmlns:a14="http://schemas.microsoft.com/office/drawing/2010/main" val="0"/>
+              </a:ext>
+            </a:extLst>
+          </a:blip>
+          <a:stretch>
+            <a:fillRect/>
+          </a:stretch>
+        </p:blipFill>
+        <p:spPr>
+          <a:xfrm>
+            <a:off x="841759" y="1381125"/>
+            <a:ext cx="1240954" cy="1425546"/>
+          </a:xfrm>
+          <a:prstGeom prst="rect">
+            <a:avLst/>
+          </a:prstGeom>
+        </p:spPr>
+      </p:pic>
+      <p:sp>
+        <p:nvSpPr>
+          <p:cNvPr id="10" name="Szövegdoboz 9">
+            <a:extLst>
+              <a:ext uri="{FF2B5EF4-FFF2-40B4-BE49-F238E27FC236}">
+                <a16:creationId xmlns:a16="http://schemas.microsoft.com/office/drawing/2014/main" id="{42086D5A-8BCA-0047-3313-F6C289849159}"/>
+              </a:ext>
+            </a:extLst>
+          </p:cNvPr>
+          <p:cNvSpPr txBox="1"/>
+          <p:nvPr/>
+        </p:nvSpPr>
+        <p:spPr>
+          <a:xfrm>
+            <a:off x="2316025" y="1418200"/>
+            <a:ext cx="6224630" cy="461665"/>
+          </a:xfrm>
+          <a:prstGeom prst="rect">
+            <a:avLst/>
+          </a:prstGeom>
+          <a:noFill/>
+        </p:spPr>
+        <p:txBody>
+          <a:bodyPr wrap="square">
+            <a:spAutoFit/>
+          </a:bodyPr>
+          <a:lstStyle/>
+          <a:p>
+            <a:pPr algn="l"/>
+            <a:r>
+              <a:rPr lang="hu-HU" sz="2400" b="0" i="0" u="sng" dirty="0">
+                <a:solidFill>
+                  <a:srgbClr val="000000"/>
+                </a:solidFill>
+                <a:effectLst/>
+                <a:latin typeface="Linux Libertine"/>
+              </a:rPr>
+              <a:t>Történelem</a:t>
+            </a:r>
+          </a:p>
+        </p:txBody>
+      </p:sp>
+      <p:sp>
+        <p:nvSpPr>
+          <p:cNvPr id="11" name="Szövegdoboz 10">
+            <a:extLst>
+              <a:ext uri="{FF2B5EF4-FFF2-40B4-BE49-F238E27FC236}">
+                <a16:creationId xmlns:a16="http://schemas.microsoft.com/office/drawing/2014/main" id="{2170F8B1-FFF6-D942-B691-C488809F9B8B}"/>
+              </a:ext>
+            </a:extLst>
+          </p:cNvPr>
+          <p:cNvSpPr txBox="1"/>
+          <p:nvPr/>
+        </p:nvSpPr>
+        <p:spPr>
+          <a:xfrm>
+            <a:off x="2316025" y="1965900"/>
+            <a:ext cx="5094362" cy="646331"/>
+          </a:xfrm>
+          <a:prstGeom prst="rect">
+            <a:avLst/>
+          </a:prstGeom>
+          <a:noFill/>
+        </p:spPr>
+        <p:txBody>
+          <a:bodyPr wrap="square" rtlCol="0">
+            <a:spAutoFit/>
+          </a:bodyPr>
+          <a:lstStyle/>
+          <a:p>
+            <a:r>
+              <a:rPr lang="hu-HU" dirty="0" err="1"/>
+              <a:t>Magnavox</a:t>
+            </a:r>
+            <a:r>
+              <a:rPr lang="hu-HU" dirty="0"/>
+              <a:t> </a:t>
+            </a:r>
+            <a:r>
+              <a:rPr lang="hu-HU" dirty="0" err="1"/>
+              <a:t>Odyssey</a:t>
+            </a:r>
+            <a:r>
+              <a:rPr lang="hu-HU" dirty="0"/>
+              <a:t> (Ralph H. </a:t>
+            </a:r>
+            <a:r>
+              <a:rPr lang="hu-HU" dirty="0" err="1"/>
+              <a:t>Baer</a:t>
+            </a:r>
+            <a:r>
+              <a:rPr lang="hu-HU" dirty="0"/>
+              <a:t>)</a:t>
+            </a:r>
+          </a:p>
+          <a:p>
+            <a:endParaRPr lang="hu-HU" dirty="0"/>
+          </a:p>
+        </p:txBody>
+      </p:sp>
+      <p:sp>
+        <p:nvSpPr>
+          <p:cNvPr id="13" name="Szövegdoboz 12">
+            <a:extLst>
+              <a:ext uri="{FF2B5EF4-FFF2-40B4-BE49-F238E27FC236}">
+                <a16:creationId xmlns:a16="http://schemas.microsoft.com/office/drawing/2014/main" id="{DA66F7F4-5332-F793-3C47-7381E78C8B27}"/>
+              </a:ext>
+            </a:extLst>
+          </p:cNvPr>
+          <p:cNvSpPr txBox="1"/>
+          <p:nvPr/>
+        </p:nvSpPr>
+        <p:spPr>
+          <a:xfrm>
+            <a:off x="1056023" y="4397497"/>
+            <a:ext cx="4582634" cy="1200329"/>
+          </a:xfrm>
+          <a:prstGeom prst="rect">
+            <a:avLst/>
+          </a:prstGeom>
+          <a:noFill/>
+        </p:spPr>
+        <p:txBody>
+          <a:bodyPr wrap="square" rtlCol="0">
+            <a:spAutoFit/>
+          </a:bodyPr>
+          <a:lstStyle/>
+          <a:p>
+            <a:r>
+              <a:rPr lang="hu-HU" dirty="0"/>
+              <a:t>Jelenleg a kilencedik generációnál tartunk:</a:t>
+            </a:r>
+          </a:p>
+          <a:p>
+            <a:r>
+              <a:rPr lang="hu-HU" dirty="0"/>
+              <a:t>	-</a:t>
+            </a:r>
+            <a:r>
+              <a:rPr lang="hu-HU" dirty="0" err="1"/>
+              <a:t>Laggmentes</a:t>
+            </a:r>
+            <a:r>
+              <a:rPr lang="hu-HU" dirty="0"/>
+              <a:t> konzolok</a:t>
+            </a:r>
+            <a:br>
+              <a:rPr lang="hu-HU" dirty="0"/>
+            </a:br>
+            <a:r>
+              <a:rPr lang="hu-HU" dirty="0"/>
+              <a:t>	-Xbox </a:t>
+            </a:r>
+            <a:r>
+              <a:rPr lang="hu-HU" dirty="0" err="1"/>
+              <a:t>Series</a:t>
+            </a:r>
+            <a:r>
+              <a:rPr lang="hu-HU" dirty="0"/>
+              <a:t> X</a:t>
+            </a:r>
+          </a:p>
+          <a:p>
+            <a:r>
+              <a:rPr lang="hu-HU" dirty="0"/>
+              <a:t>	-Playstation 5</a:t>
+            </a:r>
+          </a:p>
+        </p:txBody>
+      </p:sp>
+      <p:pic>
+        <p:nvPicPr>
+          <p:cNvPr id="15" name="Kép 14" descr="A képen sötét látható">
+            <a:extLst>
+              <a:ext uri="{FF2B5EF4-FFF2-40B4-BE49-F238E27FC236}">
+                <a16:creationId xmlns:a16="http://schemas.microsoft.com/office/drawing/2014/main" id="{94BA6B0F-E6AE-7362-4838-EAC15C1BEABA}"/>
+              </a:ext>
+            </a:extLst>
+          </p:cNvPr>
+          <p:cNvPicPr>
+            <a:picLocks noChangeAspect="1"/>
+          </p:cNvPicPr>
+          <p:nvPr/>
+        </p:nvPicPr>
+        <p:blipFill>
+          <a:blip r:embed="rId5" cstate="print">
+            <a:extLst>
+              <a:ext uri="{28A0092B-C50C-407E-A947-70E740481C1C}">
+                <a14:useLocalDpi xmlns:a14="http://schemas.microsoft.com/office/drawing/2010/main" val="0"/>
+              </a:ext>
+            </a:extLst>
+          </a:blip>
+          <a:stretch>
+            <a:fillRect/>
+          </a:stretch>
+        </p:blipFill>
+        <p:spPr>
+          <a:xfrm>
+            <a:off x="5306828" y="4265296"/>
+            <a:ext cx="2937767" cy="2316316"/>
+          </a:xfrm>
+          <a:prstGeom prst="rect">
+            <a:avLst/>
+          </a:prstGeom>
+        </p:spPr>
+      </p:pic>
+      <p:pic>
+        <p:nvPicPr>
+          <p:cNvPr id="17" name="Kép 16">
+            <a:extLst>
+              <a:ext uri="{FF2B5EF4-FFF2-40B4-BE49-F238E27FC236}">
+                <a16:creationId xmlns:a16="http://schemas.microsoft.com/office/drawing/2014/main" id="{FA3A2F7E-D327-56BD-7CC8-12D0E1E303C3}"/>
+              </a:ext>
+            </a:extLst>
+          </p:cNvPr>
+          <p:cNvPicPr>
+            <a:picLocks noChangeAspect="1"/>
+          </p:cNvPicPr>
+          <p:nvPr/>
+        </p:nvPicPr>
+        <p:blipFill>
+          <a:blip r:embed="rId6" cstate="print">
+            <a:extLst>
+              <a:ext uri="{28A0092B-C50C-407E-A947-70E740481C1C}">
+                <a14:useLocalDpi xmlns:a14="http://schemas.microsoft.com/office/drawing/2010/main" val="0"/>
+              </a:ext>
+            </a:extLst>
+          </a:blip>
+          <a:stretch>
+            <a:fillRect/>
+          </a:stretch>
+        </p:blipFill>
+        <p:spPr>
+          <a:xfrm>
+            <a:off x="8665074" y="3415309"/>
+            <a:ext cx="2470903" cy="3096369"/>
+          </a:xfrm>
+          <a:prstGeom prst="rect">
+            <a:avLst/>
+          </a:prstGeom>
+        </p:spPr>
+      </p:pic>
+      <p:sp>
+        <p:nvSpPr>
+          <p:cNvPr id="24" name="Szövegdoboz 23">
+            <a:extLst>
+              <a:ext uri="{FF2B5EF4-FFF2-40B4-BE49-F238E27FC236}">
+                <a16:creationId xmlns:a16="http://schemas.microsoft.com/office/drawing/2014/main" id="{7515F177-BF93-7C56-2C14-421E8D61B44F}"/>
+              </a:ext>
+            </a:extLst>
+          </p:cNvPr>
+          <p:cNvSpPr txBox="1"/>
+          <p:nvPr/>
+        </p:nvSpPr>
+        <p:spPr>
+          <a:xfrm>
+            <a:off x="10037990" y="359297"/>
+            <a:ext cx="1495425" cy="369332"/>
+          </a:xfrm>
+          <a:prstGeom prst="rect">
+            <a:avLst/>
+          </a:prstGeom>
+          <a:noFill/>
+        </p:spPr>
+        <p:txBody>
+          <a:bodyPr wrap="square" rtlCol="0">
+            <a:spAutoFit/>
+          </a:bodyPr>
+          <a:lstStyle/>
+          <a:p>
+            <a:r>
+              <a:rPr lang="hu-HU" dirty="0">
+                <a:hlinkClick r:id="rId7" action="ppaction://hlinksldjump"/>
+              </a:rPr>
+              <a:t>Kezdőlap</a:t>
+            </a:r>
+            <a:endParaRPr lang="hu-HU" dirty="0"/>
+          </a:p>
+        </p:txBody>
+      </p:sp>
+      <p:pic>
+        <p:nvPicPr>
+          <p:cNvPr id="25" name="Ábra 24" descr="Vonalas nyíl: egyenes körvonalas">
+            <a:extLst>
+              <a:ext uri="{FF2B5EF4-FFF2-40B4-BE49-F238E27FC236}">
+                <a16:creationId xmlns:a16="http://schemas.microsoft.com/office/drawing/2014/main" id="{35DEE947-E4B7-E5A2-23B0-0B5FCE97AC83}"/>
+              </a:ext>
+            </a:extLst>
+          </p:cNvPr>
+          <p:cNvPicPr>
+            <a:picLocks noChangeAspect="1"/>
+          </p:cNvPicPr>
+          <p:nvPr/>
+        </p:nvPicPr>
+        <p:blipFill>
+          <a:blip r:embed="rId8" cstate="print">
+            <a:extLst>
+              <a:ext uri="{28A0092B-C50C-407E-A947-70E740481C1C}">
+                <a14:useLocalDpi xmlns:a14="http://schemas.microsoft.com/office/drawing/2010/main" val="0"/>
+              </a:ext>
+              <a:ext uri="{96DAC541-7B7A-43D3-8B79-37D633B846F1}">
+                <asvg:svgBlip xmlns:asvg="http://schemas.microsoft.com/office/drawing/2016/SVG/main" r:embed="rId9"/>
+              </a:ext>
+            </a:extLst>
+          </a:blip>
+          <a:stretch>
+            <a:fillRect/>
+          </a:stretch>
+        </p:blipFill>
+        <p:spPr>
+          <a:xfrm>
+            <a:off x="11001372" y="346322"/>
+            <a:ext cx="395282" cy="395282"/>
+          </a:xfrm>
+          <a:prstGeom prst="rect">
+            <a:avLst/>
+          </a:prstGeom>
+        </p:spPr>
+      </p:pic>
+      <p:sp>
+        <p:nvSpPr>
+          <p:cNvPr id="26" name="Szövegdoboz 25">
+            <a:extLst>
+              <a:ext uri="{FF2B5EF4-FFF2-40B4-BE49-F238E27FC236}">
+                <a16:creationId xmlns:a16="http://schemas.microsoft.com/office/drawing/2014/main" id="{F7B97851-189A-2C5C-2075-13BB48AE5973}"/>
+              </a:ext>
+            </a:extLst>
+          </p:cNvPr>
+          <p:cNvSpPr txBox="1"/>
+          <p:nvPr/>
+        </p:nvSpPr>
+        <p:spPr>
+          <a:xfrm>
+            <a:off x="2316025" y="2317262"/>
+            <a:ext cx="4591574" cy="368021"/>
+          </a:xfrm>
+          <a:prstGeom prst="rect">
+            <a:avLst/>
+          </a:prstGeom>
+          <a:noFill/>
+        </p:spPr>
+        <p:txBody>
+          <a:bodyPr wrap="square" rtlCol="0">
+            <a:spAutoFit/>
+          </a:bodyPr>
+          <a:lstStyle/>
+          <a:p>
+            <a:r>
+              <a:rPr lang="hu-HU" dirty="0" err="1"/>
+              <a:t>Atari</a:t>
+            </a:r>
+            <a:r>
+              <a:rPr lang="hu-HU" dirty="0"/>
+              <a:t> 2600 összeomlás 1983</a:t>
+            </a:r>
+          </a:p>
+        </p:txBody>
+      </p:sp>
+      <p:sp>
+        <p:nvSpPr>
+          <p:cNvPr id="27" name="Szövegdoboz 26">
+            <a:extLst>
+              <a:ext uri="{FF2B5EF4-FFF2-40B4-BE49-F238E27FC236}">
+                <a16:creationId xmlns:a16="http://schemas.microsoft.com/office/drawing/2014/main" id="{1525922C-304D-8AF5-A1B0-C7F9B77B8013}"/>
+              </a:ext>
+            </a:extLst>
+          </p:cNvPr>
+          <p:cNvSpPr txBox="1"/>
+          <p:nvPr/>
+        </p:nvSpPr>
+        <p:spPr>
+          <a:xfrm>
+            <a:off x="2316025" y="2636819"/>
+            <a:ext cx="3534093" cy="369332"/>
+          </a:xfrm>
+          <a:prstGeom prst="rect">
+            <a:avLst/>
+          </a:prstGeom>
+          <a:noFill/>
+        </p:spPr>
+        <p:txBody>
+          <a:bodyPr wrap="square" rtlCol="0">
+            <a:spAutoFit/>
+          </a:bodyPr>
+          <a:lstStyle/>
+          <a:p>
+            <a:r>
+              <a:rPr lang="hu-HU" dirty="0"/>
+              <a:t>Nintendo tanult az </a:t>
+            </a:r>
+            <a:r>
+              <a:rPr lang="hu-HU" dirty="0" err="1"/>
+              <a:t>Atari</a:t>
+            </a:r>
+            <a:r>
+              <a:rPr lang="hu-HU" dirty="0"/>
+              <a:t> hibáiból </a:t>
+            </a:r>
+          </a:p>
+        </p:txBody>
+      </p:sp>
+      <p:sp>
+        <p:nvSpPr>
+          <p:cNvPr id="28" name="Szövegdoboz 27">
+            <a:extLst>
+              <a:ext uri="{FF2B5EF4-FFF2-40B4-BE49-F238E27FC236}">
+                <a16:creationId xmlns:a16="http://schemas.microsoft.com/office/drawing/2014/main" id="{F34EB3E9-B7DA-4FFC-E13A-3A8B1D88328C}"/>
+              </a:ext>
+            </a:extLst>
+          </p:cNvPr>
+          <p:cNvSpPr txBox="1"/>
+          <p:nvPr/>
+        </p:nvSpPr>
+        <p:spPr>
+          <a:xfrm>
+            <a:off x="2316025" y="3010444"/>
+            <a:ext cx="2965014" cy="369332"/>
+          </a:xfrm>
+          <a:prstGeom prst="rect">
+            <a:avLst/>
+          </a:prstGeom>
+          <a:noFill/>
+        </p:spPr>
+        <p:txBody>
+          <a:bodyPr wrap="square" rtlCol="0">
+            <a:spAutoFit/>
+          </a:bodyPr>
+          <a:lstStyle/>
+          <a:p>
+            <a:r>
+              <a:rPr lang="hu-HU" dirty="0"/>
+              <a:t>Playstation megjelenése</a:t>
+            </a:r>
           </a:p>
         </p:txBody>
       </p:sp>
@@ -6732,6 +7276,621 @@
   <p:clrMapOvr>
     <a:masterClrMapping/>
   </p:clrMapOvr>
+  <p:timing>
+    <p:tnLst>
+      <p:par>
+        <p:cTn id="1" dur="indefinite" restart="never" nodeType="tmRoot">
+          <p:childTnLst>
+            <p:seq concurrent="1" nextAc="seek">
+              <p:cTn id="2" dur="indefinite" nodeType="mainSeq">
+                <p:childTnLst>
+                  <p:par>
+                    <p:cTn id="3" fill="hold">
+                      <p:stCondLst>
+                        <p:cond delay="indefinite"/>
+                        <p:cond evt="onBegin" delay="0">
+                          <p:tn val="2"/>
+                        </p:cond>
+                      </p:stCondLst>
+                      <p:childTnLst>
+                        <p:par>
+                          <p:cTn id="4" fill="hold">
+                            <p:stCondLst>
+                              <p:cond delay="0"/>
+                            </p:stCondLst>
+                            <p:childTnLst>
+                              <p:par>
+                                <p:cTn id="5" presetID="22" presetClass="entr" presetSubtype="4" fill="hold" grpId="0" nodeType="withEffect">
+                                  <p:stCondLst>
+                                    <p:cond delay="0"/>
+                                  </p:stCondLst>
+                                  <p:childTnLst>
+                                    <p:set>
+                                      <p:cBhvr>
+                                        <p:cTn id="6" dur="1" fill="hold">
+                                          <p:stCondLst>
+                                            <p:cond delay="0"/>
+                                          </p:stCondLst>
+                                        </p:cTn>
+                                        <p:tgtEl>
+                                          <p:spTgt spid="2"/>
+                                        </p:tgtEl>
+                                        <p:attrNameLst>
+                                          <p:attrName>style.visibility</p:attrName>
+                                        </p:attrNameLst>
+                                      </p:cBhvr>
+                                      <p:to>
+                                        <p:strVal val="visible"/>
+                                      </p:to>
+                                    </p:set>
+                                    <p:animEffect transition="in" filter="wipe(down)">
+                                      <p:cBhvr>
+                                        <p:cTn id="7" dur="500"/>
+                                        <p:tgtEl>
+                                          <p:spTgt spid="2"/>
+                                        </p:tgtEl>
+                                      </p:cBhvr>
+                                    </p:animEffect>
+                                  </p:childTnLst>
+                                </p:cTn>
+                              </p:par>
+                            </p:childTnLst>
+                          </p:cTn>
+                        </p:par>
+                        <p:par>
+                          <p:cTn id="8" fill="hold">
+                            <p:stCondLst>
+                              <p:cond delay="500"/>
+                            </p:stCondLst>
+                            <p:childTnLst>
+                              <p:par>
+                                <p:cTn id="9" presetID="22" presetClass="entr" presetSubtype="4" fill="hold" grpId="0" nodeType="afterEffect">
+                                  <p:stCondLst>
+                                    <p:cond delay="0"/>
+                                  </p:stCondLst>
+                                  <p:childTnLst>
+                                    <p:set>
+                                      <p:cBhvr>
+                                        <p:cTn id="10" dur="1" fill="hold">
+                                          <p:stCondLst>
+                                            <p:cond delay="0"/>
+                                          </p:stCondLst>
+                                        </p:cTn>
+                                        <p:tgtEl>
+                                          <p:spTgt spid="19"/>
+                                        </p:tgtEl>
+                                        <p:attrNameLst>
+                                          <p:attrName>style.visibility</p:attrName>
+                                        </p:attrNameLst>
+                                      </p:cBhvr>
+                                      <p:to>
+                                        <p:strVal val="visible"/>
+                                      </p:to>
+                                    </p:set>
+                                    <p:animEffect transition="in" filter="wipe(down)">
+                                      <p:cBhvr>
+                                        <p:cTn id="11" dur="500"/>
+                                        <p:tgtEl>
+                                          <p:spTgt spid="19"/>
+                                        </p:tgtEl>
+                                      </p:cBhvr>
+                                    </p:animEffect>
+                                  </p:childTnLst>
+                                </p:cTn>
+                              </p:par>
+                              <p:par>
+                                <p:cTn id="12" presetID="22" presetClass="entr" presetSubtype="4" fill="hold" nodeType="withEffect">
+                                  <p:stCondLst>
+                                    <p:cond delay="0"/>
+                                  </p:stCondLst>
+                                  <p:childTnLst>
+                                    <p:set>
+                                      <p:cBhvr>
+                                        <p:cTn id="13" dur="1" fill="hold">
+                                          <p:stCondLst>
+                                            <p:cond delay="0"/>
+                                          </p:stCondLst>
+                                        </p:cTn>
+                                        <p:tgtEl>
+                                          <p:spTgt spid="20"/>
+                                        </p:tgtEl>
+                                        <p:attrNameLst>
+                                          <p:attrName>style.visibility</p:attrName>
+                                        </p:attrNameLst>
+                                      </p:cBhvr>
+                                      <p:to>
+                                        <p:strVal val="visible"/>
+                                      </p:to>
+                                    </p:set>
+                                    <p:animEffect transition="in" filter="wipe(down)">
+                                      <p:cBhvr>
+                                        <p:cTn id="14" dur="500"/>
+                                        <p:tgtEl>
+                                          <p:spTgt spid="20"/>
+                                        </p:tgtEl>
+                                      </p:cBhvr>
+                                    </p:animEffect>
+                                  </p:childTnLst>
+                                </p:cTn>
+                              </p:par>
+                              <p:par>
+                                <p:cTn id="15" presetID="22" presetClass="entr" presetSubtype="4" fill="hold" grpId="0" nodeType="withEffect">
+                                  <p:stCondLst>
+                                    <p:cond delay="0"/>
+                                  </p:stCondLst>
+                                  <p:childTnLst>
+                                    <p:set>
+                                      <p:cBhvr>
+                                        <p:cTn id="16" dur="1" fill="hold">
+                                          <p:stCondLst>
+                                            <p:cond delay="0"/>
+                                          </p:stCondLst>
+                                        </p:cTn>
+                                        <p:tgtEl>
+                                          <p:spTgt spid="21"/>
+                                        </p:tgtEl>
+                                        <p:attrNameLst>
+                                          <p:attrName>style.visibility</p:attrName>
+                                        </p:attrNameLst>
+                                      </p:cBhvr>
+                                      <p:to>
+                                        <p:strVal val="visible"/>
+                                      </p:to>
+                                    </p:set>
+                                    <p:animEffect transition="in" filter="wipe(down)">
+                                      <p:cBhvr>
+                                        <p:cTn id="17" dur="500"/>
+                                        <p:tgtEl>
+                                          <p:spTgt spid="21"/>
+                                        </p:tgtEl>
+                                      </p:cBhvr>
+                                    </p:animEffect>
+                                  </p:childTnLst>
+                                </p:cTn>
+                              </p:par>
+                              <p:par>
+                                <p:cTn id="18" presetID="22" presetClass="entr" presetSubtype="4" fill="hold" grpId="0" nodeType="withEffect">
+                                  <p:stCondLst>
+                                    <p:cond delay="0"/>
+                                  </p:stCondLst>
+                                  <p:childTnLst>
+                                    <p:set>
+                                      <p:cBhvr>
+                                        <p:cTn id="19" dur="1" fill="hold">
+                                          <p:stCondLst>
+                                            <p:cond delay="0"/>
+                                          </p:stCondLst>
+                                        </p:cTn>
+                                        <p:tgtEl>
+                                          <p:spTgt spid="22"/>
+                                        </p:tgtEl>
+                                        <p:attrNameLst>
+                                          <p:attrName>style.visibility</p:attrName>
+                                        </p:attrNameLst>
+                                      </p:cBhvr>
+                                      <p:to>
+                                        <p:strVal val="visible"/>
+                                      </p:to>
+                                    </p:set>
+                                    <p:animEffect transition="in" filter="wipe(down)">
+                                      <p:cBhvr>
+                                        <p:cTn id="20" dur="500"/>
+                                        <p:tgtEl>
+                                          <p:spTgt spid="22"/>
+                                        </p:tgtEl>
+                                      </p:cBhvr>
+                                    </p:animEffect>
+                                  </p:childTnLst>
+                                </p:cTn>
+                              </p:par>
+                              <p:par>
+                                <p:cTn id="21" presetID="22" presetClass="entr" presetSubtype="4" fill="hold" grpId="0" nodeType="withEffect">
+                                  <p:stCondLst>
+                                    <p:cond delay="0"/>
+                                  </p:stCondLst>
+                                  <p:childTnLst>
+                                    <p:set>
+                                      <p:cBhvr>
+                                        <p:cTn id="22" dur="1" fill="hold">
+                                          <p:stCondLst>
+                                            <p:cond delay="0"/>
+                                          </p:stCondLst>
+                                        </p:cTn>
+                                        <p:tgtEl>
+                                          <p:spTgt spid="23"/>
+                                        </p:tgtEl>
+                                        <p:attrNameLst>
+                                          <p:attrName>style.visibility</p:attrName>
+                                        </p:attrNameLst>
+                                      </p:cBhvr>
+                                      <p:to>
+                                        <p:strVal val="visible"/>
+                                      </p:to>
+                                    </p:set>
+                                    <p:animEffect transition="in" filter="wipe(down)">
+                                      <p:cBhvr>
+                                        <p:cTn id="23" dur="500"/>
+                                        <p:tgtEl>
+                                          <p:spTgt spid="23"/>
+                                        </p:tgtEl>
+                                      </p:cBhvr>
+                                    </p:animEffect>
+                                  </p:childTnLst>
+                                </p:cTn>
+                              </p:par>
+                            </p:childTnLst>
+                          </p:cTn>
+                        </p:par>
+                        <p:par>
+                          <p:cTn id="24" fill="hold">
+                            <p:stCondLst>
+                              <p:cond delay="1000"/>
+                            </p:stCondLst>
+                            <p:childTnLst>
+                              <p:par>
+                                <p:cTn id="25" presetID="22" presetClass="entr" presetSubtype="4" fill="hold" grpId="0" nodeType="afterEffect">
+                                  <p:stCondLst>
+                                    <p:cond delay="0"/>
+                                  </p:stCondLst>
+                                  <p:childTnLst>
+                                    <p:set>
+                                      <p:cBhvr>
+                                        <p:cTn id="26" dur="1" fill="hold">
+                                          <p:stCondLst>
+                                            <p:cond delay="0"/>
+                                          </p:stCondLst>
+                                        </p:cTn>
+                                        <p:tgtEl>
+                                          <p:spTgt spid="4"/>
+                                        </p:tgtEl>
+                                        <p:attrNameLst>
+                                          <p:attrName>style.visibility</p:attrName>
+                                        </p:attrNameLst>
+                                      </p:cBhvr>
+                                      <p:to>
+                                        <p:strVal val="visible"/>
+                                      </p:to>
+                                    </p:set>
+                                    <p:animEffect transition="in" filter="wipe(down)">
+                                      <p:cBhvr>
+                                        <p:cTn id="27" dur="500"/>
+                                        <p:tgtEl>
+                                          <p:spTgt spid="4"/>
+                                        </p:tgtEl>
+                                      </p:cBhvr>
+                                    </p:animEffect>
+                                  </p:childTnLst>
+                                </p:cTn>
+                              </p:par>
+                              <p:par>
+                                <p:cTn id="28" presetID="22" presetClass="entr" presetSubtype="4" fill="hold" nodeType="withEffect">
+                                  <p:stCondLst>
+                                    <p:cond delay="0"/>
+                                  </p:stCondLst>
+                                  <p:childTnLst>
+                                    <p:set>
+                                      <p:cBhvr>
+                                        <p:cTn id="29" dur="1" fill="hold">
+                                          <p:stCondLst>
+                                            <p:cond delay="0"/>
+                                          </p:stCondLst>
+                                        </p:cTn>
+                                        <p:tgtEl>
+                                          <p:spTgt spid="5"/>
+                                        </p:tgtEl>
+                                        <p:attrNameLst>
+                                          <p:attrName>style.visibility</p:attrName>
+                                        </p:attrNameLst>
+                                      </p:cBhvr>
+                                      <p:to>
+                                        <p:strVal val="visible"/>
+                                      </p:to>
+                                    </p:set>
+                                    <p:animEffect transition="in" filter="wipe(down)">
+                                      <p:cBhvr>
+                                        <p:cTn id="30" dur="500"/>
+                                        <p:tgtEl>
+                                          <p:spTgt spid="5"/>
+                                        </p:tgtEl>
+                                      </p:cBhvr>
+                                    </p:animEffect>
+                                  </p:childTnLst>
+                                </p:cTn>
+                              </p:par>
+                              <p:par>
+                                <p:cTn id="31" presetID="22" presetClass="entr" presetSubtype="4" fill="hold" grpId="0" nodeType="withEffect">
+                                  <p:stCondLst>
+                                    <p:cond delay="0"/>
+                                  </p:stCondLst>
+                                  <p:childTnLst>
+                                    <p:set>
+                                      <p:cBhvr>
+                                        <p:cTn id="32" dur="1" fill="hold">
+                                          <p:stCondLst>
+                                            <p:cond delay="0"/>
+                                          </p:stCondLst>
+                                        </p:cTn>
+                                        <p:tgtEl>
+                                          <p:spTgt spid="10"/>
+                                        </p:tgtEl>
+                                        <p:attrNameLst>
+                                          <p:attrName>style.visibility</p:attrName>
+                                        </p:attrNameLst>
+                                      </p:cBhvr>
+                                      <p:to>
+                                        <p:strVal val="visible"/>
+                                      </p:to>
+                                    </p:set>
+                                    <p:animEffect transition="in" filter="wipe(down)">
+                                      <p:cBhvr>
+                                        <p:cTn id="33" dur="500"/>
+                                        <p:tgtEl>
+                                          <p:spTgt spid="10"/>
+                                        </p:tgtEl>
+                                      </p:cBhvr>
+                                    </p:animEffect>
+                                  </p:childTnLst>
+                                </p:cTn>
+                              </p:par>
+                              <p:par>
+                                <p:cTn id="34" presetID="22" presetClass="entr" presetSubtype="4" fill="hold" grpId="0" nodeType="withEffect">
+                                  <p:stCondLst>
+                                    <p:cond delay="0"/>
+                                  </p:stCondLst>
+                                  <p:childTnLst>
+                                    <p:set>
+                                      <p:cBhvr>
+                                        <p:cTn id="35" dur="1" fill="hold">
+                                          <p:stCondLst>
+                                            <p:cond delay="0"/>
+                                          </p:stCondLst>
+                                        </p:cTn>
+                                        <p:tgtEl>
+                                          <p:spTgt spid="11"/>
+                                        </p:tgtEl>
+                                        <p:attrNameLst>
+                                          <p:attrName>style.visibility</p:attrName>
+                                        </p:attrNameLst>
+                                      </p:cBhvr>
+                                      <p:to>
+                                        <p:strVal val="visible"/>
+                                      </p:to>
+                                    </p:set>
+                                    <p:animEffect transition="in" filter="wipe(down)">
+                                      <p:cBhvr>
+                                        <p:cTn id="36" dur="500"/>
+                                        <p:tgtEl>
+                                          <p:spTgt spid="11"/>
+                                        </p:tgtEl>
+                                      </p:cBhvr>
+                                    </p:animEffect>
+                                  </p:childTnLst>
+                                </p:cTn>
+                              </p:par>
+                              <p:par>
+                                <p:cTn id="37" presetID="22" presetClass="entr" presetSubtype="4" fill="hold" grpId="0" nodeType="withEffect">
+                                  <p:stCondLst>
+                                    <p:cond delay="0"/>
+                                  </p:stCondLst>
+                                  <p:childTnLst>
+                                    <p:set>
+                                      <p:cBhvr>
+                                        <p:cTn id="38" dur="1" fill="hold">
+                                          <p:stCondLst>
+                                            <p:cond delay="0"/>
+                                          </p:stCondLst>
+                                        </p:cTn>
+                                        <p:tgtEl>
+                                          <p:spTgt spid="13"/>
+                                        </p:tgtEl>
+                                        <p:attrNameLst>
+                                          <p:attrName>style.visibility</p:attrName>
+                                        </p:attrNameLst>
+                                      </p:cBhvr>
+                                      <p:to>
+                                        <p:strVal val="visible"/>
+                                      </p:to>
+                                    </p:set>
+                                    <p:animEffect transition="in" filter="wipe(down)">
+                                      <p:cBhvr>
+                                        <p:cTn id="39" dur="500"/>
+                                        <p:tgtEl>
+                                          <p:spTgt spid="13"/>
+                                        </p:tgtEl>
+                                      </p:cBhvr>
+                                    </p:animEffect>
+                                  </p:childTnLst>
+                                </p:cTn>
+                              </p:par>
+                              <p:par>
+                                <p:cTn id="40" presetID="22" presetClass="entr" presetSubtype="4" fill="hold" nodeType="withEffect">
+                                  <p:stCondLst>
+                                    <p:cond delay="0"/>
+                                  </p:stCondLst>
+                                  <p:childTnLst>
+                                    <p:set>
+                                      <p:cBhvr>
+                                        <p:cTn id="41" dur="1" fill="hold">
+                                          <p:stCondLst>
+                                            <p:cond delay="0"/>
+                                          </p:stCondLst>
+                                        </p:cTn>
+                                        <p:tgtEl>
+                                          <p:spTgt spid="15"/>
+                                        </p:tgtEl>
+                                        <p:attrNameLst>
+                                          <p:attrName>style.visibility</p:attrName>
+                                        </p:attrNameLst>
+                                      </p:cBhvr>
+                                      <p:to>
+                                        <p:strVal val="visible"/>
+                                      </p:to>
+                                    </p:set>
+                                    <p:animEffect transition="in" filter="wipe(down)">
+                                      <p:cBhvr>
+                                        <p:cTn id="42" dur="500"/>
+                                        <p:tgtEl>
+                                          <p:spTgt spid="15"/>
+                                        </p:tgtEl>
+                                      </p:cBhvr>
+                                    </p:animEffect>
+                                  </p:childTnLst>
+                                </p:cTn>
+                              </p:par>
+                              <p:par>
+                                <p:cTn id="43" presetID="22" presetClass="entr" presetSubtype="4" fill="hold" nodeType="withEffect">
+                                  <p:stCondLst>
+                                    <p:cond delay="0"/>
+                                  </p:stCondLst>
+                                  <p:childTnLst>
+                                    <p:set>
+                                      <p:cBhvr>
+                                        <p:cTn id="44" dur="1" fill="hold">
+                                          <p:stCondLst>
+                                            <p:cond delay="0"/>
+                                          </p:stCondLst>
+                                        </p:cTn>
+                                        <p:tgtEl>
+                                          <p:spTgt spid="17"/>
+                                        </p:tgtEl>
+                                        <p:attrNameLst>
+                                          <p:attrName>style.visibility</p:attrName>
+                                        </p:attrNameLst>
+                                      </p:cBhvr>
+                                      <p:to>
+                                        <p:strVal val="visible"/>
+                                      </p:to>
+                                    </p:set>
+                                    <p:animEffect transition="in" filter="wipe(down)">
+                                      <p:cBhvr>
+                                        <p:cTn id="45" dur="500"/>
+                                        <p:tgtEl>
+                                          <p:spTgt spid="17"/>
+                                        </p:tgtEl>
+                                      </p:cBhvr>
+                                    </p:animEffect>
+                                  </p:childTnLst>
+                                </p:cTn>
+                              </p:par>
+                            </p:childTnLst>
+                          </p:cTn>
+                        </p:par>
+                        <p:par>
+                          <p:cTn id="46" fill="hold">
+                            <p:stCondLst>
+                              <p:cond delay="1500"/>
+                            </p:stCondLst>
+                            <p:childTnLst>
+                              <p:par>
+                                <p:cTn id="47" presetID="22" presetClass="entr" presetSubtype="4" fill="hold" grpId="0" nodeType="afterEffect">
+                                  <p:stCondLst>
+                                    <p:cond delay="0"/>
+                                  </p:stCondLst>
+                                  <p:childTnLst>
+                                    <p:set>
+                                      <p:cBhvr>
+                                        <p:cTn id="48" dur="1" fill="hold">
+                                          <p:stCondLst>
+                                            <p:cond delay="0"/>
+                                          </p:stCondLst>
+                                        </p:cTn>
+                                        <p:tgtEl>
+                                          <p:spTgt spid="24"/>
+                                        </p:tgtEl>
+                                        <p:attrNameLst>
+                                          <p:attrName>style.visibility</p:attrName>
+                                        </p:attrNameLst>
+                                      </p:cBhvr>
+                                      <p:to>
+                                        <p:strVal val="visible"/>
+                                      </p:to>
+                                    </p:set>
+                                    <p:animEffect transition="in" filter="wipe(down)">
+                                      <p:cBhvr>
+                                        <p:cTn id="49" dur="500"/>
+                                        <p:tgtEl>
+                                          <p:spTgt spid="24"/>
+                                        </p:tgtEl>
+                                      </p:cBhvr>
+                                    </p:animEffect>
+                                  </p:childTnLst>
+                                </p:cTn>
+                              </p:par>
+                              <p:par>
+                                <p:cTn id="50" presetID="22" presetClass="entr" presetSubtype="4" fill="hold" nodeType="withEffect">
+                                  <p:stCondLst>
+                                    <p:cond delay="0"/>
+                                  </p:stCondLst>
+                                  <p:childTnLst>
+                                    <p:set>
+                                      <p:cBhvr>
+                                        <p:cTn id="51" dur="1" fill="hold">
+                                          <p:stCondLst>
+                                            <p:cond delay="0"/>
+                                          </p:stCondLst>
+                                        </p:cTn>
+                                        <p:tgtEl>
+                                          <p:spTgt spid="25"/>
+                                        </p:tgtEl>
+                                        <p:attrNameLst>
+                                          <p:attrName>style.visibility</p:attrName>
+                                        </p:attrNameLst>
+                                      </p:cBhvr>
+                                      <p:to>
+                                        <p:strVal val="visible"/>
+                                      </p:to>
+                                    </p:set>
+                                    <p:animEffect transition="in" filter="wipe(down)">
+                                      <p:cBhvr>
+                                        <p:cTn id="52" dur="500"/>
+                                        <p:tgtEl>
+                                          <p:spTgt spid="25"/>
+                                        </p:tgtEl>
+                                      </p:cBhvr>
+                                    </p:animEffect>
+                                  </p:childTnLst>
+                                </p:cTn>
+                              </p:par>
+                            </p:childTnLst>
+                          </p:cTn>
+                        </p:par>
+                      </p:childTnLst>
+                    </p:cTn>
+                  </p:par>
+                </p:childTnLst>
+              </p:cTn>
+              <p:prevCondLst>
+                <p:cond evt="onPrev" delay="0">
+                  <p:tgtEl>
+                    <p:sldTgt/>
+                  </p:tgtEl>
+                </p:cond>
+              </p:prevCondLst>
+              <p:nextCondLst>
+                <p:cond evt="onNext" delay="0">
+                  <p:tgtEl>
+                    <p:sldTgt/>
+                  </p:tgtEl>
+                </p:cond>
+              </p:nextCondLst>
+            </p:seq>
+          </p:childTnLst>
+        </p:cTn>
+      </p:par>
+    </p:tnLst>
+    <p:bldLst>
+      <p:bldP spid="2" grpId="0"/>
+      <p:bldP spid="19" grpId="0" animBg="1"/>
+      <p:bldP spid="21" grpId="0" animBg="1"/>
+      <p:bldP spid="22" grpId="0" animBg="1"/>
+      <p:bldP spid="23" grpId="0"/>
+      <p:bldP spid="4" grpId="0" animBg="1"/>
+      <p:bldP spid="10" grpId="0"/>
+      <p:bldP spid="11" grpId="0"/>
+      <p:bldP spid="13" grpId="0"/>
+      <p:bldP spid="24" grpId="0"/>
+    </p:bldLst>
+  </p:timing>
 </p:sld>
 </file>
 
@@ -6754,6 +7913,67 @@
       </p:grpSpPr>
       <p:sp>
         <p:nvSpPr>
+          <p:cNvPr id="19" name="Téglalap: lekerekített 18">
+            <a:extLst>
+              <a:ext uri="{FF2B5EF4-FFF2-40B4-BE49-F238E27FC236}">
+                <a16:creationId xmlns:a16="http://schemas.microsoft.com/office/drawing/2014/main" id="{68E591B3-AF21-EF06-1B73-F7F8F2524A37}"/>
+              </a:ext>
+            </a:extLst>
+          </p:cNvPr>
+          <p:cNvSpPr/>
+          <p:nvPr/>
+        </p:nvSpPr>
+        <p:spPr>
+          <a:xfrm>
+            <a:off x="647700" y="1286668"/>
+            <a:ext cx="11068050" cy="5257007"/>
+          </a:xfrm>
+          <a:prstGeom prst="roundRect">
+            <a:avLst>
+              <a:gd name="adj" fmla="val 20110"/>
+            </a:avLst>
+          </a:prstGeom>
+          <a:solidFill>
+            <a:schemeClr val="bg1"/>
+          </a:solidFill>
+          <a:ln>
+            <a:noFill/>
+          </a:ln>
+          <a:effectLst>
+            <a:outerShdw blurRad="381000" sx="102000" sy="102000" algn="ctr" rotWithShape="0">
+              <a:prstClr val="black">
+                <a:alpha val="40000"/>
+              </a:prstClr>
+            </a:outerShdw>
+          </a:effectLst>
+        </p:spPr>
+        <p:style>
+          <a:lnRef idx="2">
+            <a:schemeClr val="accent1">
+              <a:shade val="50000"/>
+            </a:schemeClr>
+          </a:lnRef>
+          <a:fillRef idx="1">
+            <a:schemeClr val="accent1"/>
+          </a:fillRef>
+          <a:effectRef idx="0">
+            <a:schemeClr val="accent1"/>
+          </a:effectRef>
+          <a:fontRef idx="minor">
+            <a:schemeClr val="lt1"/>
+          </a:fontRef>
+        </p:style>
+        <p:txBody>
+          <a:bodyPr rtlCol="0" anchor="ctr"/>
+          <a:lstStyle/>
+          <a:p>
+            <a:pPr algn="ctr"/>
+            <a:endParaRPr lang="hu-HU"/>
+          </a:p>
+        </p:txBody>
+      </p:sp>
+      <p:sp>
+        <p:nvSpPr>
           <p:cNvPr id="2" name="Cím 1">
             <a:extLst>
               <a:ext uri="{FF2B5EF4-FFF2-40B4-BE49-F238E27FC236}">
@@ -6844,31 +8064,6 @@
               <a:t>s</a:t>
             </a:r>
             <a:endParaRPr lang="hu-HU" dirty="0"/>
-          </a:p>
-        </p:txBody>
-      </p:sp>
-      <p:sp>
-        <p:nvSpPr>
-          <p:cNvPr id="3" name="Tartalom helye 2">
-            <a:extLst>
-              <a:ext uri="{FF2B5EF4-FFF2-40B4-BE49-F238E27FC236}">
-                <a16:creationId xmlns:a16="http://schemas.microsoft.com/office/drawing/2014/main" id="{F4E9405B-4424-727E-3E13-91BC48660871}"/>
-              </a:ext>
-            </a:extLst>
-          </p:cNvPr>
-          <p:cNvSpPr>
-            <a:spLocks noGrp="1"/>
-          </p:cNvSpPr>
-          <p:nvPr>
-            <p:ph idx="1"/>
-          </p:nvPr>
-        </p:nvSpPr>
-        <p:spPr/>
-        <p:txBody>
-          <a:bodyPr/>
-          <a:lstStyle/>
-          <a:p>
-            <a:endParaRPr lang="hu-HU"/>
           </a:p>
         </p:txBody>
       </p:sp>
@@ -7410,8 +8605,8 @@
         </p:nvSpPr>
         <p:spPr>
           <a:xfrm>
-            <a:off x="3520003" y="484912"/>
-            <a:ext cx="2466975" cy="369332"/>
+            <a:off x="3051019" y="484912"/>
+            <a:ext cx="2935960" cy="369332"/>
           </a:xfrm>
           <a:prstGeom prst="rect">
             <a:avLst/>
@@ -7432,12 +8627,382 @@
                 <a:effectLst/>
                 <a:latin typeface="Arial" panose="020B0604020202020204" pitchFamily="34" charset="0"/>
               </a:rPr>
-              <a:t>videójáték-konzol</a:t>
+              <a:t>videójáték-konzol, bitek</a:t>
             </a:r>
             <a:endParaRPr lang="hu-HU" dirty="0"/>
           </a:p>
         </p:txBody>
       </p:sp>
+      <p:pic>
+        <p:nvPicPr>
+          <p:cNvPr id="10" name="Kép 9">
+            <a:extLst>
+              <a:ext uri="{FF2B5EF4-FFF2-40B4-BE49-F238E27FC236}">
+                <a16:creationId xmlns:a16="http://schemas.microsoft.com/office/drawing/2014/main" id="{5F7B994E-B33E-0277-4E3A-56F6DEF05E1C}"/>
+              </a:ext>
+            </a:extLst>
+          </p:cNvPr>
+          <p:cNvPicPr>
+            <a:picLocks noChangeAspect="1"/>
+          </p:cNvPicPr>
+          <p:nvPr/>
+        </p:nvPicPr>
+        <p:blipFill>
+          <a:blip r:embed="rId4" cstate="print">
+            <a:extLst>
+              <a:ext uri="{28A0092B-C50C-407E-A947-70E740481C1C}">
+                <a14:useLocalDpi xmlns:a14="http://schemas.microsoft.com/office/drawing/2010/main" val="0"/>
+              </a:ext>
+            </a:extLst>
+          </a:blip>
+          <a:stretch>
+            <a:fillRect/>
+          </a:stretch>
+        </p:blipFill>
+        <p:spPr>
+          <a:xfrm>
+            <a:off x="841759" y="1381125"/>
+            <a:ext cx="1240954" cy="1425546"/>
+          </a:xfrm>
+          <a:prstGeom prst="rect">
+            <a:avLst/>
+          </a:prstGeom>
+        </p:spPr>
+      </p:pic>
+      <p:sp>
+        <p:nvSpPr>
+          <p:cNvPr id="14" name="Szövegdoboz 13">
+            <a:extLst>
+              <a:ext uri="{FF2B5EF4-FFF2-40B4-BE49-F238E27FC236}">
+                <a16:creationId xmlns:a16="http://schemas.microsoft.com/office/drawing/2014/main" id="{99D1D4AB-86BF-7FCB-8D1C-20F4AC9DFBB6}"/>
+              </a:ext>
+            </a:extLst>
+          </p:cNvPr>
+          <p:cNvSpPr txBox="1"/>
+          <p:nvPr/>
+        </p:nvSpPr>
+        <p:spPr>
+          <a:xfrm>
+            <a:off x="2276772" y="1494639"/>
+            <a:ext cx="6228784" cy="461665"/>
+          </a:xfrm>
+          <a:prstGeom prst="rect">
+            <a:avLst/>
+          </a:prstGeom>
+          <a:noFill/>
+        </p:spPr>
+        <p:txBody>
+          <a:bodyPr wrap="square">
+            <a:spAutoFit/>
+          </a:bodyPr>
+          <a:lstStyle/>
+          <a:p>
+            <a:pPr algn="l"/>
+            <a:r>
+              <a:rPr lang="hu-HU" sz="2400" b="0" i="0" u="sng" dirty="0">
+                <a:solidFill>
+                  <a:srgbClr val="000000"/>
+                </a:solidFill>
+                <a:effectLst/>
+                <a:latin typeface="Linux Libertine"/>
+              </a:rPr>
+              <a:t>Bitek</a:t>
+            </a:r>
+          </a:p>
+        </p:txBody>
+      </p:sp>
+      <p:sp>
+        <p:nvSpPr>
+          <p:cNvPr id="15" name="Szövegdoboz 14">
+            <a:extLst>
+              <a:ext uri="{FF2B5EF4-FFF2-40B4-BE49-F238E27FC236}">
+                <a16:creationId xmlns:a16="http://schemas.microsoft.com/office/drawing/2014/main" id="{FA5062A9-40EF-CBE2-C07A-85AA8BA3F295}"/>
+              </a:ext>
+            </a:extLst>
+          </p:cNvPr>
+          <p:cNvSpPr txBox="1"/>
+          <p:nvPr/>
+        </p:nvSpPr>
+        <p:spPr>
+          <a:xfrm>
+            <a:off x="2357969" y="2111994"/>
+            <a:ext cx="4591575" cy="338554"/>
+          </a:xfrm>
+          <a:prstGeom prst="rect">
+            <a:avLst/>
+          </a:prstGeom>
+          <a:noFill/>
+        </p:spPr>
+        <p:txBody>
+          <a:bodyPr wrap="square" rtlCol="0">
+            <a:spAutoFit/>
+          </a:bodyPr>
+          <a:lstStyle/>
+          <a:p>
+            <a:r>
+              <a:rPr lang="hu-HU" sz="1600" dirty="0">
+                <a:solidFill>
+                  <a:srgbClr val="202122"/>
+                </a:solidFill>
+                <a:latin typeface="Arial" panose="020B0604020202020204" pitchFamily="34" charset="0"/>
+              </a:rPr>
+              <a:t>Ú</a:t>
+            </a:r>
+            <a:r>
+              <a:rPr lang="hu-HU" sz="1600" b="0" i="0" dirty="0">
+                <a:solidFill>
+                  <a:srgbClr val="202122"/>
+                </a:solidFill>
+                <a:effectLst/>
+                <a:latin typeface="Arial" panose="020B0604020202020204" pitchFamily="34" charset="0"/>
+              </a:rPr>
+              <a:t>j konzolok több színt </a:t>
+            </a:r>
+            <a:endParaRPr lang="hu-HU" sz="1600" dirty="0"/>
+          </a:p>
+        </p:txBody>
+      </p:sp>
+      <p:sp>
+        <p:nvSpPr>
+          <p:cNvPr id="16" name="Szövegdoboz 15">
+            <a:extLst>
+              <a:ext uri="{FF2B5EF4-FFF2-40B4-BE49-F238E27FC236}">
+                <a16:creationId xmlns:a16="http://schemas.microsoft.com/office/drawing/2014/main" id="{FBB67DC7-F641-0B8E-64AB-247F2988E3E7}"/>
+              </a:ext>
+            </a:extLst>
+          </p:cNvPr>
+          <p:cNvSpPr txBox="1"/>
+          <p:nvPr/>
+        </p:nvSpPr>
+        <p:spPr>
+          <a:xfrm>
+            <a:off x="2357969" y="2514328"/>
+            <a:ext cx="4776161" cy="369332"/>
+          </a:xfrm>
+          <a:prstGeom prst="rect">
+            <a:avLst/>
+          </a:prstGeom>
+          <a:noFill/>
+        </p:spPr>
+        <p:txBody>
+          <a:bodyPr wrap="square" rtlCol="0">
+            <a:spAutoFit/>
+          </a:bodyPr>
+          <a:lstStyle/>
+          <a:p>
+            <a:r>
+              <a:rPr lang="hu-HU" dirty="0"/>
+              <a:t>Első konzolok: 8 bites processzor</a:t>
+            </a:r>
+          </a:p>
+        </p:txBody>
+      </p:sp>
+      <p:sp>
+        <p:nvSpPr>
+          <p:cNvPr id="17" name="Szövegdoboz 16">
+            <a:extLst>
+              <a:ext uri="{FF2B5EF4-FFF2-40B4-BE49-F238E27FC236}">
+                <a16:creationId xmlns:a16="http://schemas.microsoft.com/office/drawing/2014/main" id="{190B358D-CDBC-4291-B1A5-E2D386349377}"/>
+              </a:ext>
+            </a:extLst>
+          </p:cNvPr>
+          <p:cNvSpPr txBox="1"/>
+          <p:nvPr/>
+        </p:nvSpPr>
+        <p:spPr>
+          <a:xfrm>
+            <a:off x="2369239" y="2939871"/>
+            <a:ext cx="4326149" cy="369332"/>
+          </a:xfrm>
+          <a:prstGeom prst="rect">
+            <a:avLst/>
+          </a:prstGeom>
+          <a:noFill/>
+        </p:spPr>
+        <p:txBody>
+          <a:bodyPr wrap="square" rtlCol="0">
+            <a:spAutoFit/>
+          </a:bodyPr>
+          <a:lstStyle/>
+          <a:p>
+            <a:r>
+              <a:rPr lang="hu-HU" dirty="0"/>
+              <a:t>Előrelépés:</a:t>
+            </a:r>
+          </a:p>
+        </p:txBody>
+      </p:sp>
+      <p:sp>
+        <p:nvSpPr>
+          <p:cNvPr id="20" name="Szövegdoboz 19">
+            <a:extLst>
+              <a:ext uri="{FF2B5EF4-FFF2-40B4-BE49-F238E27FC236}">
+                <a16:creationId xmlns:a16="http://schemas.microsoft.com/office/drawing/2014/main" id="{C697D0C0-F625-1A9C-4F9F-D4A3B57F428B}"/>
+              </a:ext>
+            </a:extLst>
+          </p:cNvPr>
+          <p:cNvSpPr txBox="1"/>
+          <p:nvPr/>
+        </p:nvSpPr>
+        <p:spPr>
+          <a:xfrm>
+            <a:off x="10037990" y="359297"/>
+            <a:ext cx="1495425" cy="369332"/>
+          </a:xfrm>
+          <a:prstGeom prst="rect">
+            <a:avLst/>
+          </a:prstGeom>
+          <a:noFill/>
+        </p:spPr>
+        <p:txBody>
+          <a:bodyPr wrap="square" rtlCol="0">
+            <a:spAutoFit/>
+          </a:bodyPr>
+          <a:lstStyle/>
+          <a:p>
+            <a:r>
+              <a:rPr lang="hu-HU" dirty="0">
+                <a:hlinkClick r:id="rId5" action="ppaction://hlinksldjump"/>
+              </a:rPr>
+              <a:t>Kezdőlap</a:t>
+            </a:r>
+            <a:endParaRPr lang="hu-HU" dirty="0"/>
+          </a:p>
+        </p:txBody>
+      </p:sp>
+      <p:pic>
+        <p:nvPicPr>
+          <p:cNvPr id="21" name="Ábra 20" descr="Vonalas nyíl: egyenes körvonalas">
+            <a:extLst>
+              <a:ext uri="{FF2B5EF4-FFF2-40B4-BE49-F238E27FC236}">
+                <a16:creationId xmlns:a16="http://schemas.microsoft.com/office/drawing/2014/main" id="{F79646C4-3BC3-999B-CB7C-7AEC25ED58F3}"/>
+              </a:ext>
+            </a:extLst>
+          </p:cNvPr>
+          <p:cNvPicPr>
+            <a:picLocks noChangeAspect="1"/>
+          </p:cNvPicPr>
+          <p:nvPr/>
+        </p:nvPicPr>
+        <p:blipFill>
+          <a:blip r:embed="rId6" cstate="print">
+            <a:extLst>
+              <a:ext uri="{28A0092B-C50C-407E-A947-70E740481C1C}">
+                <a14:useLocalDpi xmlns:a14="http://schemas.microsoft.com/office/drawing/2010/main" val="0"/>
+              </a:ext>
+              <a:ext uri="{96DAC541-7B7A-43D3-8B79-37D633B846F1}">
+                <asvg:svgBlip xmlns:asvg="http://schemas.microsoft.com/office/drawing/2016/SVG/main" r:embed="rId7"/>
+              </a:ext>
+            </a:extLst>
+          </a:blip>
+          <a:stretch>
+            <a:fillRect/>
+          </a:stretch>
+        </p:blipFill>
+        <p:spPr>
+          <a:xfrm>
+            <a:off x="11001372" y="346322"/>
+            <a:ext cx="395282" cy="395282"/>
+          </a:xfrm>
+          <a:prstGeom prst="rect">
+            <a:avLst/>
+          </a:prstGeom>
+        </p:spPr>
+      </p:pic>
+      <p:pic>
+        <p:nvPicPr>
+          <p:cNvPr id="1032" name="Picture 8" descr="Kojima nyitott világú MGS remake-re vágyik">
+            <a:extLst>
+              <a:ext uri="{FF2B5EF4-FFF2-40B4-BE49-F238E27FC236}">
+                <a16:creationId xmlns:a16="http://schemas.microsoft.com/office/drawing/2014/main" id="{01911F71-CF25-B2DD-4E51-3861B6A9D830}"/>
+              </a:ext>
+            </a:extLst>
+          </p:cNvPr>
+          <p:cNvPicPr>
+            <a:picLocks noChangeAspect="1" noChangeArrowheads="1"/>
+          </p:cNvPicPr>
+          <p:nvPr/>
+        </p:nvPicPr>
+        <p:blipFill>
+          <a:blip r:embed="rId8" cstate="print">
+            <a:extLst>
+              <a:ext uri="{28A0092B-C50C-407E-A947-70E740481C1C}">
+                <a14:useLocalDpi xmlns:a14="http://schemas.microsoft.com/office/drawing/2010/main" val="0"/>
+              </a:ext>
+            </a:extLst>
+          </a:blip>
+          <a:srcRect/>
+          <a:stretch>
+            <a:fillRect/>
+          </a:stretch>
+        </p:blipFill>
+        <p:spPr bwMode="auto">
+          <a:xfrm>
+            <a:off x="6607976" y="3162009"/>
+            <a:ext cx="4788678" cy="2693632"/>
+          </a:xfrm>
+          <a:prstGeom prst="rect">
+            <a:avLst/>
+          </a:prstGeom>
+          <a:noFill/>
+          <a:extLst>
+            <a:ext uri="{909E8E84-426E-40DD-AFC4-6F175D3DCCD1}">
+              <a14:hiddenFill xmlns:a14="http://schemas.microsoft.com/office/drawing/2010/main">
+                <a:solidFill>
+                  <a:srgbClr val="FFFFFF"/>
+                </a:solidFill>
+              </a14:hiddenFill>
+            </a:ext>
+          </a:extLst>
+        </p:spPr>
+      </p:pic>
+      <p:pic>
+        <p:nvPicPr>
+          <p:cNvPr id="1034" name="Picture 10" descr="Game Geeks News | The Official Gaming News Channel for Gamers">
+            <a:extLst>
+              <a:ext uri="{FF2B5EF4-FFF2-40B4-BE49-F238E27FC236}">
+                <a16:creationId xmlns:a16="http://schemas.microsoft.com/office/drawing/2014/main" id="{CD4E9B18-3666-26CA-913E-8BBF5C94AFF2}"/>
+              </a:ext>
+            </a:extLst>
+          </p:cNvPr>
+          <p:cNvPicPr>
+            <a:picLocks noChangeAspect="1" noChangeArrowheads="1"/>
+          </p:cNvPicPr>
+          <p:nvPr/>
+        </p:nvPicPr>
+        <p:blipFill>
+          <a:blip r:embed="rId9" cstate="print">
+            <a:extLst>
+              <a:ext uri="{28A0092B-C50C-407E-A947-70E740481C1C}">
+                <a14:useLocalDpi xmlns:a14="http://schemas.microsoft.com/office/drawing/2010/main" val="0"/>
+              </a:ext>
+            </a:extLst>
+          </a:blip>
+          <a:srcRect/>
+          <a:stretch>
+            <a:fillRect/>
+          </a:stretch>
+        </p:blipFill>
+        <p:spPr bwMode="auto">
+          <a:xfrm>
+            <a:off x="1701070" y="3670740"/>
+            <a:ext cx="4092238" cy="2301882"/>
+          </a:xfrm>
+          <a:prstGeom prst="rect">
+            <a:avLst/>
+          </a:prstGeom>
+          <a:noFill/>
+          <a:extLst>
+            <a:ext uri="{909E8E84-426E-40DD-AFC4-6F175D3DCCD1}">
+              <a14:hiddenFill xmlns:a14="http://schemas.microsoft.com/office/drawing/2010/main">
+                <a:solidFill>
+                  <a:srgbClr val="FFFFFF"/>
+                </a:solidFill>
+              </a14:hiddenFill>
+            </a:ext>
+          </a:extLst>
+        </p:spPr>
+      </p:pic>
     </p:spTree>
     <p:extLst>
       <p:ext uri="{BB962C8B-B14F-4D97-AF65-F5344CB8AC3E}">
@@ -7448,6 +9013,4498 @@
   <p:clrMapOvr>
     <a:masterClrMapping/>
   </p:clrMapOvr>
+  <p:timing>
+    <p:tnLst>
+      <p:par>
+        <p:cTn id="1" dur="indefinite" restart="never" nodeType="tmRoot">
+          <p:childTnLst>
+            <p:seq concurrent="1" nextAc="seek">
+              <p:cTn id="2" dur="indefinite" nodeType="mainSeq">
+                <p:childTnLst>
+                  <p:par>
+                    <p:cTn id="3" fill="hold">
+                      <p:stCondLst>
+                        <p:cond delay="indefinite"/>
+                        <p:cond evt="onBegin" delay="0">
+                          <p:tn val="2"/>
+                        </p:cond>
+                      </p:stCondLst>
+                      <p:childTnLst>
+                        <p:par>
+                          <p:cTn id="4" fill="hold">
+                            <p:stCondLst>
+                              <p:cond delay="0"/>
+                            </p:stCondLst>
+                            <p:childTnLst>
+                              <p:par>
+                                <p:cTn id="5" presetID="22" presetClass="entr" presetSubtype="4" fill="hold" grpId="0" nodeType="withEffect">
+                                  <p:stCondLst>
+                                    <p:cond delay="0"/>
+                                  </p:stCondLst>
+                                  <p:childTnLst>
+                                    <p:set>
+                                      <p:cBhvr>
+                                        <p:cTn id="6" dur="1" fill="hold">
+                                          <p:stCondLst>
+                                            <p:cond delay="0"/>
+                                          </p:stCondLst>
+                                        </p:cTn>
+                                        <p:tgtEl>
+                                          <p:spTgt spid="2"/>
+                                        </p:tgtEl>
+                                        <p:attrNameLst>
+                                          <p:attrName>style.visibility</p:attrName>
+                                        </p:attrNameLst>
+                                      </p:cBhvr>
+                                      <p:to>
+                                        <p:strVal val="visible"/>
+                                      </p:to>
+                                    </p:set>
+                                    <p:animEffect transition="in" filter="wipe(down)">
+                                      <p:cBhvr>
+                                        <p:cTn id="7" dur="500"/>
+                                        <p:tgtEl>
+                                          <p:spTgt spid="2"/>
+                                        </p:tgtEl>
+                                      </p:cBhvr>
+                                    </p:animEffect>
+                                  </p:childTnLst>
+                                </p:cTn>
+                              </p:par>
+                            </p:childTnLst>
+                          </p:cTn>
+                        </p:par>
+                        <p:par>
+                          <p:cTn id="8" fill="hold">
+                            <p:stCondLst>
+                              <p:cond delay="500"/>
+                            </p:stCondLst>
+                            <p:childTnLst>
+                              <p:par>
+                                <p:cTn id="9" presetID="22" presetClass="entr" presetSubtype="4" fill="hold" grpId="0" nodeType="afterEffect">
+                                  <p:stCondLst>
+                                    <p:cond delay="0"/>
+                                  </p:stCondLst>
+                                  <p:childTnLst>
+                                    <p:set>
+                                      <p:cBhvr>
+                                        <p:cTn id="10" dur="1" fill="hold">
+                                          <p:stCondLst>
+                                            <p:cond delay="0"/>
+                                          </p:stCondLst>
+                                        </p:cTn>
+                                        <p:tgtEl>
+                                          <p:spTgt spid="4"/>
+                                        </p:tgtEl>
+                                        <p:attrNameLst>
+                                          <p:attrName>style.visibility</p:attrName>
+                                        </p:attrNameLst>
+                                      </p:cBhvr>
+                                      <p:to>
+                                        <p:strVal val="visible"/>
+                                      </p:to>
+                                    </p:set>
+                                    <p:animEffect transition="in" filter="wipe(down)">
+                                      <p:cBhvr>
+                                        <p:cTn id="11" dur="500"/>
+                                        <p:tgtEl>
+                                          <p:spTgt spid="4"/>
+                                        </p:tgtEl>
+                                      </p:cBhvr>
+                                    </p:animEffect>
+                                  </p:childTnLst>
+                                </p:cTn>
+                              </p:par>
+                              <p:par>
+                                <p:cTn id="12" presetID="22" presetClass="entr" presetSubtype="4" fill="hold" nodeType="withEffect">
+                                  <p:stCondLst>
+                                    <p:cond delay="0"/>
+                                  </p:stCondLst>
+                                  <p:childTnLst>
+                                    <p:set>
+                                      <p:cBhvr>
+                                        <p:cTn id="13" dur="1" fill="hold">
+                                          <p:stCondLst>
+                                            <p:cond delay="0"/>
+                                          </p:stCondLst>
+                                        </p:cTn>
+                                        <p:tgtEl>
+                                          <p:spTgt spid="5"/>
+                                        </p:tgtEl>
+                                        <p:attrNameLst>
+                                          <p:attrName>style.visibility</p:attrName>
+                                        </p:attrNameLst>
+                                      </p:cBhvr>
+                                      <p:to>
+                                        <p:strVal val="visible"/>
+                                      </p:to>
+                                    </p:set>
+                                    <p:animEffect transition="in" filter="wipe(down)">
+                                      <p:cBhvr>
+                                        <p:cTn id="14" dur="500"/>
+                                        <p:tgtEl>
+                                          <p:spTgt spid="5"/>
+                                        </p:tgtEl>
+                                      </p:cBhvr>
+                                    </p:animEffect>
+                                  </p:childTnLst>
+                                </p:cTn>
+                              </p:par>
+                              <p:par>
+                                <p:cTn id="15" presetID="22" presetClass="entr" presetSubtype="4" fill="hold" grpId="0" nodeType="withEffect">
+                                  <p:stCondLst>
+                                    <p:cond delay="0"/>
+                                  </p:stCondLst>
+                                  <p:childTnLst>
+                                    <p:set>
+                                      <p:cBhvr>
+                                        <p:cTn id="16" dur="1" fill="hold">
+                                          <p:stCondLst>
+                                            <p:cond delay="0"/>
+                                          </p:stCondLst>
+                                        </p:cTn>
+                                        <p:tgtEl>
+                                          <p:spTgt spid="6"/>
+                                        </p:tgtEl>
+                                        <p:attrNameLst>
+                                          <p:attrName>style.visibility</p:attrName>
+                                        </p:attrNameLst>
+                                      </p:cBhvr>
+                                      <p:to>
+                                        <p:strVal val="visible"/>
+                                      </p:to>
+                                    </p:set>
+                                    <p:animEffect transition="in" filter="wipe(down)">
+                                      <p:cBhvr>
+                                        <p:cTn id="17" dur="500"/>
+                                        <p:tgtEl>
+                                          <p:spTgt spid="6"/>
+                                        </p:tgtEl>
+                                      </p:cBhvr>
+                                    </p:animEffect>
+                                  </p:childTnLst>
+                                </p:cTn>
+                              </p:par>
+                              <p:par>
+                                <p:cTn id="18" presetID="22" presetClass="entr" presetSubtype="4" fill="hold" grpId="0" nodeType="withEffect">
+                                  <p:stCondLst>
+                                    <p:cond delay="0"/>
+                                  </p:stCondLst>
+                                  <p:childTnLst>
+                                    <p:set>
+                                      <p:cBhvr>
+                                        <p:cTn id="19" dur="1" fill="hold">
+                                          <p:stCondLst>
+                                            <p:cond delay="0"/>
+                                          </p:stCondLst>
+                                        </p:cTn>
+                                        <p:tgtEl>
+                                          <p:spTgt spid="7"/>
+                                        </p:tgtEl>
+                                        <p:attrNameLst>
+                                          <p:attrName>style.visibility</p:attrName>
+                                        </p:attrNameLst>
+                                      </p:cBhvr>
+                                      <p:to>
+                                        <p:strVal val="visible"/>
+                                      </p:to>
+                                    </p:set>
+                                    <p:animEffect transition="in" filter="wipe(down)">
+                                      <p:cBhvr>
+                                        <p:cTn id="20" dur="500"/>
+                                        <p:tgtEl>
+                                          <p:spTgt spid="7"/>
+                                        </p:tgtEl>
+                                      </p:cBhvr>
+                                    </p:animEffect>
+                                  </p:childTnLst>
+                                </p:cTn>
+                              </p:par>
+                              <p:par>
+                                <p:cTn id="21" presetID="22" presetClass="entr" presetSubtype="4" fill="hold" grpId="0" nodeType="withEffect">
+                                  <p:stCondLst>
+                                    <p:cond delay="0"/>
+                                  </p:stCondLst>
+                                  <p:childTnLst>
+                                    <p:set>
+                                      <p:cBhvr>
+                                        <p:cTn id="22" dur="1" fill="hold">
+                                          <p:stCondLst>
+                                            <p:cond delay="0"/>
+                                          </p:stCondLst>
+                                        </p:cTn>
+                                        <p:tgtEl>
+                                          <p:spTgt spid="8"/>
+                                        </p:tgtEl>
+                                        <p:attrNameLst>
+                                          <p:attrName>style.visibility</p:attrName>
+                                        </p:attrNameLst>
+                                      </p:cBhvr>
+                                      <p:to>
+                                        <p:strVal val="visible"/>
+                                      </p:to>
+                                    </p:set>
+                                    <p:animEffect transition="in" filter="wipe(down)">
+                                      <p:cBhvr>
+                                        <p:cTn id="23" dur="500"/>
+                                        <p:tgtEl>
+                                          <p:spTgt spid="8"/>
+                                        </p:tgtEl>
+                                      </p:cBhvr>
+                                    </p:animEffect>
+                                  </p:childTnLst>
+                                </p:cTn>
+                              </p:par>
+                            </p:childTnLst>
+                          </p:cTn>
+                        </p:par>
+                        <p:par>
+                          <p:cTn id="24" fill="hold">
+                            <p:stCondLst>
+                              <p:cond delay="1000"/>
+                            </p:stCondLst>
+                            <p:childTnLst>
+                              <p:par>
+                                <p:cTn id="25" presetID="22" presetClass="entr" presetSubtype="4" fill="hold" grpId="0" nodeType="afterEffect">
+                                  <p:stCondLst>
+                                    <p:cond delay="0"/>
+                                  </p:stCondLst>
+                                  <p:childTnLst>
+                                    <p:set>
+                                      <p:cBhvr>
+                                        <p:cTn id="26" dur="1" fill="hold">
+                                          <p:stCondLst>
+                                            <p:cond delay="0"/>
+                                          </p:stCondLst>
+                                        </p:cTn>
+                                        <p:tgtEl>
+                                          <p:spTgt spid="20"/>
+                                        </p:tgtEl>
+                                        <p:attrNameLst>
+                                          <p:attrName>style.visibility</p:attrName>
+                                        </p:attrNameLst>
+                                      </p:cBhvr>
+                                      <p:to>
+                                        <p:strVal val="visible"/>
+                                      </p:to>
+                                    </p:set>
+                                    <p:animEffect transition="in" filter="wipe(down)">
+                                      <p:cBhvr>
+                                        <p:cTn id="27" dur="500"/>
+                                        <p:tgtEl>
+                                          <p:spTgt spid="20"/>
+                                        </p:tgtEl>
+                                      </p:cBhvr>
+                                    </p:animEffect>
+                                  </p:childTnLst>
+                                </p:cTn>
+                              </p:par>
+                              <p:par>
+                                <p:cTn id="28" presetID="22" presetClass="entr" presetSubtype="4" fill="hold" nodeType="withEffect">
+                                  <p:stCondLst>
+                                    <p:cond delay="0"/>
+                                  </p:stCondLst>
+                                  <p:childTnLst>
+                                    <p:set>
+                                      <p:cBhvr>
+                                        <p:cTn id="29" dur="1" fill="hold">
+                                          <p:stCondLst>
+                                            <p:cond delay="0"/>
+                                          </p:stCondLst>
+                                        </p:cTn>
+                                        <p:tgtEl>
+                                          <p:spTgt spid="21"/>
+                                        </p:tgtEl>
+                                        <p:attrNameLst>
+                                          <p:attrName>style.visibility</p:attrName>
+                                        </p:attrNameLst>
+                                      </p:cBhvr>
+                                      <p:to>
+                                        <p:strVal val="visible"/>
+                                      </p:to>
+                                    </p:set>
+                                    <p:animEffect transition="in" filter="wipe(down)">
+                                      <p:cBhvr>
+                                        <p:cTn id="30" dur="500"/>
+                                        <p:tgtEl>
+                                          <p:spTgt spid="21"/>
+                                        </p:tgtEl>
+                                      </p:cBhvr>
+                                    </p:animEffect>
+                                  </p:childTnLst>
+                                </p:cTn>
+                              </p:par>
+                              <p:par>
+                                <p:cTn id="31" presetID="22" presetClass="entr" presetSubtype="4" fill="hold" grpId="0" nodeType="withEffect">
+                                  <p:stCondLst>
+                                    <p:cond delay="500"/>
+                                  </p:stCondLst>
+                                  <p:childTnLst>
+                                    <p:set>
+                                      <p:cBhvr>
+                                        <p:cTn id="32" dur="1" fill="hold">
+                                          <p:stCondLst>
+                                            <p:cond delay="0"/>
+                                          </p:stCondLst>
+                                        </p:cTn>
+                                        <p:tgtEl>
+                                          <p:spTgt spid="19"/>
+                                        </p:tgtEl>
+                                        <p:attrNameLst>
+                                          <p:attrName>style.visibility</p:attrName>
+                                        </p:attrNameLst>
+                                      </p:cBhvr>
+                                      <p:to>
+                                        <p:strVal val="visible"/>
+                                      </p:to>
+                                    </p:set>
+                                    <p:animEffect transition="in" filter="wipe(down)">
+                                      <p:cBhvr>
+                                        <p:cTn id="33" dur="500"/>
+                                        <p:tgtEl>
+                                          <p:spTgt spid="19"/>
+                                        </p:tgtEl>
+                                      </p:cBhvr>
+                                    </p:animEffect>
+                                  </p:childTnLst>
+                                </p:cTn>
+                              </p:par>
+                              <p:par>
+                                <p:cTn id="34" presetID="22" presetClass="entr" presetSubtype="4" fill="hold" nodeType="withEffect">
+                                  <p:stCondLst>
+                                    <p:cond delay="500"/>
+                                  </p:stCondLst>
+                                  <p:childTnLst>
+                                    <p:set>
+                                      <p:cBhvr>
+                                        <p:cTn id="35" dur="1" fill="hold">
+                                          <p:stCondLst>
+                                            <p:cond delay="0"/>
+                                          </p:stCondLst>
+                                        </p:cTn>
+                                        <p:tgtEl>
+                                          <p:spTgt spid="10"/>
+                                        </p:tgtEl>
+                                        <p:attrNameLst>
+                                          <p:attrName>style.visibility</p:attrName>
+                                        </p:attrNameLst>
+                                      </p:cBhvr>
+                                      <p:to>
+                                        <p:strVal val="visible"/>
+                                      </p:to>
+                                    </p:set>
+                                    <p:animEffect transition="in" filter="wipe(down)">
+                                      <p:cBhvr>
+                                        <p:cTn id="36" dur="500"/>
+                                        <p:tgtEl>
+                                          <p:spTgt spid="10"/>
+                                        </p:tgtEl>
+                                      </p:cBhvr>
+                                    </p:animEffect>
+                                  </p:childTnLst>
+                                </p:cTn>
+                              </p:par>
+                              <p:par>
+                                <p:cTn id="37" presetID="22" presetClass="entr" presetSubtype="4" fill="hold" grpId="0" nodeType="withEffect">
+                                  <p:stCondLst>
+                                    <p:cond delay="500"/>
+                                  </p:stCondLst>
+                                  <p:childTnLst>
+                                    <p:set>
+                                      <p:cBhvr>
+                                        <p:cTn id="38" dur="1" fill="hold">
+                                          <p:stCondLst>
+                                            <p:cond delay="0"/>
+                                          </p:stCondLst>
+                                        </p:cTn>
+                                        <p:tgtEl>
+                                          <p:spTgt spid="14"/>
+                                        </p:tgtEl>
+                                        <p:attrNameLst>
+                                          <p:attrName>style.visibility</p:attrName>
+                                        </p:attrNameLst>
+                                      </p:cBhvr>
+                                      <p:to>
+                                        <p:strVal val="visible"/>
+                                      </p:to>
+                                    </p:set>
+                                    <p:animEffect transition="in" filter="wipe(down)">
+                                      <p:cBhvr>
+                                        <p:cTn id="39" dur="500"/>
+                                        <p:tgtEl>
+                                          <p:spTgt spid="14"/>
+                                        </p:tgtEl>
+                                      </p:cBhvr>
+                                    </p:animEffect>
+                                  </p:childTnLst>
+                                </p:cTn>
+                              </p:par>
+                              <p:par>
+                                <p:cTn id="40" presetID="22" presetClass="entr" presetSubtype="4" fill="hold" grpId="0" nodeType="withEffect">
+                                  <p:stCondLst>
+                                    <p:cond delay="500"/>
+                                  </p:stCondLst>
+                                  <p:childTnLst>
+                                    <p:set>
+                                      <p:cBhvr>
+                                        <p:cTn id="41" dur="1" fill="hold">
+                                          <p:stCondLst>
+                                            <p:cond delay="0"/>
+                                          </p:stCondLst>
+                                        </p:cTn>
+                                        <p:tgtEl>
+                                          <p:spTgt spid="15"/>
+                                        </p:tgtEl>
+                                        <p:attrNameLst>
+                                          <p:attrName>style.visibility</p:attrName>
+                                        </p:attrNameLst>
+                                      </p:cBhvr>
+                                      <p:to>
+                                        <p:strVal val="visible"/>
+                                      </p:to>
+                                    </p:set>
+                                    <p:animEffect transition="in" filter="wipe(down)">
+                                      <p:cBhvr>
+                                        <p:cTn id="42" dur="500"/>
+                                        <p:tgtEl>
+                                          <p:spTgt spid="15"/>
+                                        </p:tgtEl>
+                                      </p:cBhvr>
+                                    </p:animEffect>
+                                  </p:childTnLst>
+                                </p:cTn>
+                              </p:par>
+                              <p:par>
+                                <p:cTn id="43" presetID="22" presetClass="entr" presetSubtype="4" fill="hold" grpId="0" nodeType="withEffect">
+                                  <p:stCondLst>
+                                    <p:cond delay="500"/>
+                                  </p:stCondLst>
+                                  <p:childTnLst>
+                                    <p:set>
+                                      <p:cBhvr>
+                                        <p:cTn id="44" dur="1" fill="hold">
+                                          <p:stCondLst>
+                                            <p:cond delay="0"/>
+                                          </p:stCondLst>
+                                        </p:cTn>
+                                        <p:tgtEl>
+                                          <p:spTgt spid="16"/>
+                                        </p:tgtEl>
+                                        <p:attrNameLst>
+                                          <p:attrName>style.visibility</p:attrName>
+                                        </p:attrNameLst>
+                                      </p:cBhvr>
+                                      <p:to>
+                                        <p:strVal val="visible"/>
+                                      </p:to>
+                                    </p:set>
+                                    <p:animEffect transition="in" filter="wipe(down)">
+                                      <p:cBhvr>
+                                        <p:cTn id="45" dur="500"/>
+                                        <p:tgtEl>
+                                          <p:spTgt spid="16"/>
+                                        </p:tgtEl>
+                                      </p:cBhvr>
+                                    </p:animEffect>
+                                  </p:childTnLst>
+                                </p:cTn>
+                              </p:par>
+                              <p:par>
+                                <p:cTn id="46" presetID="22" presetClass="entr" presetSubtype="4" fill="hold" grpId="0" nodeType="withEffect">
+                                  <p:stCondLst>
+                                    <p:cond delay="500"/>
+                                  </p:stCondLst>
+                                  <p:childTnLst>
+                                    <p:set>
+                                      <p:cBhvr>
+                                        <p:cTn id="47" dur="1" fill="hold">
+                                          <p:stCondLst>
+                                            <p:cond delay="0"/>
+                                          </p:stCondLst>
+                                        </p:cTn>
+                                        <p:tgtEl>
+                                          <p:spTgt spid="17"/>
+                                        </p:tgtEl>
+                                        <p:attrNameLst>
+                                          <p:attrName>style.visibility</p:attrName>
+                                        </p:attrNameLst>
+                                      </p:cBhvr>
+                                      <p:to>
+                                        <p:strVal val="visible"/>
+                                      </p:to>
+                                    </p:set>
+                                    <p:animEffect transition="in" filter="wipe(down)">
+                                      <p:cBhvr>
+                                        <p:cTn id="48" dur="500"/>
+                                        <p:tgtEl>
+                                          <p:spTgt spid="17"/>
+                                        </p:tgtEl>
+                                      </p:cBhvr>
+                                    </p:animEffect>
+                                  </p:childTnLst>
+                                </p:cTn>
+                              </p:par>
+                            </p:childTnLst>
+                          </p:cTn>
+                        </p:par>
+                      </p:childTnLst>
+                    </p:cTn>
+                  </p:par>
+                  <p:par>
+                    <p:cTn id="49" fill="hold">
+                      <p:stCondLst>
+                        <p:cond delay="indefinite"/>
+                      </p:stCondLst>
+                      <p:childTnLst>
+                        <p:par>
+                          <p:cTn id="50" fill="hold">
+                            <p:stCondLst>
+                              <p:cond delay="0"/>
+                            </p:stCondLst>
+                            <p:childTnLst>
+                              <p:par>
+                                <p:cTn id="51" presetID="22" presetClass="entr" presetSubtype="4" fill="hold" nodeType="clickEffect">
+                                  <p:stCondLst>
+                                    <p:cond delay="0"/>
+                                  </p:stCondLst>
+                                  <p:childTnLst>
+                                    <p:set>
+                                      <p:cBhvr>
+                                        <p:cTn id="52" dur="1" fill="hold">
+                                          <p:stCondLst>
+                                            <p:cond delay="0"/>
+                                          </p:stCondLst>
+                                        </p:cTn>
+                                        <p:tgtEl>
+                                          <p:spTgt spid="1034"/>
+                                        </p:tgtEl>
+                                        <p:attrNameLst>
+                                          <p:attrName>style.visibility</p:attrName>
+                                        </p:attrNameLst>
+                                      </p:cBhvr>
+                                      <p:to>
+                                        <p:strVal val="visible"/>
+                                      </p:to>
+                                    </p:set>
+                                    <p:animEffect transition="in" filter="wipe(down)">
+                                      <p:cBhvr>
+                                        <p:cTn id="53" dur="500"/>
+                                        <p:tgtEl>
+                                          <p:spTgt spid="1034"/>
+                                        </p:tgtEl>
+                                      </p:cBhvr>
+                                    </p:animEffect>
+                                  </p:childTnLst>
+                                </p:cTn>
+                              </p:par>
+                            </p:childTnLst>
+                          </p:cTn>
+                        </p:par>
+                      </p:childTnLst>
+                    </p:cTn>
+                  </p:par>
+                  <p:par>
+                    <p:cTn id="54" fill="hold">
+                      <p:stCondLst>
+                        <p:cond delay="indefinite"/>
+                      </p:stCondLst>
+                      <p:childTnLst>
+                        <p:par>
+                          <p:cTn id="55" fill="hold">
+                            <p:stCondLst>
+                              <p:cond delay="0"/>
+                            </p:stCondLst>
+                            <p:childTnLst>
+                              <p:par>
+                                <p:cTn id="56" presetID="22" presetClass="entr" presetSubtype="4" fill="hold" nodeType="clickEffect">
+                                  <p:stCondLst>
+                                    <p:cond delay="0"/>
+                                  </p:stCondLst>
+                                  <p:childTnLst>
+                                    <p:set>
+                                      <p:cBhvr>
+                                        <p:cTn id="57" dur="1" fill="hold">
+                                          <p:stCondLst>
+                                            <p:cond delay="0"/>
+                                          </p:stCondLst>
+                                        </p:cTn>
+                                        <p:tgtEl>
+                                          <p:spTgt spid="1032"/>
+                                        </p:tgtEl>
+                                        <p:attrNameLst>
+                                          <p:attrName>style.visibility</p:attrName>
+                                        </p:attrNameLst>
+                                      </p:cBhvr>
+                                      <p:to>
+                                        <p:strVal val="visible"/>
+                                      </p:to>
+                                    </p:set>
+                                    <p:animEffect transition="in" filter="wipe(down)">
+                                      <p:cBhvr>
+                                        <p:cTn id="58" dur="500"/>
+                                        <p:tgtEl>
+                                          <p:spTgt spid="1032"/>
+                                        </p:tgtEl>
+                                      </p:cBhvr>
+                                    </p:animEffect>
+                                  </p:childTnLst>
+                                </p:cTn>
+                              </p:par>
+                            </p:childTnLst>
+                          </p:cTn>
+                        </p:par>
+                      </p:childTnLst>
+                    </p:cTn>
+                  </p:par>
+                </p:childTnLst>
+              </p:cTn>
+              <p:prevCondLst>
+                <p:cond evt="onPrev" delay="0">
+                  <p:tgtEl>
+                    <p:sldTgt/>
+                  </p:tgtEl>
+                </p:cond>
+              </p:prevCondLst>
+              <p:nextCondLst>
+                <p:cond evt="onNext" delay="0">
+                  <p:tgtEl>
+                    <p:sldTgt/>
+                  </p:tgtEl>
+                </p:cond>
+              </p:nextCondLst>
+            </p:seq>
+          </p:childTnLst>
+        </p:cTn>
+      </p:par>
+    </p:tnLst>
+    <p:bldLst>
+      <p:bldP spid="19" grpId="0" animBg="1"/>
+      <p:bldP spid="2" grpId="0"/>
+      <p:bldP spid="4" grpId="0" animBg="1"/>
+      <p:bldP spid="6" grpId="0" animBg="1"/>
+      <p:bldP spid="7" grpId="0" animBg="1"/>
+      <p:bldP spid="8" grpId="0"/>
+      <p:bldP spid="14" grpId="0"/>
+      <p:bldP spid="15" grpId="0"/>
+      <p:bldP spid="16" grpId="0"/>
+      <p:bldP spid="17" grpId="0"/>
+      <p:bldP spid="20" grpId="0"/>
+    </p:bldLst>
+  </p:timing>
+</p:sld>
+</file>
+
+<file path=ppt/slides/slide5.xml><?xml version="1.0" encoding="utf-8"?>
+<p:sld xmlns:a="http://schemas.openxmlformats.org/drawingml/2006/main" xmlns:r="http://schemas.openxmlformats.org/officeDocument/2006/relationships" xmlns:p="http://schemas.openxmlformats.org/presentationml/2006/main">
+  <p:cSld>
+    <p:spTree>
+      <p:nvGrpSpPr>
+        <p:cNvPr id="1" name=""/>
+        <p:cNvGrpSpPr/>
+        <p:nvPr/>
+      </p:nvGrpSpPr>
+      <p:grpSpPr>
+        <a:xfrm>
+          <a:off x="0" y="0"/>
+          <a:ext cx="0" cy="0"/>
+          <a:chOff x="0" y="0"/>
+          <a:chExt cx="0" cy="0"/>
+        </a:xfrm>
+      </p:grpSpPr>
+      <p:sp>
+        <p:nvSpPr>
+          <p:cNvPr id="3" name="Tartalom helye 2">
+            <a:extLst>
+              <a:ext uri="{FF2B5EF4-FFF2-40B4-BE49-F238E27FC236}">
+                <a16:creationId xmlns:a16="http://schemas.microsoft.com/office/drawing/2014/main" id="{DCE31BB0-0FAB-C41E-D5AD-7D5FB098B32F}"/>
+              </a:ext>
+            </a:extLst>
+          </p:cNvPr>
+          <p:cNvSpPr>
+            <a:spLocks noGrp="1"/>
+          </p:cNvSpPr>
+          <p:nvPr>
+            <p:ph idx="1"/>
+          </p:nvPr>
+        </p:nvSpPr>
+        <p:spPr/>
+        <p:txBody>
+          <a:bodyPr/>
+          <a:lstStyle/>
+          <a:p>
+            <a:endParaRPr lang="hu-HU"/>
+          </a:p>
+        </p:txBody>
+      </p:sp>
+      <p:sp>
+        <p:nvSpPr>
+          <p:cNvPr id="4" name="Téglalap: lekerekített 3">
+            <a:extLst>
+              <a:ext uri="{FF2B5EF4-FFF2-40B4-BE49-F238E27FC236}">
+                <a16:creationId xmlns:a16="http://schemas.microsoft.com/office/drawing/2014/main" id="{60BF890D-447F-E15C-3F13-7401A61DCFFB}"/>
+              </a:ext>
+            </a:extLst>
+          </p:cNvPr>
+          <p:cNvSpPr/>
+          <p:nvPr/>
+        </p:nvSpPr>
+        <p:spPr>
+          <a:xfrm>
+            <a:off x="647700" y="1286668"/>
+            <a:ext cx="11068050" cy="5257007"/>
+          </a:xfrm>
+          <a:prstGeom prst="roundRect">
+            <a:avLst>
+              <a:gd name="adj" fmla="val 20110"/>
+            </a:avLst>
+          </a:prstGeom>
+          <a:solidFill>
+            <a:schemeClr val="bg1"/>
+          </a:solidFill>
+          <a:ln>
+            <a:noFill/>
+          </a:ln>
+          <a:effectLst>
+            <a:outerShdw blurRad="381000" sx="102000" sy="102000" algn="ctr" rotWithShape="0">
+              <a:prstClr val="black">
+                <a:alpha val="40000"/>
+              </a:prstClr>
+            </a:outerShdw>
+          </a:effectLst>
+        </p:spPr>
+        <p:style>
+          <a:lnRef idx="2">
+            <a:schemeClr val="accent1">
+              <a:shade val="50000"/>
+            </a:schemeClr>
+          </a:lnRef>
+          <a:fillRef idx="1">
+            <a:schemeClr val="accent1"/>
+          </a:fillRef>
+          <a:effectRef idx="0">
+            <a:schemeClr val="accent1"/>
+          </a:effectRef>
+          <a:fontRef idx="minor">
+            <a:schemeClr val="lt1"/>
+          </a:fontRef>
+        </p:style>
+        <p:txBody>
+          <a:bodyPr rtlCol="0" anchor="ctr"/>
+          <a:lstStyle/>
+          <a:p>
+            <a:pPr algn="ctr"/>
+            <a:endParaRPr lang="hu-HU" dirty="0"/>
+          </a:p>
+        </p:txBody>
+      </p:sp>
+      <p:sp>
+        <p:nvSpPr>
+          <p:cNvPr id="5" name="Cím 1">
+            <a:extLst>
+              <a:ext uri="{FF2B5EF4-FFF2-40B4-BE49-F238E27FC236}">
+                <a16:creationId xmlns:a16="http://schemas.microsoft.com/office/drawing/2014/main" id="{5F3A917E-9DC1-55BF-9319-48D8C09149EC}"/>
+              </a:ext>
+            </a:extLst>
+          </p:cNvPr>
+          <p:cNvSpPr>
+            <a:spLocks noGrp="1"/>
+          </p:cNvSpPr>
+          <p:nvPr>
+            <p:ph type="title"/>
+          </p:nvPr>
+        </p:nvSpPr>
+        <p:spPr>
+          <a:xfrm>
+            <a:off x="0" y="0"/>
+            <a:ext cx="2495550" cy="1325563"/>
+          </a:xfrm>
+        </p:spPr>
+        <p:txBody>
+          <a:bodyPr/>
+          <a:lstStyle/>
+          <a:p>
+            <a:r>
+              <a:rPr lang="hu-HU" dirty="0">
+                <a:solidFill>
+                  <a:schemeClr val="accent1"/>
+                </a:solidFill>
+                <a:latin typeface="Comic Sans MS" panose="030F0702030302020204" pitchFamily="66" charset="0"/>
+              </a:rPr>
+              <a:t>K</a:t>
+            </a:r>
+            <a:r>
+              <a:rPr lang="hu-HU" dirty="0">
+                <a:solidFill>
+                  <a:srgbClr val="FF0000"/>
+                </a:solidFill>
+                <a:latin typeface="Comic Sans MS" panose="030F0702030302020204" pitchFamily="66" charset="0"/>
+              </a:rPr>
+              <a:t>e</a:t>
+            </a:r>
+            <a:r>
+              <a:rPr lang="hu-HU" dirty="0">
+                <a:solidFill>
+                  <a:srgbClr val="FFC000"/>
+                </a:solidFill>
+                <a:latin typeface="Comic Sans MS" panose="030F0702030302020204" pitchFamily="66" charset="0"/>
+              </a:rPr>
+              <a:t>r</a:t>
+            </a:r>
+            <a:r>
+              <a:rPr lang="hu-HU" dirty="0">
+                <a:solidFill>
+                  <a:schemeClr val="accent1"/>
+                </a:solidFill>
+                <a:latin typeface="Comic Sans MS" panose="030F0702030302020204" pitchFamily="66" charset="0"/>
+              </a:rPr>
+              <a:t>e</a:t>
+            </a:r>
+            <a:r>
+              <a:rPr lang="hu-HU" dirty="0">
+                <a:solidFill>
+                  <a:schemeClr val="accent6">
+                    <a:lumMod val="75000"/>
+                  </a:schemeClr>
+                </a:solidFill>
+                <a:latin typeface="Comic Sans MS" panose="030F0702030302020204" pitchFamily="66" charset="0"/>
+              </a:rPr>
+              <a:t>s</a:t>
+            </a:r>
+            <a:r>
+              <a:rPr lang="hu-HU" dirty="0">
+                <a:solidFill>
+                  <a:srgbClr val="FF0000"/>
+                </a:solidFill>
+                <a:latin typeface="Comic Sans MS" panose="030F0702030302020204" pitchFamily="66" charset="0"/>
+              </a:rPr>
+              <a:t>é</a:t>
+            </a:r>
+            <a:r>
+              <a:rPr lang="hu-HU" dirty="0">
+                <a:solidFill>
+                  <a:srgbClr val="FFC000"/>
+                </a:solidFill>
+                <a:latin typeface="Comic Sans MS" panose="030F0702030302020204" pitchFamily="66" charset="0"/>
+              </a:rPr>
+              <a:t>s</a:t>
+            </a:r>
+            <a:endParaRPr lang="hu-HU" dirty="0"/>
+          </a:p>
+        </p:txBody>
+      </p:sp>
+      <p:sp>
+        <p:nvSpPr>
+          <p:cNvPr id="6" name="Szövegdoboz 5">
+            <a:extLst>
+              <a:ext uri="{FF2B5EF4-FFF2-40B4-BE49-F238E27FC236}">
+                <a16:creationId xmlns:a16="http://schemas.microsoft.com/office/drawing/2014/main" id="{698FCB97-D65C-DC45-4984-0778A4C0E424}"/>
+              </a:ext>
+            </a:extLst>
+          </p:cNvPr>
+          <p:cNvSpPr txBox="1"/>
+          <p:nvPr/>
+        </p:nvSpPr>
+        <p:spPr>
+          <a:xfrm>
+            <a:off x="10037990" y="359297"/>
+            <a:ext cx="1495425" cy="369332"/>
+          </a:xfrm>
+          <a:prstGeom prst="rect">
+            <a:avLst/>
+          </a:prstGeom>
+          <a:noFill/>
+        </p:spPr>
+        <p:txBody>
+          <a:bodyPr wrap="square" rtlCol="0">
+            <a:spAutoFit/>
+          </a:bodyPr>
+          <a:lstStyle/>
+          <a:p>
+            <a:r>
+              <a:rPr lang="hu-HU" dirty="0">
+                <a:hlinkClick r:id="rId2" action="ppaction://hlinksldjump"/>
+              </a:rPr>
+              <a:t>Kezdőlap</a:t>
+            </a:r>
+            <a:endParaRPr lang="hu-HU" dirty="0"/>
+          </a:p>
+        </p:txBody>
+      </p:sp>
+      <p:pic>
+        <p:nvPicPr>
+          <p:cNvPr id="7" name="Ábra 6" descr="Vonalas nyíl: egyenes körvonalas">
+            <a:extLst>
+              <a:ext uri="{FF2B5EF4-FFF2-40B4-BE49-F238E27FC236}">
+                <a16:creationId xmlns:a16="http://schemas.microsoft.com/office/drawing/2014/main" id="{763F83A3-B209-4D9E-6C5A-5C421CE45255}"/>
+              </a:ext>
+            </a:extLst>
+          </p:cNvPr>
+          <p:cNvPicPr>
+            <a:picLocks noChangeAspect="1"/>
+          </p:cNvPicPr>
+          <p:nvPr/>
+        </p:nvPicPr>
+        <p:blipFill>
+          <a:blip r:embed="rId3" cstate="print">
+            <a:extLst>
+              <a:ext uri="{28A0092B-C50C-407E-A947-70E740481C1C}">
+                <a14:useLocalDpi xmlns:a14="http://schemas.microsoft.com/office/drawing/2010/main" val="0"/>
+              </a:ext>
+              <a:ext uri="{96DAC541-7B7A-43D3-8B79-37D633B846F1}">
+                <asvg:svgBlip xmlns:asvg="http://schemas.microsoft.com/office/drawing/2016/SVG/main" r:embed="rId4"/>
+              </a:ext>
+            </a:extLst>
+          </a:blip>
+          <a:stretch>
+            <a:fillRect/>
+          </a:stretch>
+        </p:blipFill>
+        <p:spPr>
+          <a:xfrm>
+            <a:off x="11001372" y="346322"/>
+            <a:ext cx="395282" cy="395282"/>
+          </a:xfrm>
+          <a:prstGeom prst="rect">
+            <a:avLst/>
+          </a:prstGeom>
+        </p:spPr>
+      </p:pic>
+      <p:sp>
+        <p:nvSpPr>
+          <p:cNvPr id="8" name="Téglalap: lekerekített 7">
+            <a:extLst>
+              <a:ext uri="{FF2B5EF4-FFF2-40B4-BE49-F238E27FC236}">
+                <a16:creationId xmlns:a16="http://schemas.microsoft.com/office/drawing/2014/main" id="{06EEC48B-3EA3-552F-C193-7BFD0C779136}"/>
+              </a:ext>
+            </a:extLst>
+          </p:cNvPr>
+          <p:cNvSpPr/>
+          <p:nvPr/>
+        </p:nvSpPr>
+        <p:spPr>
+          <a:xfrm>
+            <a:off x="2357970" y="429147"/>
+            <a:ext cx="4591574" cy="503779"/>
+          </a:xfrm>
+          <a:prstGeom prst="roundRect">
+            <a:avLst>
+              <a:gd name="adj" fmla="val 50000"/>
+            </a:avLst>
+          </a:prstGeom>
+          <a:solidFill>
+            <a:schemeClr val="bg1"/>
+          </a:solidFill>
+          <a:ln>
+            <a:noFill/>
+          </a:ln>
+          <a:effectLst>
+            <a:outerShdw blurRad="190500" sx="102000" sy="102000" algn="ctr" rotWithShape="0">
+              <a:prstClr val="black">
+                <a:alpha val="40000"/>
+              </a:prstClr>
+            </a:outerShdw>
+          </a:effectLst>
+        </p:spPr>
+        <p:style>
+          <a:lnRef idx="2">
+            <a:schemeClr val="accent1">
+              <a:shade val="50000"/>
+            </a:schemeClr>
+          </a:lnRef>
+          <a:fillRef idx="1">
+            <a:schemeClr val="accent1"/>
+          </a:fillRef>
+          <a:effectRef idx="0">
+            <a:schemeClr val="accent1"/>
+          </a:effectRef>
+          <a:fontRef idx="minor">
+            <a:schemeClr val="lt1"/>
+          </a:fontRef>
+        </p:style>
+        <p:txBody>
+          <a:bodyPr rtlCol="0" anchor="ctr"/>
+          <a:lstStyle/>
+          <a:p>
+            <a:pPr algn="ctr"/>
+            <a:endParaRPr lang="hu-HU"/>
+          </a:p>
+        </p:txBody>
+      </p:sp>
+      <p:pic>
+        <p:nvPicPr>
+          <p:cNvPr id="9" name="Ábra 8" descr="Nagyító egyszínű kitöltéssel">
+            <a:extLst>
+              <a:ext uri="{FF2B5EF4-FFF2-40B4-BE49-F238E27FC236}">
+                <a16:creationId xmlns:a16="http://schemas.microsoft.com/office/drawing/2014/main" id="{73EB3379-E414-FAC5-71CC-8B0BBE987AE2}"/>
+              </a:ext>
+            </a:extLst>
+          </p:cNvPr>
+          <p:cNvPicPr>
+            <a:picLocks noChangeAspect="1"/>
+          </p:cNvPicPr>
+          <p:nvPr/>
+        </p:nvPicPr>
+        <p:blipFill>
+          <a:blip r:embed="rId5" cstate="print">
+            <a:extLst>
+              <a:ext uri="{28A0092B-C50C-407E-A947-70E740481C1C}">
+                <a14:useLocalDpi xmlns:a14="http://schemas.microsoft.com/office/drawing/2010/main" val="0"/>
+              </a:ext>
+              <a:ext uri="{96DAC541-7B7A-43D3-8B79-37D633B846F1}">
+                <asvg:svgBlip xmlns:asvg="http://schemas.microsoft.com/office/drawing/2016/SVG/main" r:embed="rId6"/>
+              </a:ext>
+            </a:extLst>
+          </a:blip>
+          <a:stretch>
+            <a:fillRect/>
+          </a:stretch>
+        </p:blipFill>
+        <p:spPr>
+          <a:xfrm>
+            <a:off x="2482057" y="509586"/>
+            <a:ext cx="342900" cy="342900"/>
+          </a:xfrm>
+          <a:prstGeom prst="rect">
+            <a:avLst/>
+          </a:prstGeom>
+        </p:spPr>
+      </p:pic>
+      <p:sp>
+        <p:nvSpPr>
+          <p:cNvPr id="10" name="Szabadkézi sokszög: alakzat 9">
+            <a:extLst>
+              <a:ext uri="{FF2B5EF4-FFF2-40B4-BE49-F238E27FC236}">
+                <a16:creationId xmlns:a16="http://schemas.microsoft.com/office/drawing/2014/main" id="{A9AA0743-06F5-74CD-6152-C21F6DE41658}"/>
+              </a:ext>
+            </a:extLst>
+          </p:cNvPr>
+          <p:cNvSpPr/>
+          <p:nvPr/>
+        </p:nvSpPr>
+        <p:spPr>
+          <a:xfrm>
+            <a:off x="6566295" y="652635"/>
+            <a:ext cx="167472" cy="177939"/>
+          </a:xfrm>
+          <a:custGeom>
+            <a:avLst/>
+            <a:gdLst>
+              <a:gd name="connsiteX0" fmla="*/ 94203 w 167472"/>
+              <a:gd name="connsiteY0" fmla="*/ 157005 h 177939"/>
+              <a:gd name="connsiteX1" fmla="*/ 94203 w 167472"/>
+              <a:gd name="connsiteY1" fmla="*/ 114439 h 177939"/>
+              <a:gd name="connsiteX2" fmla="*/ 163983 w 167472"/>
+              <a:gd name="connsiteY2" fmla="*/ 34890 h 177939"/>
+              <a:gd name="connsiteX3" fmla="*/ 163983 w 167472"/>
+              <a:gd name="connsiteY3" fmla="*/ 0 h 177939"/>
+              <a:gd name="connsiteX4" fmla="*/ 143049 w 167472"/>
+              <a:gd name="connsiteY4" fmla="*/ 0 h 177939"/>
+              <a:gd name="connsiteX5" fmla="*/ 143049 w 167472"/>
+              <a:gd name="connsiteY5" fmla="*/ 34890 h 177939"/>
+              <a:gd name="connsiteX6" fmla="*/ 83736 w 167472"/>
+              <a:gd name="connsiteY6" fmla="*/ 94203 h 177939"/>
+              <a:gd name="connsiteX7" fmla="*/ 24423 w 167472"/>
+              <a:gd name="connsiteY7" fmla="*/ 34890 h 177939"/>
+              <a:gd name="connsiteX8" fmla="*/ 24423 w 167472"/>
+              <a:gd name="connsiteY8" fmla="*/ 0 h 177939"/>
+              <a:gd name="connsiteX9" fmla="*/ 3489 w 167472"/>
+              <a:gd name="connsiteY9" fmla="*/ 0 h 177939"/>
+              <a:gd name="connsiteX10" fmla="*/ 3489 w 167472"/>
+              <a:gd name="connsiteY10" fmla="*/ 34890 h 177939"/>
+              <a:gd name="connsiteX11" fmla="*/ 73269 w 167472"/>
+              <a:gd name="connsiteY11" fmla="*/ 114439 h 177939"/>
+              <a:gd name="connsiteX12" fmla="*/ 73269 w 167472"/>
+              <a:gd name="connsiteY12" fmla="*/ 157005 h 177939"/>
+              <a:gd name="connsiteX13" fmla="*/ 0 w 167472"/>
+              <a:gd name="connsiteY13" fmla="*/ 157005 h 177939"/>
+              <a:gd name="connsiteX14" fmla="*/ 0 w 167472"/>
+              <a:gd name="connsiteY14" fmla="*/ 177939 h 177939"/>
+              <a:gd name="connsiteX15" fmla="*/ 167472 w 167472"/>
+              <a:gd name="connsiteY15" fmla="*/ 177939 h 177939"/>
+              <a:gd name="connsiteX16" fmla="*/ 167472 w 167472"/>
+              <a:gd name="connsiteY16" fmla="*/ 157005 h 177939"/>
+              <a:gd name="connsiteX17" fmla="*/ 94203 w 167472"/>
+              <a:gd name="connsiteY17" fmla="*/ 157005 h 177939"/>
+            </a:gdLst>
+            <a:ahLst/>
+            <a:cxnLst>
+              <a:cxn ang="0">
+                <a:pos x="connsiteX0" y="connsiteY0"/>
+              </a:cxn>
+              <a:cxn ang="0">
+                <a:pos x="connsiteX1" y="connsiteY1"/>
+              </a:cxn>
+              <a:cxn ang="0">
+                <a:pos x="connsiteX2" y="connsiteY2"/>
+              </a:cxn>
+              <a:cxn ang="0">
+                <a:pos x="connsiteX3" y="connsiteY3"/>
+              </a:cxn>
+              <a:cxn ang="0">
+                <a:pos x="connsiteX4" y="connsiteY4"/>
+              </a:cxn>
+              <a:cxn ang="0">
+                <a:pos x="connsiteX5" y="connsiteY5"/>
+              </a:cxn>
+              <a:cxn ang="0">
+                <a:pos x="connsiteX6" y="connsiteY6"/>
+              </a:cxn>
+              <a:cxn ang="0">
+                <a:pos x="connsiteX7" y="connsiteY7"/>
+              </a:cxn>
+              <a:cxn ang="0">
+                <a:pos x="connsiteX8" y="connsiteY8"/>
+              </a:cxn>
+              <a:cxn ang="0">
+                <a:pos x="connsiteX9" y="connsiteY9"/>
+              </a:cxn>
+              <a:cxn ang="0">
+                <a:pos x="connsiteX10" y="connsiteY10"/>
+              </a:cxn>
+              <a:cxn ang="0">
+                <a:pos x="connsiteX11" y="connsiteY11"/>
+              </a:cxn>
+              <a:cxn ang="0">
+                <a:pos x="connsiteX12" y="connsiteY12"/>
+              </a:cxn>
+              <a:cxn ang="0">
+                <a:pos x="connsiteX13" y="connsiteY13"/>
+              </a:cxn>
+              <a:cxn ang="0">
+                <a:pos x="connsiteX14" y="connsiteY14"/>
+              </a:cxn>
+              <a:cxn ang="0">
+                <a:pos x="connsiteX15" y="connsiteY15"/>
+              </a:cxn>
+              <a:cxn ang="0">
+                <a:pos x="connsiteX16" y="connsiteY16"/>
+              </a:cxn>
+              <a:cxn ang="0">
+                <a:pos x="connsiteX17" y="connsiteY17"/>
+              </a:cxn>
+            </a:cxnLst>
+            <a:rect l="l" t="t" r="r" b="b"/>
+            <a:pathLst>
+              <a:path w="167472" h="177939">
+                <a:moveTo>
+                  <a:pt x="94203" y="157005"/>
+                </a:moveTo>
+                <a:lnTo>
+                  <a:pt x="94203" y="114439"/>
+                </a:lnTo>
+                <a:cubicBezTo>
+                  <a:pt x="133629" y="109206"/>
+                  <a:pt x="163983" y="75711"/>
+                  <a:pt x="163983" y="34890"/>
+                </a:cubicBezTo>
+                <a:lnTo>
+                  <a:pt x="163983" y="0"/>
+                </a:lnTo>
+                <a:lnTo>
+                  <a:pt x="143049" y="0"/>
+                </a:lnTo>
+                <a:lnTo>
+                  <a:pt x="143049" y="34890"/>
+                </a:lnTo>
+                <a:cubicBezTo>
+                  <a:pt x="143049" y="67687"/>
+                  <a:pt x="116533" y="94203"/>
+                  <a:pt x="83736" y="94203"/>
+                </a:cubicBezTo>
+                <a:cubicBezTo>
+                  <a:pt x="50939" y="94203"/>
+                  <a:pt x="24423" y="67687"/>
+                  <a:pt x="24423" y="34890"/>
+                </a:cubicBezTo>
+                <a:lnTo>
+                  <a:pt x="24423" y="0"/>
+                </a:lnTo>
+                <a:lnTo>
+                  <a:pt x="3489" y="0"/>
+                </a:lnTo>
+                <a:lnTo>
+                  <a:pt x="3489" y="34890"/>
+                </a:lnTo>
+                <a:cubicBezTo>
+                  <a:pt x="3489" y="75711"/>
+                  <a:pt x="33843" y="109206"/>
+                  <a:pt x="73269" y="114439"/>
+                </a:cubicBezTo>
+                <a:lnTo>
+                  <a:pt x="73269" y="157005"/>
+                </a:lnTo>
+                <a:lnTo>
+                  <a:pt x="0" y="157005"/>
+                </a:lnTo>
+                <a:lnTo>
+                  <a:pt x="0" y="177939"/>
+                </a:lnTo>
+                <a:lnTo>
+                  <a:pt x="167472" y="177939"/>
+                </a:lnTo>
+                <a:lnTo>
+                  <a:pt x="167472" y="157005"/>
+                </a:lnTo>
+                <a:lnTo>
+                  <a:pt x="94203" y="157005"/>
+                </a:lnTo>
+                <a:close/>
+              </a:path>
+            </a:pathLst>
+          </a:custGeom>
+          <a:solidFill>
+            <a:schemeClr val="tx1"/>
+          </a:solidFill>
+          <a:ln w="3473" cap="flat">
+            <a:noFill/>
+            <a:prstDash val="solid"/>
+            <a:miter/>
+          </a:ln>
+        </p:spPr>
+        <p:txBody>
+          <a:bodyPr rtlCol="0" anchor="ctr"/>
+          <a:lstStyle/>
+          <a:p>
+            <a:endParaRPr lang="hu-HU"/>
+          </a:p>
+        </p:txBody>
+      </p:sp>
+      <p:sp>
+        <p:nvSpPr>
+          <p:cNvPr id="11" name="Szabadkézi sokszög: alakzat 10">
+            <a:extLst>
+              <a:ext uri="{FF2B5EF4-FFF2-40B4-BE49-F238E27FC236}">
+                <a16:creationId xmlns:a16="http://schemas.microsoft.com/office/drawing/2014/main" id="{C21F900E-C7CE-1C93-AF91-F6597961DE02}"/>
+              </a:ext>
+            </a:extLst>
+          </p:cNvPr>
+          <p:cNvSpPr/>
+          <p:nvPr/>
+        </p:nvSpPr>
+        <p:spPr>
+          <a:xfrm>
+            <a:off x="6604674" y="523542"/>
+            <a:ext cx="90714" cy="209340"/>
+          </a:xfrm>
+          <a:custGeom>
+            <a:avLst/>
+            <a:gdLst>
+              <a:gd name="connsiteX0" fmla="*/ 45357 w 90714"/>
+              <a:gd name="connsiteY0" fmla="*/ 209340 h 209340"/>
+              <a:gd name="connsiteX1" fmla="*/ 90714 w 90714"/>
+              <a:gd name="connsiteY1" fmla="*/ 163983 h 209340"/>
+              <a:gd name="connsiteX2" fmla="*/ 55824 w 90714"/>
+              <a:gd name="connsiteY2" fmla="*/ 163983 h 209340"/>
+              <a:gd name="connsiteX3" fmla="*/ 55824 w 90714"/>
+              <a:gd name="connsiteY3" fmla="*/ 150027 h 209340"/>
+              <a:gd name="connsiteX4" fmla="*/ 90714 w 90714"/>
+              <a:gd name="connsiteY4" fmla="*/ 150027 h 209340"/>
+              <a:gd name="connsiteX5" fmla="*/ 90714 w 90714"/>
+              <a:gd name="connsiteY5" fmla="*/ 129093 h 209340"/>
+              <a:gd name="connsiteX6" fmla="*/ 55824 w 90714"/>
+              <a:gd name="connsiteY6" fmla="*/ 129093 h 209340"/>
+              <a:gd name="connsiteX7" fmla="*/ 55824 w 90714"/>
+              <a:gd name="connsiteY7" fmla="*/ 115137 h 209340"/>
+              <a:gd name="connsiteX8" fmla="*/ 90714 w 90714"/>
+              <a:gd name="connsiteY8" fmla="*/ 115137 h 209340"/>
+              <a:gd name="connsiteX9" fmla="*/ 90714 w 90714"/>
+              <a:gd name="connsiteY9" fmla="*/ 94203 h 209340"/>
+              <a:gd name="connsiteX10" fmla="*/ 55824 w 90714"/>
+              <a:gd name="connsiteY10" fmla="*/ 94203 h 209340"/>
+              <a:gd name="connsiteX11" fmla="*/ 55824 w 90714"/>
+              <a:gd name="connsiteY11" fmla="*/ 80247 h 209340"/>
+              <a:gd name="connsiteX12" fmla="*/ 90714 w 90714"/>
+              <a:gd name="connsiteY12" fmla="*/ 80247 h 209340"/>
+              <a:gd name="connsiteX13" fmla="*/ 90714 w 90714"/>
+              <a:gd name="connsiteY13" fmla="*/ 59313 h 209340"/>
+              <a:gd name="connsiteX14" fmla="*/ 55824 w 90714"/>
+              <a:gd name="connsiteY14" fmla="*/ 59313 h 209340"/>
+              <a:gd name="connsiteX15" fmla="*/ 55824 w 90714"/>
+              <a:gd name="connsiteY15" fmla="*/ 45357 h 209340"/>
+              <a:gd name="connsiteX16" fmla="*/ 90714 w 90714"/>
+              <a:gd name="connsiteY16" fmla="*/ 45357 h 209340"/>
+              <a:gd name="connsiteX17" fmla="*/ 45357 w 90714"/>
+              <a:gd name="connsiteY17" fmla="*/ 0 h 209340"/>
+              <a:gd name="connsiteX18" fmla="*/ 0 w 90714"/>
+              <a:gd name="connsiteY18" fmla="*/ 45357 h 209340"/>
+              <a:gd name="connsiteX19" fmla="*/ 0 w 90714"/>
+              <a:gd name="connsiteY19" fmla="*/ 163983 h 209340"/>
+              <a:gd name="connsiteX20" fmla="*/ 45357 w 90714"/>
+              <a:gd name="connsiteY20" fmla="*/ 209340 h 209340"/>
+            </a:gdLst>
+            <a:ahLst/>
+            <a:cxnLst>
+              <a:cxn ang="0">
+                <a:pos x="connsiteX0" y="connsiteY0"/>
+              </a:cxn>
+              <a:cxn ang="0">
+                <a:pos x="connsiteX1" y="connsiteY1"/>
+              </a:cxn>
+              <a:cxn ang="0">
+                <a:pos x="connsiteX2" y="connsiteY2"/>
+              </a:cxn>
+              <a:cxn ang="0">
+                <a:pos x="connsiteX3" y="connsiteY3"/>
+              </a:cxn>
+              <a:cxn ang="0">
+                <a:pos x="connsiteX4" y="connsiteY4"/>
+              </a:cxn>
+              <a:cxn ang="0">
+                <a:pos x="connsiteX5" y="connsiteY5"/>
+              </a:cxn>
+              <a:cxn ang="0">
+                <a:pos x="connsiteX6" y="connsiteY6"/>
+              </a:cxn>
+              <a:cxn ang="0">
+                <a:pos x="connsiteX7" y="connsiteY7"/>
+              </a:cxn>
+              <a:cxn ang="0">
+                <a:pos x="connsiteX8" y="connsiteY8"/>
+              </a:cxn>
+              <a:cxn ang="0">
+                <a:pos x="connsiteX9" y="connsiteY9"/>
+              </a:cxn>
+              <a:cxn ang="0">
+                <a:pos x="connsiteX10" y="connsiteY10"/>
+              </a:cxn>
+              <a:cxn ang="0">
+                <a:pos x="connsiteX11" y="connsiteY11"/>
+              </a:cxn>
+              <a:cxn ang="0">
+                <a:pos x="connsiteX12" y="connsiteY12"/>
+              </a:cxn>
+              <a:cxn ang="0">
+                <a:pos x="connsiteX13" y="connsiteY13"/>
+              </a:cxn>
+              <a:cxn ang="0">
+                <a:pos x="connsiteX14" y="connsiteY14"/>
+              </a:cxn>
+              <a:cxn ang="0">
+                <a:pos x="connsiteX15" y="connsiteY15"/>
+              </a:cxn>
+              <a:cxn ang="0">
+                <a:pos x="connsiteX16" y="connsiteY16"/>
+              </a:cxn>
+              <a:cxn ang="0">
+                <a:pos x="connsiteX17" y="connsiteY17"/>
+              </a:cxn>
+              <a:cxn ang="0">
+                <a:pos x="connsiteX18" y="connsiteY18"/>
+              </a:cxn>
+              <a:cxn ang="0">
+                <a:pos x="connsiteX19" y="connsiteY19"/>
+              </a:cxn>
+              <a:cxn ang="0">
+                <a:pos x="connsiteX20" y="connsiteY20"/>
+              </a:cxn>
+            </a:cxnLst>
+            <a:rect l="l" t="t" r="r" b="b"/>
+            <a:pathLst>
+              <a:path w="90714" h="209340">
+                <a:moveTo>
+                  <a:pt x="45357" y="209340"/>
+                </a:moveTo>
+                <a:cubicBezTo>
+                  <a:pt x="70478" y="209340"/>
+                  <a:pt x="90714" y="189104"/>
+                  <a:pt x="90714" y="163983"/>
+                </a:cubicBezTo>
+                <a:lnTo>
+                  <a:pt x="55824" y="163983"/>
+                </a:lnTo>
+                <a:lnTo>
+                  <a:pt x="55824" y="150027"/>
+                </a:lnTo>
+                <a:lnTo>
+                  <a:pt x="90714" y="150027"/>
+                </a:lnTo>
+                <a:lnTo>
+                  <a:pt x="90714" y="129093"/>
+                </a:lnTo>
+                <a:lnTo>
+                  <a:pt x="55824" y="129093"/>
+                </a:lnTo>
+                <a:lnTo>
+                  <a:pt x="55824" y="115137"/>
+                </a:lnTo>
+                <a:lnTo>
+                  <a:pt x="90714" y="115137"/>
+                </a:lnTo>
+                <a:lnTo>
+                  <a:pt x="90714" y="94203"/>
+                </a:lnTo>
+                <a:lnTo>
+                  <a:pt x="55824" y="94203"/>
+                </a:lnTo>
+                <a:lnTo>
+                  <a:pt x="55824" y="80247"/>
+                </a:lnTo>
+                <a:lnTo>
+                  <a:pt x="90714" y="80247"/>
+                </a:lnTo>
+                <a:lnTo>
+                  <a:pt x="90714" y="59313"/>
+                </a:lnTo>
+                <a:lnTo>
+                  <a:pt x="55824" y="59313"/>
+                </a:lnTo>
+                <a:lnTo>
+                  <a:pt x="55824" y="45357"/>
+                </a:lnTo>
+                <a:lnTo>
+                  <a:pt x="90714" y="45357"/>
+                </a:lnTo>
+                <a:cubicBezTo>
+                  <a:pt x="90714" y="20236"/>
+                  <a:pt x="70478" y="0"/>
+                  <a:pt x="45357" y="0"/>
+                </a:cubicBezTo>
+                <a:cubicBezTo>
+                  <a:pt x="20236" y="0"/>
+                  <a:pt x="0" y="20236"/>
+                  <a:pt x="0" y="45357"/>
+                </a:cubicBezTo>
+                <a:lnTo>
+                  <a:pt x="0" y="163983"/>
+                </a:lnTo>
+                <a:cubicBezTo>
+                  <a:pt x="0" y="189104"/>
+                  <a:pt x="20236" y="209340"/>
+                  <a:pt x="45357" y="209340"/>
+                </a:cubicBezTo>
+                <a:close/>
+              </a:path>
+            </a:pathLst>
+          </a:custGeom>
+          <a:solidFill>
+            <a:schemeClr val="accent1"/>
+          </a:solidFill>
+          <a:ln w="3473" cap="flat">
+            <a:noFill/>
+            <a:prstDash val="solid"/>
+            <a:miter/>
+          </a:ln>
+        </p:spPr>
+        <p:txBody>
+          <a:bodyPr rtlCol="0" anchor="ctr"/>
+          <a:lstStyle/>
+          <a:p>
+            <a:endParaRPr lang="hu-HU" dirty="0"/>
+          </a:p>
+        </p:txBody>
+      </p:sp>
+      <p:sp>
+        <p:nvSpPr>
+          <p:cNvPr id="12" name="Szövegdoboz 11">
+            <a:extLst>
+              <a:ext uri="{FF2B5EF4-FFF2-40B4-BE49-F238E27FC236}">
+                <a16:creationId xmlns:a16="http://schemas.microsoft.com/office/drawing/2014/main" id="{65C286AC-E572-263C-7A33-84EF8B8112B3}"/>
+              </a:ext>
+            </a:extLst>
+          </p:cNvPr>
+          <p:cNvSpPr txBox="1"/>
+          <p:nvPr/>
+        </p:nvSpPr>
+        <p:spPr>
+          <a:xfrm>
+            <a:off x="3051018" y="484912"/>
+            <a:ext cx="3644369" cy="369332"/>
+          </a:xfrm>
+          <a:prstGeom prst="rect">
+            <a:avLst/>
+          </a:prstGeom>
+          <a:noFill/>
+        </p:spPr>
+        <p:txBody>
+          <a:bodyPr wrap="square" rtlCol="0">
+            <a:spAutoFit/>
+          </a:bodyPr>
+          <a:lstStyle/>
+          <a:p>
+            <a:r>
+              <a:rPr lang="hu-HU" i="0" dirty="0">
+                <a:solidFill>
+                  <a:srgbClr val="202122"/>
+                </a:solidFill>
+                <a:effectLst/>
+                <a:latin typeface="Arial" panose="020B0604020202020204" pitchFamily="34" charset="0"/>
+              </a:rPr>
+              <a:t>videójáték-konzol, összeomlás </a:t>
+            </a:r>
+            <a:endParaRPr lang="hu-HU" dirty="0"/>
+          </a:p>
+        </p:txBody>
+      </p:sp>
+      <p:pic>
+        <p:nvPicPr>
+          <p:cNvPr id="13" name="Kép 12">
+            <a:extLst>
+              <a:ext uri="{FF2B5EF4-FFF2-40B4-BE49-F238E27FC236}">
+                <a16:creationId xmlns:a16="http://schemas.microsoft.com/office/drawing/2014/main" id="{226BC91F-4430-9E39-8D65-499BC4F2D083}"/>
+              </a:ext>
+            </a:extLst>
+          </p:cNvPr>
+          <p:cNvPicPr>
+            <a:picLocks noChangeAspect="1"/>
+          </p:cNvPicPr>
+          <p:nvPr/>
+        </p:nvPicPr>
+        <p:blipFill>
+          <a:blip r:embed="rId7" cstate="print">
+            <a:extLst>
+              <a:ext uri="{28A0092B-C50C-407E-A947-70E740481C1C}">
+                <a14:useLocalDpi xmlns:a14="http://schemas.microsoft.com/office/drawing/2010/main" val="0"/>
+              </a:ext>
+            </a:extLst>
+          </a:blip>
+          <a:stretch>
+            <a:fillRect/>
+          </a:stretch>
+        </p:blipFill>
+        <p:spPr>
+          <a:xfrm>
+            <a:off x="841759" y="1381125"/>
+            <a:ext cx="1240954" cy="1425546"/>
+          </a:xfrm>
+          <a:prstGeom prst="rect">
+            <a:avLst/>
+          </a:prstGeom>
+        </p:spPr>
+      </p:pic>
+      <p:sp>
+        <p:nvSpPr>
+          <p:cNvPr id="14" name="Szövegdoboz 13">
+            <a:extLst>
+              <a:ext uri="{FF2B5EF4-FFF2-40B4-BE49-F238E27FC236}">
+                <a16:creationId xmlns:a16="http://schemas.microsoft.com/office/drawing/2014/main" id="{244279D4-BC26-F3B6-0109-35C2F1246663}"/>
+              </a:ext>
+            </a:extLst>
+          </p:cNvPr>
+          <p:cNvSpPr txBox="1"/>
+          <p:nvPr/>
+        </p:nvSpPr>
+        <p:spPr>
+          <a:xfrm>
+            <a:off x="2357970" y="1471883"/>
+            <a:ext cx="4908140" cy="461665"/>
+          </a:xfrm>
+          <a:prstGeom prst="rect">
+            <a:avLst/>
+          </a:prstGeom>
+          <a:noFill/>
+        </p:spPr>
+        <p:txBody>
+          <a:bodyPr wrap="square" rtlCol="0">
+            <a:spAutoFit/>
+          </a:bodyPr>
+          <a:lstStyle/>
+          <a:p>
+            <a:r>
+              <a:rPr lang="hu-HU" sz="2400" i="0" u="sng" dirty="0">
+                <a:solidFill>
+                  <a:srgbClr val="000000"/>
+                </a:solidFill>
+                <a:effectLst/>
+                <a:latin typeface="+mj-lt"/>
+              </a:rPr>
+              <a:t>A piac 1983-as összeomlása</a:t>
+            </a:r>
+          </a:p>
+        </p:txBody>
+      </p:sp>
+      <p:sp>
+        <p:nvSpPr>
+          <p:cNvPr id="15" name="Szövegdoboz 14">
+            <a:extLst>
+              <a:ext uri="{FF2B5EF4-FFF2-40B4-BE49-F238E27FC236}">
+                <a16:creationId xmlns:a16="http://schemas.microsoft.com/office/drawing/2014/main" id="{6F971553-C9DC-A8CA-BC3C-8A85D31EA78E}"/>
+              </a:ext>
+            </a:extLst>
+          </p:cNvPr>
+          <p:cNvSpPr txBox="1"/>
+          <p:nvPr/>
+        </p:nvSpPr>
+        <p:spPr>
+          <a:xfrm>
+            <a:off x="2318189" y="2139154"/>
+            <a:ext cx="4377198" cy="369332"/>
+          </a:xfrm>
+          <a:prstGeom prst="rect">
+            <a:avLst/>
+          </a:prstGeom>
+          <a:noFill/>
+        </p:spPr>
+        <p:txBody>
+          <a:bodyPr wrap="square" rtlCol="0">
+            <a:spAutoFit/>
+          </a:bodyPr>
+          <a:lstStyle/>
+          <a:p>
+            <a:r>
+              <a:rPr lang="hu-HU" dirty="0"/>
+              <a:t>Súlyos összeomlás</a:t>
+            </a:r>
+          </a:p>
+        </p:txBody>
+      </p:sp>
+      <p:sp>
+        <p:nvSpPr>
+          <p:cNvPr id="16" name="Szövegdoboz 15">
+            <a:extLst>
+              <a:ext uri="{FF2B5EF4-FFF2-40B4-BE49-F238E27FC236}">
+                <a16:creationId xmlns:a16="http://schemas.microsoft.com/office/drawing/2014/main" id="{5D800A4A-757D-B0FD-E208-1BBCAC35F583}"/>
+              </a:ext>
+            </a:extLst>
+          </p:cNvPr>
+          <p:cNvSpPr txBox="1"/>
+          <p:nvPr/>
+        </p:nvSpPr>
+        <p:spPr>
+          <a:xfrm>
+            <a:off x="2318188" y="2881859"/>
+            <a:ext cx="3059604" cy="369332"/>
+          </a:xfrm>
+          <a:prstGeom prst="rect">
+            <a:avLst/>
+          </a:prstGeom>
+          <a:noFill/>
+        </p:spPr>
+        <p:txBody>
+          <a:bodyPr wrap="square" rtlCol="0">
+            <a:spAutoFit/>
+          </a:bodyPr>
+          <a:lstStyle/>
+          <a:p>
+            <a:r>
+              <a:rPr lang="hu-HU" dirty="0"/>
+              <a:t>Mennyiség &gt; minőség</a:t>
+            </a:r>
+          </a:p>
+        </p:txBody>
+      </p:sp>
+      <p:sp>
+        <p:nvSpPr>
+          <p:cNvPr id="17" name="Szövegdoboz 16">
+            <a:extLst>
+              <a:ext uri="{FF2B5EF4-FFF2-40B4-BE49-F238E27FC236}">
+                <a16:creationId xmlns:a16="http://schemas.microsoft.com/office/drawing/2014/main" id="{86A2CC9D-8DD0-C9D1-467F-80B4081D36B1}"/>
+              </a:ext>
+            </a:extLst>
+          </p:cNvPr>
+          <p:cNvSpPr txBox="1"/>
+          <p:nvPr/>
+        </p:nvSpPr>
+        <p:spPr>
+          <a:xfrm>
+            <a:off x="2318188" y="2509527"/>
+            <a:ext cx="2873243" cy="369332"/>
+          </a:xfrm>
+          <a:prstGeom prst="rect">
+            <a:avLst/>
+          </a:prstGeom>
+          <a:noFill/>
+        </p:spPr>
+        <p:txBody>
+          <a:bodyPr wrap="square" rtlCol="0">
+            <a:spAutoFit/>
+          </a:bodyPr>
+          <a:lstStyle/>
+          <a:p>
+            <a:r>
+              <a:rPr lang="hu-HU" dirty="0"/>
+              <a:t>Túlságosan elbízták magukat</a:t>
+            </a:r>
+          </a:p>
+        </p:txBody>
+      </p:sp>
+      <p:sp>
+        <p:nvSpPr>
+          <p:cNvPr id="18" name="Szövegdoboz 17">
+            <a:extLst>
+              <a:ext uri="{FF2B5EF4-FFF2-40B4-BE49-F238E27FC236}">
+                <a16:creationId xmlns:a16="http://schemas.microsoft.com/office/drawing/2014/main" id="{071CAF98-C100-384A-C3F6-B113D7A8A1F6}"/>
+              </a:ext>
+            </a:extLst>
+          </p:cNvPr>
+          <p:cNvSpPr txBox="1"/>
+          <p:nvPr/>
+        </p:nvSpPr>
+        <p:spPr>
+          <a:xfrm>
+            <a:off x="2318188" y="3262604"/>
+            <a:ext cx="3830253" cy="369332"/>
+          </a:xfrm>
+          <a:prstGeom prst="rect">
+            <a:avLst/>
+          </a:prstGeom>
+          <a:noFill/>
+        </p:spPr>
+        <p:txBody>
+          <a:bodyPr wrap="square" rtlCol="0">
+            <a:spAutoFit/>
+          </a:bodyPr>
+          <a:lstStyle/>
+          <a:p>
+            <a:r>
+              <a:rPr lang="hu-HU" dirty="0"/>
+              <a:t>Felesleges túlreklámozás </a:t>
+            </a:r>
+          </a:p>
+        </p:txBody>
+      </p:sp>
+      <p:sp>
+        <p:nvSpPr>
+          <p:cNvPr id="19" name="Szövegdoboz 18">
+            <a:extLst>
+              <a:ext uri="{FF2B5EF4-FFF2-40B4-BE49-F238E27FC236}">
+                <a16:creationId xmlns:a16="http://schemas.microsoft.com/office/drawing/2014/main" id="{0E059EA0-F41D-DDD8-97E9-D2828E5249A6}"/>
+              </a:ext>
+            </a:extLst>
+          </p:cNvPr>
+          <p:cNvSpPr txBox="1"/>
+          <p:nvPr/>
+        </p:nvSpPr>
+        <p:spPr>
+          <a:xfrm>
+            <a:off x="2318188" y="3620145"/>
+            <a:ext cx="4020753" cy="369332"/>
+          </a:xfrm>
+          <a:prstGeom prst="rect">
+            <a:avLst/>
+          </a:prstGeom>
+          <a:noFill/>
+        </p:spPr>
+        <p:txBody>
+          <a:bodyPr wrap="square" rtlCol="0">
+            <a:spAutoFit/>
+          </a:bodyPr>
+          <a:lstStyle/>
+          <a:p>
+            <a:r>
+              <a:rPr lang="hu-HU" dirty="0"/>
+              <a:t>Érdeklődés csökken számítógépek miatt</a:t>
+            </a:r>
+          </a:p>
+        </p:txBody>
+      </p:sp>
+      <p:cxnSp>
+        <p:nvCxnSpPr>
+          <p:cNvPr id="21" name="Egyenes összekötő nyíllal 20">
+            <a:extLst>
+              <a:ext uri="{FF2B5EF4-FFF2-40B4-BE49-F238E27FC236}">
+                <a16:creationId xmlns:a16="http://schemas.microsoft.com/office/drawing/2014/main" id="{E37891B1-3133-A91A-1943-DE4DB8CE9E13}"/>
+              </a:ext>
+            </a:extLst>
+          </p:cNvPr>
+          <p:cNvCxnSpPr>
+            <a:cxnSpLocks/>
+          </p:cNvCxnSpPr>
+          <p:nvPr/>
+        </p:nvCxnSpPr>
+        <p:spPr>
+          <a:xfrm>
+            <a:off x="6188223" y="4001268"/>
+            <a:ext cx="1077887" cy="461665"/>
+          </a:xfrm>
+          <a:prstGeom prst="straightConnector1">
+            <a:avLst/>
+          </a:prstGeom>
+          <a:ln>
+            <a:tailEnd type="triangle"/>
+          </a:ln>
+        </p:spPr>
+        <p:style>
+          <a:lnRef idx="1">
+            <a:schemeClr val="dk1"/>
+          </a:lnRef>
+          <a:fillRef idx="0">
+            <a:schemeClr val="dk1"/>
+          </a:fillRef>
+          <a:effectRef idx="0">
+            <a:schemeClr val="dk1"/>
+          </a:effectRef>
+          <a:fontRef idx="minor">
+            <a:schemeClr val="tx1"/>
+          </a:fontRef>
+        </p:style>
+      </p:cxnSp>
+      <p:sp>
+        <p:nvSpPr>
+          <p:cNvPr id="23" name="Szövegdoboz 22">
+            <a:extLst>
+              <a:ext uri="{FF2B5EF4-FFF2-40B4-BE49-F238E27FC236}">
+                <a16:creationId xmlns:a16="http://schemas.microsoft.com/office/drawing/2014/main" id="{F6528315-07A1-5797-0E99-C4F79BC2DC71}"/>
+              </a:ext>
+            </a:extLst>
+          </p:cNvPr>
+          <p:cNvSpPr txBox="1"/>
+          <p:nvPr/>
+        </p:nvSpPr>
+        <p:spPr>
+          <a:xfrm>
+            <a:off x="7462683" y="4462933"/>
+            <a:ext cx="3077497" cy="369332"/>
+          </a:xfrm>
+          <a:prstGeom prst="rect">
+            <a:avLst/>
+          </a:prstGeom>
+          <a:noFill/>
+        </p:spPr>
+        <p:txBody>
+          <a:bodyPr wrap="square" rtlCol="0">
+            <a:spAutoFit/>
+          </a:bodyPr>
+          <a:lstStyle/>
+          <a:p>
+            <a:r>
+              <a:rPr lang="hu-HU" dirty="0"/>
+              <a:t>Játék-piac csődök, összeomlás</a:t>
+            </a:r>
+          </a:p>
+        </p:txBody>
+      </p:sp>
+      <p:pic>
+        <p:nvPicPr>
+          <p:cNvPr id="2050" name="Picture 2" descr="Businessman Sliding Down Falling Chart 664400 Vector Art at Vecteezy">
+            <a:extLst>
+              <a:ext uri="{FF2B5EF4-FFF2-40B4-BE49-F238E27FC236}">
+                <a16:creationId xmlns:a16="http://schemas.microsoft.com/office/drawing/2014/main" id="{641C30D2-EBDA-38C1-FB3E-E92FD2E88AC3}"/>
+              </a:ext>
+            </a:extLst>
+          </p:cNvPr>
+          <p:cNvPicPr>
+            <a:picLocks noChangeAspect="1" noChangeArrowheads="1"/>
+          </p:cNvPicPr>
+          <p:nvPr/>
+        </p:nvPicPr>
+        <p:blipFill>
+          <a:blip r:embed="rId8">
+            <a:extLst>
+              <a:ext uri="{28A0092B-C50C-407E-A947-70E740481C1C}">
+                <a14:useLocalDpi xmlns:a14="http://schemas.microsoft.com/office/drawing/2010/main" val="0"/>
+              </a:ext>
+            </a:extLst>
+          </a:blip>
+          <a:srcRect/>
+          <a:stretch>
+            <a:fillRect/>
+          </a:stretch>
+        </p:blipFill>
+        <p:spPr bwMode="auto">
+          <a:xfrm>
+            <a:off x="2724456" y="4170893"/>
+            <a:ext cx="2466975" cy="1847850"/>
+          </a:xfrm>
+          <a:prstGeom prst="rect">
+            <a:avLst/>
+          </a:prstGeom>
+          <a:noFill/>
+          <a:extLst>
+            <a:ext uri="{909E8E84-426E-40DD-AFC4-6F175D3DCCD1}">
+              <a14:hiddenFill xmlns:a14="http://schemas.microsoft.com/office/drawing/2010/main">
+                <a:solidFill>
+                  <a:srgbClr val="FFFFFF"/>
+                </a:solidFill>
+              </a14:hiddenFill>
+            </a:ext>
+          </a:extLst>
+        </p:spPr>
+      </p:pic>
+    </p:spTree>
+    <p:extLst>
+      <p:ext uri="{BB962C8B-B14F-4D97-AF65-F5344CB8AC3E}">
+        <p14:creationId xmlns:p14="http://schemas.microsoft.com/office/powerpoint/2010/main" val="3752220446"/>
+      </p:ext>
+    </p:extLst>
+  </p:cSld>
+  <p:clrMapOvr>
+    <a:masterClrMapping/>
+  </p:clrMapOvr>
+  <p:timing>
+    <p:tnLst>
+      <p:par>
+        <p:cTn id="1" dur="indefinite" restart="never" nodeType="tmRoot">
+          <p:childTnLst>
+            <p:seq concurrent="1" nextAc="seek">
+              <p:cTn id="2" dur="indefinite" nodeType="mainSeq">
+                <p:childTnLst>
+                  <p:par>
+                    <p:cTn id="3" fill="hold">
+                      <p:stCondLst>
+                        <p:cond delay="indefinite"/>
+                        <p:cond evt="onBegin" delay="0">
+                          <p:tn val="2"/>
+                        </p:cond>
+                      </p:stCondLst>
+                      <p:childTnLst>
+                        <p:par>
+                          <p:cTn id="4" fill="hold">
+                            <p:stCondLst>
+                              <p:cond delay="0"/>
+                            </p:stCondLst>
+                            <p:childTnLst>
+                              <p:par>
+                                <p:cTn id="5" presetID="22" presetClass="entr" presetSubtype="4" fill="hold" grpId="0" nodeType="withEffect">
+                                  <p:stCondLst>
+                                    <p:cond delay="0"/>
+                                  </p:stCondLst>
+                                  <p:childTnLst>
+                                    <p:set>
+                                      <p:cBhvr>
+                                        <p:cTn id="6" dur="1" fill="hold">
+                                          <p:stCondLst>
+                                            <p:cond delay="0"/>
+                                          </p:stCondLst>
+                                        </p:cTn>
+                                        <p:tgtEl>
+                                          <p:spTgt spid="5"/>
+                                        </p:tgtEl>
+                                        <p:attrNameLst>
+                                          <p:attrName>style.visibility</p:attrName>
+                                        </p:attrNameLst>
+                                      </p:cBhvr>
+                                      <p:to>
+                                        <p:strVal val="visible"/>
+                                      </p:to>
+                                    </p:set>
+                                    <p:animEffect transition="in" filter="wipe(down)">
+                                      <p:cBhvr>
+                                        <p:cTn id="7" dur="500"/>
+                                        <p:tgtEl>
+                                          <p:spTgt spid="5"/>
+                                        </p:tgtEl>
+                                      </p:cBhvr>
+                                    </p:animEffect>
+                                  </p:childTnLst>
+                                </p:cTn>
+                              </p:par>
+                            </p:childTnLst>
+                          </p:cTn>
+                        </p:par>
+                        <p:par>
+                          <p:cTn id="8" fill="hold">
+                            <p:stCondLst>
+                              <p:cond delay="1000"/>
+                            </p:stCondLst>
+                            <p:childTnLst>
+                              <p:par>
+                                <p:cTn id="9" presetID="22" presetClass="entr" presetSubtype="4" fill="hold" grpId="0" nodeType="afterEffect">
+                                  <p:stCondLst>
+                                    <p:cond delay="0"/>
+                                  </p:stCondLst>
+                                  <p:childTnLst>
+                                    <p:set>
+                                      <p:cBhvr>
+                                        <p:cTn id="10" dur="1" fill="hold">
+                                          <p:stCondLst>
+                                            <p:cond delay="0"/>
+                                          </p:stCondLst>
+                                        </p:cTn>
+                                        <p:tgtEl>
+                                          <p:spTgt spid="6"/>
+                                        </p:tgtEl>
+                                        <p:attrNameLst>
+                                          <p:attrName>style.visibility</p:attrName>
+                                        </p:attrNameLst>
+                                      </p:cBhvr>
+                                      <p:to>
+                                        <p:strVal val="visible"/>
+                                      </p:to>
+                                    </p:set>
+                                    <p:animEffect transition="in" filter="wipe(down)">
+                                      <p:cBhvr>
+                                        <p:cTn id="11" dur="500"/>
+                                        <p:tgtEl>
+                                          <p:spTgt spid="6"/>
+                                        </p:tgtEl>
+                                      </p:cBhvr>
+                                    </p:animEffect>
+                                  </p:childTnLst>
+                                </p:cTn>
+                              </p:par>
+                              <p:par>
+                                <p:cTn id="12" presetID="22" presetClass="entr" presetSubtype="4" fill="hold" nodeType="withEffect">
+                                  <p:stCondLst>
+                                    <p:cond delay="0"/>
+                                  </p:stCondLst>
+                                  <p:childTnLst>
+                                    <p:set>
+                                      <p:cBhvr>
+                                        <p:cTn id="13" dur="1" fill="hold">
+                                          <p:stCondLst>
+                                            <p:cond delay="0"/>
+                                          </p:stCondLst>
+                                        </p:cTn>
+                                        <p:tgtEl>
+                                          <p:spTgt spid="7"/>
+                                        </p:tgtEl>
+                                        <p:attrNameLst>
+                                          <p:attrName>style.visibility</p:attrName>
+                                        </p:attrNameLst>
+                                      </p:cBhvr>
+                                      <p:to>
+                                        <p:strVal val="visible"/>
+                                      </p:to>
+                                    </p:set>
+                                    <p:animEffect transition="in" filter="wipe(down)">
+                                      <p:cBhvr>
+                                        <p:cTn id="14" dur="500"/>
+                                        <p:tgtEl>
+                                          <p:spTgt spid="7"/>
+                                        </p:tgtEl>
+                                      </p:cBhvr>
+                                    </p:animEffect>
+                                  </p:childTnLst>
+                                </p:cTn>
+                              </p:par>
+                            </p:childTnLst>
+                          </p:cTn>
+                        </p:par>
+                        <p:par>
+                          <p:cTn id="15" fill="hold">
+                            <p:stCondLst>
+                              <p:cond delay="1500"/>
+                            </p:stCondLst>
+                            <p:childTnLst>
+                              <p:par>
+                                <p:cTn id="16" presetID="22" presetClass="entr" presetSubtype="4" fill="hold" grpId="0" nodeType="afterEffect">
+                                  <p:stCondLst>
+                                    <p:cond delay="0"/>
+                                  </p:stCondLst>
+                                  <p:childTnLst>
+                                    <p:set>
+                                      <p:cBhvr>
+                                        <p:cTn id="17" dur="1" fill="hold">
+                                          <p:stCondLst>
+                                            <p:cond delay="0"/>
+                                          </p:stCondLst>
+                                        </p:cTn>
+                                        <p:tgtEl>
+                                          <p:spTgt spid="8"/>
+                                        </p:tgtEl>
+                                        <p:attrNameLst>
+                                          <p:attrName>style.visibility</p:attrName>
+                                        </p:attrNameLst>
+                                      </p:cBhvr>
+                                      <p:to>
+                                        <p:strVal val="visible"/>
+                                      </p:to>
+                                    </p:set>
+                                    <p:animEffect transition="in" filter="wipe(down)">
+                                      <p:cBhvr>
+                                        <p:cTn id="18" dur="500"/>
+                                        <p:tgtEl>
+                                          <p:spTgt spid="8"/>
+                                        </p:tgtEl>
+                                      </p:cBhvr>
+                                    </p:animEffect>
+                                  </p:childTnLst>
+                                </p:cTn>
+                              </p:par>
+                              <p:par>
+                                <p:cTn id="19" presetID="22" presetClass="entr" presetSubtype="4" fill="hold" nodeType="withEffect">
+                                  <p:stCondLst>
+                                    <p:cond delay="0"/>
+                                  </p:stCondLst>
+                                  <p:childTnLst>
+                                    <p:set>
+                                      <p:cBhvr>
+                                        <p:cTn id="20" dur="1" fill="hold">
+                                          <p:stCondLst>
+                                            <p:cond delay="0"/>
+                                          </p:stCondLst>
+                                        </p:cTn>
+                                        <p:tgtEl>
+                                          <p:spTgt spid="9"/>
+                                        </p:tgtEl>
+                                        <p:attrNameLst>
+                                          <p:attrName>style.visibility</p:attrName>
+                                        </p:attrNameLst>
+                                      </p:cBhvr>
+                                      <p:to>
+                                        <p:strVal val="visible"/>
+                                      </p:to>
+                                    </p:set>
+                                    <p:animEffect transition="in" filter="wipe(down)">
+                                      <p:cBhvr>
+                                        <p:cTn id="21" dur="500"/>
+                                        <p:tgtEl>
+                                          <p:spTgt spid="9"/>
+                                        </p:tgtEl>
+                                      </p:cBhvr>
+                                    </p:animEffect>
+                                  </p:childTnLst>
+                                </p:cTn>
+                              </p:par>
+                              <p:par>
+                                <p:cTn id="22" presetID="22" presetClass="entr" presetSubtype="4" fill="hold" grpId="0" nodeType="withEffect">
+                                  <p:stCondLst>
+                                    <p:cond delay="0"/>
+                                  </p:stCondLst>
+                                  <p:childTnLst>
+                                    <p:set>
+                                      <p:cBhvr>
+                                        <p:cTn id="23" dur="1" fill="hold">
+                                          <p:stCondLst>
+                                            <p:cond delay="0"/>
+                                          </p:stCondLst>
+                                        </p:cTn>
+                                        <p:tgtEl>
+                                          <p:spTgt spid="10"/>
+                                        </p:tgtEl>
+                                        <p:attrNameLst>
+                                          <p:attrName>style.visibility</p:attrName>
+                                        </p:attrNameLst>
+                                      </p:cBhvr>
+                                      <p:to>
+                                        <p:strVal val="visible"/>
+                                      </p:to>
+                                    </p:set>
+                                    <p:animEffect transition="in" filter="wipe(down)">
+                                      <p:cBhvr>
+                                        <p:cTn id="24" dur="500"/>
+                                        <p:tgtEl>
+                                          <p:spTgt spid="10"/>
+                                        </p:tgtEl>
+                                      </p:cBhvr>
+                                    </p:animEffect>
+                                  </p:childTnLst>
+                                </p:cTn>
+                              </p:par>
+                              <p:par>
+                                <p:cTn id="25" presetID="22" presetClass="entr" presetSubtype="4" fill="hold" grpId="0" nodeType="withEffect">
+                                  <p:stCondLst>
+                                    <p:cond delay="0"/>
+                                  </p:stCondLst>
+                                  <p:childTnLst>
+                                    <p:set>
+                                      <p:cBhvr>
+                                        <p:cTn id="26" dur="1" fill="hold">
+                                          <p:stCondLst>
+                                            <p:cond delay="0"/>
+                                          </p:stCondLst>
+                                        </p:cTn>
+                                        <p:tgtEl>
+                                          <p:spTgt spid="11"/>
+                                        </p:tgtEl>
+                                        <p:attrNameLst>
+                                          <p:attrName>style.visibility</p:attrName>
+                                        </p:attrNameLst>
+                                      </p:cBhvr>
+                                      <p:to>
+                                        <p:strVal val="visible"/>
+                                      </p:to>
+                                    </p:set>
+                                    <p:animEffect transition="in" filter="wipe(down)">
+                                      <p:cBhvr>
+                                        <p:cTn id="27" dur="500"/>
+                                        <p:tgtEl>
+                                          <p:spTgt spid="11"/>
+                                        </p:tgtEl>
+                                      </p:cBhvr>
+                                    </p:animEffect>
+                                  </p:childTnLst>
+                                </p:cTn>
+                              </p:par>
+                              <p:par>
+                                <p:cTn id="28" presetID="22" presetClass="entr" presetSubtype="4" fill="hold" grpId="0" nodeType="withEffect">
+                                  <p:stCondLst>
+                                    <p:cond delay="0"/>
+                                  </p:stCondLst>
+                                  <p:childTnLst>
+                                    <p:set>
+                                      <p:cBhvr>
+                                        <p:cTn id="29" dur="1" fill="hold">
+                                          <p:stCondLst>
+                                            <p:cond delay="0"/>
+                                          </p:stCondLst>
+                                        </p:cTn>
+                                        <p:tgtEl>
+                                          <p:spTgt spid="12"/>
+                                        </p:tgtEl>
+                                        <p:attrNameLst>
+                                          <p:attrName>style.visibility</p:attrName>
+                                        </p:attrNameLst>
+                                      </p:cBhvr>
+                                      <p:to>
+                                        <p:strVal val="visible"/>
+                                      </p:to>
+                                    </p:set>
+                                    <p:animEffect transition="in" filter="wipe(down)">
+                                      <p:cBhvr>
+                                        <p:cTn id="30" dur="500"/>
+                                        <p:tgtEl>
+                                          <p:spTgt spid="12"/>
+                                        </p:tgtEl>
+                                      </p:cBhvr>
+                                    </p:animEffect>
+                                  </p:childTnLst>
+                                </p:cTn>
+                              </p:par>
+                              <p:par>
+                                <p:cTn id="31" presetID="22" presetClass="entr" presetSubtype="4" fill="hold" nodeType="withEffect">
+                                  <p:stCondLst>
+                                    <p:cond delay="0"/>
+                                  </p:stCondLst>
+                                  <p:childTnLst>
+                                    <p:set>
+                                      <p:cBhvr>
+                                        <p:cTn id="32" dur="1" fill="hold">
+                                          <p:stCondLst>
+                                            <p:cond delay="0"/>
+                                          </p:stCondLst>
+                                        </p:cTn>
+                                        <p:tgtEl>
+                                          <p:spTgt spid="13"/>
+                                        </p:tgtEl>
+                                        <p:attrNameLst>
+                                          <p:attrName>style.visibility</p:attrName>
+                                        </p:attrNameLst>
+                                      </p:cBhvr>
+                                      <p:to>
+                                        <p:strVal val="visible"/>
+                                      </p:to>
+                                    </p:set>
+                                    <p:animEffect transition="in" filter="wipe(down)">
+                                      <p:cBhvr>
+                                        <p:cTn id="33" dur="500"/>
+                                        <p:tgtEl>
+                                          <p:spTgt spid="13"/>
+                                        </p:tgtEl>
+                                      </p:cBhvr>
+                                    </p:animEffect>
+                                  </p:childTnLst>
+                                </p:cTn>
+                              </p:par>
+                            </p:childTnLst>
+                          </p:cTn>
+                        </p:par>
+                        <p:par>
+                          <p:cTn id="34" fill="hold">
+                            <p:stCondLst>
+                              <p:cond delay="2000"/>
+                            </p:stCondLst>
+                            <p:childTnLst>
+                              <p:par>
+                                <p:cTn id="35" presetID="22" presetClass="entr" presetSubtype="4" fill="hold" grpId="0" nodeType="afterEffect">
+                                  <p:stCondLst>
+                                    <p:cond delay="0"/>
+                                  </p:stCondLst>
+                                  <p:childTnLst>
+                                    <p:set>
+                                      <p:cBhvr>
+                                        <p:cTn id="36" dur="1" fill="hold">
+                                          <p:stCondLst>
+                                            <p:cond delay="0"/>
+                                          </p:stCondLst>
+                                        </p:cTn>
+                                        <p:tgtEl>
+                                          <p:spTgt spid="4"/>
+                                        </p:tgtEl>
+                                        <p:attrNameLst>
+                                          <p:attrName>style.visibility</p:attrName>
+                                        </p:attrNameLst>
+                                      </p:cBhvr>
+                                      <p:to>
+                                        <p:strVal val="visible"/>
+                                      </p:to>
+                                    </p:set>
+                                    <p:animEffect transition="in" filter="wipe(down)">
+                                      <p:cBhvr>
+                                        <p:cTn id="37" dur="500"/>
+                                        <p:tgtEl>
+                                          <p:spTgt spid="4"/>
+                                        </p:tgtEl>
+                                      </p:cBhvr>
+                                    </p:animEffect>
+                                  </p:childTnLst>
+                                </p:cTn>
+                              </p:par>
+                            </p:childTnLst>
+                          </p:cTn>
+                        </p:par>
+                      </p:childTnLst>
+                    </p:cTn>
+                  </p:par>
+                  <p:par>
+                    <p:cTn id="38" fill="hold">
+                      <p:stCondLst>
+                        <p:cond delay="indefinite"/>
+                      </p:stCondLst>
+                      <p:childTnLst>
+                        <p:par>
+                          <p:cTn id="39" fill="hold">
+                            <p:stCondLst>
+                              <p:cond delay="0"/>
+                            </p:stCondLst>
+                            <p:childTnLst>
+                              <p:par>
+                                <p:cTn id="40" presetID="22" presetClass="entr" presetSubtype="4" fill="hold" grpId="0" nodeType="clickEffect">
+                                  <p:stCondLst>
+                                    <p:cond delay="0"/>
+                                  </p:stCondLst>
+                                  <p:childTnLst>
+                                    <p:set>
+                                      <p:cBhvr>
+                                        <p:cTn id="41" dur="1" fill="hold">
+                                          <p:stCondLst>
+                                            <p:cond delay="0"/>
+                                          </p:stCondLst>
+                                        </p:cTn>
+                                        <p:tgtEl>
+                                          <p:spTgt spid="14"/>
+                                        </p:tgtEl>
+                                        <p:attrNameLst>
+                                          <p:attrName>style.visibility</p:attrName>
+                                        </p:attrNameLst>
+                                      </p:cBhvr>
+                                      <p:to>
+                                        <p:strVal val="visible"/>
+                                      </p:to>
+                                    </p:set>
+                                    <p:animEffect transition="in" filter="wipe(down)">
+                                      <p:cBhvr>
+                                        <p:cTn id="42" dur="500"/>
+                                        <p:tgtEl>
+                                          <p:spTgt spid="14"/>
+                                        </p:tgtEl>
+                                      </p:cBhvr>
+                                    </p:animEffect>
+                                  </p:childTnLst>
+                                </p:cTn>
+                              </p:par>
+                              <p:par>
+                                <p:cTn id="43" presetID="22" presetClass="entr" presetSubtype="4" fill="hold" grpId="0" nodeType="withEffect">
+                                  <p:stCondLst>
+                                    <p:cond delay="0"/>
+                                  </p:stCondLst>
+                                  <p:childTnLst>
+                                    <p:set>
+                                      <p:cBhvr>
+                                        <p:cTn id="44" dur="1" fill="hold">
+                                          <p:stCondLst>
+                                            <p:cond delay="0"/>
+                                          </p:stCondLst>
+                                        </p:cTn>
+                                        <p:tgtEl>
+                                          <p:spTgt spid="15"/>
+                                        </p:tgtEl>
+                                        <p:attrNameLst>
+                                          <p:attrName>style.visibility</p:attrName>
+                                        </p:attrNameLst>
+                                      </p:cBhvr>
+                                      <p:to>
+                                        <p:strVal val="visible"/>
+                                      </p:to>
+                                    </p:set>
+                                    <p:animEffect transition="in" filter="wipe(down)">
+                                      <p:cBhvr>
+                                        <p:cTn id="45" dur="500"/>
+                                        <p:tgtEl>
+                                          <p:spTgt spid="15"/>
+                                        </p:tgtEl>
+                                      </p:cBhvr>
+                                    </p:animEffect>
+                                  </p:childTnLst>
+                                </p:cTn>
+                              </p:par>
+                              <p:par>
+                                <p:cTn id="46" presetID="22" presetClass="entr" presetSubtype="4" fill="hold" grpId="0" nodeType="withEffect">
+                                  <p:stCondLst>
+                                    <p:cond delay="0"/>
+                                  </p:stCondLst>
+                                  <p:childTnLst>
+                                    <p:set>
+                                      <p:cBhvr>
+                                        <p:cTn id="47" dur="1" fill="hold">
+                                          <p:stCondLst>
+                                            <p:cond delay="0"/>
+                                          </p:stCondLst>
+                                        </p:cTn>
+                                        <p:tgtEl>
+                                          <p:spTgt spid="16"/>
+                                        </p:tgtEl>
+                                        <p:attrNameLst>
+                                          <p:attrName>style.visibility</p:attrName>
+                                        </p:attrNameLst>
+                                      </p:cBhvr>
+                                      <p:to>
+                                        <p:strVal val="visible"/>
+                                      </p:to>
+                                    </p:set>
+                                    <p:animEffect transition="in" filter="wipe(down)">
+                                      <p:cBhvr>
+                                        <p:cTn id="48" dur="500"/>
+                                        <p:tgtEl>
+                                          <p:spTgt spid="16"/>
+                                        </p:tgtEl>
+                                      </p:cBhvr>
+                                    </p:animEffect>
+                                  </p:childTnLst>
+                                </p:cTn>
+                              </p:par>
+                              <p:par>
+                                <p:cTn id="49" presetID="22" presetClass="entr" presetSubtype="4" fill="hold" grpId="0" nodeType="withEffect">
+                                  <p:stCondLst>
+                                    <p:cond delay="0"/>
+                                  </p:stCondLst>
+                                  <p:childTnLst>
+                                    <p:set>
+                                      <p:cBhvr>
+                                        <p:cTn id="50" dur="1" fill="hold">
+                                          <p:stCondLst>
+                                            <p:cond delay="0"/>
+                                          </p:stCondLst>
+                                        </p:cTn>
+                                        <p:tgtEl>
+                                          <p:spTgt spid="17"/>
+                                        </p:tgtEl>
+                                        <p:attrNameLst>
+                                          <p:attrName>style.visibility</p:attrName>
+                                        </p:attrNameLst>
+                                      </p:cBhvr>
+                                      <p:to>
+                                        <p:strVal val="visible"/>
+                                      </p:to>
+                                    </p:set>
+                                    <p:animEffect transition="in" filter="wipe(down)">
+                                      <p:cBhvr>
+                                        <p:cTn id="51" dur="500"/>
+                                        <p:tgtEl>
+                                          <p:spTgt spid="17"/>
+                                        </p:tgtEl>
+                                      </p:cBhvr>
+                                    </p:animEffect>
+                                  </p:childTnLst>
+                                </p:cTn>
+                              </p:par>
+                              <p:par>
+                                <p:cTn id="52" presetID="22" presetClass="entr" presetSubtype="4" fill="hold" grpId="0" nodeType="withEffect">
+                                  <p:stCondLst>
+                                    <p:cond delay="0"/>
+                                  </p:stCondLst>
+                                  <p:childTnLst>
+                                    <p:set>
+                                      <p:cBhvr>
+                                        <p:cTn id="53" dur="1" fill="hold">
+                                          <p:stCondLst>
+                                            <p:cond delay="0"/>
+                                          </p:stCondLst>
+                                        </p:cTn>
+                                        <p:tgtEl>
+                                          <p:spTgt spid="18"/>
+                                        </p:tgtEl>
+                                        <p:attrNameLst>
+                                          <p:attrName>style.visibility</p:attrName>
+                                        </p:attrNameLst>
+                                      </p:cBhvr>
+                                      <p:to>
+                                        <p:strVal val="visible"/>
+                                      </p:to>
+                                    </p:set>
+                                    <p:animEffect transition="in" filter="wipe(down)">
+                                      <p:cBhvr>
+                                        <p:cTn id="54" dur="500"/>
+                                        <p:tgtEl>
+                                          <p:spTgt spid="18"/>
+                                        </p:tgtEl>
+                                      </p:cBhvr>
+                                    </p:animEffect>
+                                  </p:childTnLst>
+                                </p:cTn>
+                              </p:par>
+                              <p:par>
+                                <p:cTn id="55" presetID="22" presetClass="entr" presetSubtype="4" fill="hold" grpId="0" nodeType="withEffect">
+                                  <p:stCondLst>
+                                    <p:cond delay="0"/>
+                                  </p:stCondLst>
+                                  <p:childTnLst>
+                                    <p:set>
+                                      <p:cBhvr>
+                                        <p:cTn id="56" dur="1" fill="hold">
+                                          <p:stCondLst>
+                                            <p:cond delay="0"/>
+                                          </p:stCondLst>
+                                        </p:cTn>
+                                        <p:tgtEl>
+                                          <p:spTgt spid="19"/>
+                                        </p:tgtEl>
+                                        <p:attrNameLst>
+                                          <p:attrName>style.visibility</p:attrName>
+                                        </p:attrNameLst>
+                                      </p:cBhvr>
+                                      <p:to>
+                                        <p:strVal val="visible"/>
+                                      </p:to>
+                                    </p:set>
+                                    <p:animEffect transition="in" filter="wipe(down)">
+                                      <p:cBhvr>
+                                        <p:cTn id="57" dur="500"/>
+                                        <p:tgtEl>
+                                          <p:spTgt spid="19"/>
+                                        </p:tgtEl>
+                                      </p:cBhvr>
+                                    </p:animEffect>
+                                  </p:childTnLst>
+                                </p:cTn>
+                              </p:par>
+                              <p:par>
+                                <p:cTn id="58" presetID="22" presetClass="entr" presetSubtype="4" fill="hold" nodeType="withEffect">
+                                  <p:stCondLst>
+                                    <p:cond delay="0"/>
+                                  </p:stCondLst>
+                                  <p:childTnLst>
+                                    <p:set>
+                                      <p:cBhvr>
+                                        <p:cTn id="59" dur="1" fill="hold">
+                                          <p:stCondLst>
+                                            <p:cond delay="0"/>
+                                          </p:stCondLst>
+                                        </p:cTn>
+                                        <p:tgtEl>
+                                          <p:spTgt spid="21"/>
+                                        </p:tgtEl>
+                                        <p:attrNameLst>
+                                          <p:attrName>style.visibility</p:attrName>
+                                        </p:attrNameLst>
+                                      </p:cBhvr>
+                                      <p:to>
+                                        <p:strVal val="visible"/>
+                                      </p:to>
+                                    </p:set>
+                                    <p:animEffect transition="in" filter="wipe(down)">
+                                      <p:cBhvr>
+                                        <p:cTn id="60" dur="500"/>
+                                        <p:tgtEl>
+                                          <p:spTgt spid="21"/>
+                                        </p:tgtEl>
+                                      </p:cBhvr>
+                                    </p:animEffect>
+                                  </p:childTnLst>
+                                </p:cTn>
+                              </p:par>
+                              <p:par>
+                                <p:cTn id="61" presetID="22" presetClass="entr" presetSubtype="4" fill="hold" grpId="0" nodeType="withEffect">
+                                  <p:stCondLst>
+                                    <p:cond delay="0"/>
+                                  </p:stCondLst>
+                                  <p:childTnLst>
+                                    <p:set>
+                                      <p:cBhvr>
+                                        <p:cTn id="62" dur="1" fill="hold">
+                                          <p:stCondLst>
+                                            <p:cond delay="0"/>
+                                          </p:stCondLst>
+                                        </p:cTn>
+                                        <p:tgtEl>
+                                          <p:spTgt spid="23"/>
+                                        </p:tgtEl>
+                                        <p:attrNameLst>
+                                          <p:attrName>style.visibility</p:attrName>
+                                        </p:attrNameLst>
+                                      </p:cBhvr>
+                                      <p:to>
+                                        <p:strVal val="visible"/>
+                                      </p:to>
+                                    </p:set>
+                                    <p:animEffect transition="in" filter="wipe(down)">
+                                      <p:cBhvr>
+                                        <p:cTn id="63" dur="500"/>
+                                        <p:tgtEl>
+                                          <p:spTgt spid="23"/>
+                                        </p:tgtEl>
+                                      </p:cBhvr>
+                                    </p:animEffect>
+                                  </p:childTnLst>
+                                </p:cTn>
+                              </p:par>
+                            </p:childTnLst>
+                          </p:cTn>
+                        </p:par>
+                      </p:childTnLst>
+                    </p:cTn>
+                  </p:par>
+                  <p:par>
+                    <p:cTn id="64" fill="hold">
+                      <p:stCondLst>
+                        <p:cond delay="indefinite"/>
+                      </p:stCondLst>
+                      <p:childTnLst>
+                        <p:par>
+                          <p:cTn id="65" fill="hold">
+                            <p:stCondLst>
+                              <p:cond delay="0"/>
+                            </p:stCondLst>
+                            <p:childTnLst>
+                              <p:par>
+                                <p:cTn id="66" presetID="22" presetClass="entr" presetSubtype="4" fill="hold" nodeType="clickEffect">
+                                  <p:stCondLst>
+                                    <p:cond delay="0"/>
+                                  </p:stCondLst>
+                                  <p:childTnLst>
+                                    <p:set>
+                                      <p:cBhvr>
+                                        <p:cTn id="67" dur="1" fill="hold">
+                                          <p:stCondLst>
+                                            <p:cond delay="0"/>
+                                          </p:stCondLst>
+                                        </p:cTn>
+                                        <p:tgtEl>
+                                          <p:spTgt spid="2050"/>
+                                        </p:tgtEl>
+                                        <p:attrNameLst>
+                                          <p:attrName>style.visibility</p:attrName>
+                                        </p:attrNameLst>
+                                      </p:cBhvr>
+                                      <p:to>
+                                        <p:strVal val="visible"/>
+                                      </p:to>
+                                    </p:set>
+                                    <p:animEffect transition="in" filter="wipe(down)">
+                                      <p:cBhvr>
+                                        <p:cTn id="68" dur="500"/>
+                                        <p:tgtEl>
+                                          <p:spTgt spid="2050"/>
+                                        </p:tgtEl>
+                                      </p:cBhvr>
+                                    </p:animEffect>
+                                  </p:childTnLst>
+                                </p:cTn>
+                              </p:par>
+                            </p:childTnLst>
+                          </p:cTn>
+                        </p:par>
+                      </p:childTnLst>
+                    </p:cTn>
+                  </p:par>
+                </p:childTnLst>
+              </p:cTn>
+              <p:prevCondLst>
+                <p:cond evt="onPrev" delay="0">
+                  <p:tgtEl>
+                    <p:sldTgt/>
+                  </p:tgtEl>
+                </p:cond>
+              </p:prevCondLst>
+              <p:nextCondLst>
+                <p:cond evt="onNext" delay="0">
+                  <p:tgtEl>
+                    <p:sldTgt/>
+                  </p:tgtEl>
+                </p:cond>
+              </p:nextCondLst>
+            </p:seq>
+          </p:childTnLst>
+        </p:cTn>
+      </p:par>
+    </p:tnLst>
+    <p:bldLst>
+      <p:bldP spid="4" grpId="0" animBg="1"/>
+      <p:bldP spid="5" grpId="0"/>
+      <p:bldP spid="6" grpId="0"/>
+      <p:bldP spid="8" grpId="0" animBg="1"/>
+      <p:bldP spid="10" grpId="0" animBg="1"/>
+      <p:bldP spid="11" grpId="0" animBg="1"/>
+      <p:bldP spid="12" grpId="0"/>
+      <p:bldP spid="14" grpId="0"/>
+      <p:bldP spid="15" grpId="0"/>
+      <p:bldP spid="16" grpId="0"/>
+      <p:bldP spid="17" grpId="0"/>
+      <p:bldP spid="18" grpId="0"/>
+      <p:bldP spid="19" grpId="0"/>
+      <p:bldP spid="23" grpId="0"/>
+    </p:bldLst>
+  </p:timing>
+</p:sld>
+</file>
+
+<file path=ppt/slides/slide6.xml><?xml version="1.0" encoding="utf-8"?>
+<p:sld xmlns:a="http://schemas.openxmlformats.org/drawingml/2006/main" xmlns:r="http://schemas.openxmlformats.org/officeDocument/2006/relationships" xmlns:p="http://schemas.openxmlformats.org/presentationml/2006/main">
+  <p:cSld>
+    <p:spTree>
+      <p:nvGrpSpPr>
+        <p:cNvPr id="1" name=""/>
+        <p:cNvGrpSpPr/>
+        <p:nvPr/>
+      </p:nvGrpSpPr>
+      <p:grpSpPr>
+        <a:xfrm>
+          <a:off x="0" y="0"/>
+          <a:ext cx="0" cy="0"/>
+          <a:chOff x="0" y="0"/>
+          <a:chExt cx="0" cy="0"/>
+        </a:xfrm>
+      </p:grpSpPr>
+      <p:sp>
+        <p:nvSpPr>
+          <p:cNvPr id="4" name="Téglalap: lekerekített 3">
+            <a:extLst>
+              <a:ext uri="{FF2B5EF4-FFF2-40B4-BE49-F238E27FC236}">
+                <a16:creationId xmlns:a16="http://schemas.microsoft.com/office/drawing/2014/main" id="{4B854B47-1240-4A86-12D0-DA26B95177E3}"/>
+              </a:ext>
+            </a:extLst>
+          </p:cNvPr>
+          <p:cNvSpPr/>
+          <p:nvPr/>
+        </p:nvSpPr>
+        <p:spPr>
+          <a:xfrm>
+            <a:off x="647700" y="1286668"/>
+            <a:ext cx="11068050" cy="5257007"/>
+          </a:xfrm>
+          <a:prstGeom prst="roundRect">
+            <a:avLst>
+              <a:gd name="adj" fmla="val 20110"/>
+            </a:avLst>
+          </a:prstGeom>
+          <a:solidFill>
+            <a:schemeClr val="bg1"/>
+          </a:solidFill>
+          <a:ln>
+            <a:noFill/>
+          </a:ln>
+          <a:effectLst>
+            <a:outerShdw blurRad="381000" sx="102000" sy="102000" algn="ctr" rotWithShape="0">
+              <a:prstClr val="black">
+                <a:alpha val="40000"/>
+              </a:prstClr>
+            </a:outerShdw>
+          </a:effectLst>
+        </p:spPr>
+        <p:style>
+          <a:lnRef idx="2">
+            <a:schemeClr val="accent1">
+              <a:shade val="50000"/>
+            </a:schemeClr>
+          </a:lnRef>
+          <a:fillRef idx="1">
+            <a:schemeClr val="accent1"/>
+          </a:fillRef>
+          <a:effectRef idx="0">
+            <a:schemeClr val="accent1"/>
+          </a:effectRef>
+          <a:fontRef idx="minor">
+            <a:schemeClr val="lt1"/>
+          </a:fontRef>
+        </p:style>
+        <p:txBody>
+          <a:bodyPr rtlCol="0" anchor="ctr"/>
+          <a:lstStyle/>
+          <a:p>
+            <a:pPr algn="ctr"/>
+            <a:endParaRPr lang="hu-HU" dirty="0"/>
+          </a:p>
+        </p:txBody>
+      </p:sp>
+      <p:sp>
+        <p:nvSpPr>
+          <p:cNvPr id="5" name="Cím 1">
+            <a:extLst>
+              <a:ext uri="{FF2B5EF4-FFF2-40B4-BE49-F238E27FC236}">
+                <a16:creationId xmlns:a16="http://schemas.microsoft.com/office/drawing/2014/main" id="{E3F2D081-EF74-7E76-1E89-ECF7E0C97335}"/>
+              </a:ext>
+            </a:extLst>
+          </p:cNvPr>
+          <p:cNvSpPr>
+            <a:spLocks noGrp="1"/>
+          </p:cNvSpPr>
+          <p:nvPr>
+            <p:ph type="title"/>
+          </p:nvPr>
+        </p:nvSpPr>
+        <p:spPr>
+          <a:xfrm>
+            <a:off x="0" y="0"/>
+            <a:ext cx="2495550" cy="1325563"/>
+          </a:xfrm>
+        </p:spPr>
+        <p:txBody>
+          <a:bodyPr/>
+          <a:lstStyle/>
+          <a:p>
+            <a:r>
+              <a:rPr lang="hu-HU" dirty="0">
+                <a:solidFill>
+                  <a:schemeClr val="accent1"/>
+                </a:solidFill>
+                <a:latin typeface="Comic Sans MS" panose="030F0702030302020204" pitchFamily="66" charset="0"/>
+              </a:rPr>
+              <a:t>K</a:t>
+            </a:r>
+            <a:r>
+              <a:rPr lang="hu-HU" dirty="0">
+                <a:solidFill>
+                  <a:srgbClr val="FF0000"/>
+                </a:solidFill>
+                <a:latin typeface="Comic Sans MS" panose="030F0702030302020204" pitchFamily="66" charset="0"/>
+              </a:rPr>
+              <a:t>e</a:t>
+            </a:r>
+            <a:r>
+              <a:rPr lang="hu-HU" dirty="0">
+                <a:solidFill>
+                  <a:srgbClr val="FFC000"/>
+                </a:solidFill>
+                <a:latin typeface="Comic Sans MS" panose="030F0702030302020204" pitchFamily="66" charset="0"/>
+              </a:rPr>
+              <a:t>r</a:t>
+            </a:r>
+            <a:r>
+              <a:rPr lang="hu-HU" dirty="0">
+                <a:solidFill>
+                  <a:schemeClr val="accent1"/>
+                </a:solidFill>
+                <a:latin typeface="Comic Sans MS" panose="030F0702030302020204" pitchFamily="66" charset="0"/>
+              </a:rPr>
+              <a:t>e</a:t>
+            </a:r>
+            <a:r>
+              <a:rPr lang="hu-HU" dirty="0">
+                <a:solidFill>
+                  <a:schemeClr val="accent6">
+                    <a:lumMod val="75000"/>
+                  </a:schemeClr>
+                </a:solidFill>
+                <a:latin typeface="Comic Sans MS" panose="030F0702030302020204" pitchFamily="66" charset="0"/>
+              </a:rPr>
+              <a:t>s</a:t>
+            </a:r>
+            <a:r>
+              <a:rPr lang="hu-HU" dirty="0">
+                <a:solidFill>
+                  <a:srgbClr val="FF0000"/>
+                </a:solidFill>
+                <a:latin typeface="Comic Sans MS" panose="030F0702030302020204" pitchFamily="66" charset="0"/>
+              </a:rPr>
+              <a:t>é</a:t>
+            </a:r>
+            <a:r>
+              <a:rPr lang="hu-HU" dirty="0">
+                <a:solidFill>
+                  <a:srgbClr val="FFC000"/>
+                </a:solidFill>
+                <a:latin typeface="Comic Sans MS" panose="030F0702030302020204" pitchFamily="66" charset="0"/>
+              </a:rPr>
+              <a:t>s</a:t>
+            </a:r>
+            <a:endParaRPr lang="hu-HU" dirty="0"/>
+          </a:p>
+        </p:txBody>
+      </p:sp>
+      <p:sp>
+        <p:nvSpPr>
+          <p:cNvPr id="6" name="Téglalap: lekerekített 5">
+            <a:extLst>
+              <a:ext uri="{FF2B5EF4-FFF2-40B4-BE49-F238E27FC236}">
+                <a16:creationId xmlns:a16="http://schemas.microsoft.com/office/drawing/2014/main" id="{90289AAF-7633-2F62-BF61-E1FB20F4527F}"/>
+              </a:ext>
+            </a:extLst>
+          </p:cNvPr>
+          <p:cNvSpPr/>
+          <p:nvPr/>
+        </p:nvSpPr>
+        <p:spPr>
+          <a:xfrm>
+            <a:off x="2357970" y="429147"/>
+            <a:ext cx="4591574" cy="503779"/>
+          </a:xfrm>
+          <a:prstGeom prst="roundRect">
+            <a:avLst>
+              <a:gd name="adj" fmla="val 50000"/>
+            </a:avLst>
+          </a:prstGeom>
+          <a:solidFill>
+            <a:schemeClr val="bg1"/>
+          </a:solidFill>
+          <a:ln>
+            <a:noFill/>
+          </a:ln>
+          <a:effectLst>
+            <a:outerShdw blurRad="190500" sx="102000" sy="102000" algn="ctr" rotWithShape="0">
+              <a:prstClr val="black">
+                <a:alpha val="40000"/>
+              </a:prstClr>
+            </a:outerShdw>
+          </a:effectLst>
+        </p:spPr>
+        <p:style>
+          <a:lnRef idx="2">
+            <a:schemeClr val="accent1">
+              <a:shade val="50000"/>
+            </a:schemeClr>
+          </a:lnRef>
+          <a:fillRef idx="1">
+            <a:schemeClr val="accent1"/>
+          </a:fillRef>
+          <a:effectRef idx="0">
+            <a:schemeClr val="accent1"/>
+          </a:effectRef>
+          <a:fontRef idx="minor">
+            <a:schemeClr val="lt1"/>
+          </a:fontRef>
+        </p:style>
+        <p:txBody>
+          <a:bodyPr rtlCol="0" anchor="ctr"/>
+          <a:lstStyle/>
+          <a:p>
+            <a:pPr algn="ctr"/>
+            <a:endParaRPr lang="hu-HU"/>
+          </a:p>
+        </p:txBody>
+      </p:sp>
+      <p:pic>
+        <p:nvPicPr>
+          <p:cNvPr id="7" name="Ábra 6" descr="Nagyító egyszínű kitöltéssel">
+            <a:extLst>
+              <a:ext uri="{FF2B5EF4-FFF2-40B4-BE49-F238E27FC236}">
+                <a16:creationId xmlns:a16="http://schemas.microsoft.com/office/drawing/2014/main" id="{3286A23B-90C7-AB3B-C2EF-0A53D0F8F2F7}"/>
+              </a:ext>
+            </a:extLst>
+          </p:cNvPr>
+          <p:cNvPicPr>
+            <a:picLocks noChangeAspect="1"/>
+          </p:cNvPicPr>
+          <p:nvPr/>
+        </p:nvPicPr>
+        <p:blipFill>
+          <a:blip r:embed="rId2" cstate="print">
+            <a:extLst>
+              <a:ext uri="{28A0092B-C50C-407E-A947-70E740481C1C}">
+                <a14:useLocalDpi xmlns:a14="http://schemas.microsoft.com/office/drawing/2010/main" val="0"/>
+              </a:ext>
+              <a:ext uri="{96DAC541-7B7A-43D3-8B79-37D633B846F1}">
+                <asvg:svgBlip xmlns:asvg="http://schemas.microsoft.com/office/drawing/2016/SVG/main" r:embed="rId3"/>
+              </a:ext>
+            </a:extLst>
+          </a:blip>
+          <a:stretch>
+            <a:fillRect/>
+          </a:stretch>
+        </p:blipFill>
+        <p:spPr>
+          <a:xfrm>
+            <a:off x="2482057" y="509586"/>
+            <a:ext cx="342900" cy="342900"/>
+          </a:xfrm>
+          <a:prstGeom prst="rect">
+            <a:avLst/>
+          </a:prstGeom>
+        </p:spPr>
+      </p:pic>
+      <p:sp>
+        <p:nvSpPr>
+          <p:cNvPr id="8" name="Szabadkézi sokszög: alakzat 7">
+            <a:extLst>
+              <a:ext uri="{FF2B5EF4-FFF2-40B4-BE49-F238E27FC236}">
+                <a16:creationId xmlns:a16="http://schemas.microsoft.com/office/drawing/2014/main" id="{B99AE5D5-E264-C775-6275-658052DB1585}"/>
+              </a:ext>
+            </a:extLst>
+          </p:cNvPr>
+          <p:cNvSpPr/>
+          <p:nvPr/>
+        </p:nvSpPr>
+        <p:spPr>
+          <a:xfrm>
+            <a:off x="6566295" y="652635"/>
+            <a:ext cx="167472" cy="177939"/>
+          </a:xfrm>
+          <a:custGeom>
+            <a:avLst/>
+            <a:gdLst>
+              <a:gd name="connsiteX0" fmla="*/ 94203 w 167472"/>
+              <a:gd name="connsiteY0" fmla="*/ 157005 h 177939"/>
+              <a:gd name="connsiteX1" fmla="*/ 94203 w 167472"/>
+              <a:gd name="connsiteY1" fmla="*/ 114439 h 177939"/>
+              <a:gd name="connsiteX2" fmla="*/ 163983 w 167472"/>
+              <a:gd name="connsiteY2" fmla="*/ 34890 h 177939"/>
+              <a:gd name="connsiteX3" fmla="*/ 163983 w 167472"/>
+              <a:gd name="connsiteY3" fmla="*/ 0 h 177939"/>
+              <a:gd name="connsiteX4" fmla="*/ 143049 w 167472"/>
+              <a:gd name="connsiteY4" fmla="*/ 0 h 177939"/>
+              <a:gd name="connsiteX5" fmla="*/ 143049 w 167472"/>
+              <a:gd name="connsiteY5" fmla="*/ 34890 h 177939"/>
+              <a:gd name="connsiteX6" fmla="*/ 83736 w 167472"/>
+              <a:gd name="connsiteY6" fmla="*/ 94203 h 177939"/>
+              <a:gd name="connsiteX7" fmla="*/ 24423 w 167472"/>
+              <a:gd name="connsiteY7" fmla="*/ 34890 h 177939"/>
+              <a:gd name="connsiteX8" fmla="*/ 24423 w 167472"/>
+              <a:gd name="connsiteY8" fmla="*/ 0 h 177939"/>
+              <a:gd name="connsiteX9" fmla="*/ 3489 w 167472"/>
+              <a:gd name="connsiteY9" fmla="*/ 0 h 177939"/>
+              <a:gd name="connsiteX10" fmla="*/ 3489 w 167472"/>
+              <a:gd name="connsiteY10" fmla="*/ 34890 h 177939"/>
+              <a:gd name="connsiteX11" fmla="*/ 73269 w 167472"/>
+              <a:gd name="connsiteY11" fmla="*/ 114439 h 177939"/>
+              <a:gd name="connsiteX12" fmla="*/ 73269 w 167472"/>
+              <a:gd name="connsiteY12" fmla="*/ 157005 h 177939"/>
+              <a:gd name="connsiteX13" fmla="*/ 0 w 167472"/>
+              <a:gd name="connsiteY13" fmla="*/ 157005 h 177939"/>
+              <a:gd name="connsiteX14" fmla="*/ 0 w 167472"/>
+              <a:gd name="connsiteY14" fmla="*/ 177939 h 177939"/>
+              <a:gd name="connsiteX15" fmla="*/ 167472 w 167472"/>
+              <a:gd name="connsiteY15" fmla="*/ 177939 h 177939"/>
+              <a:gd name="connsiteX16" fmla="*/ 167472 w 167472"/>
+              <a:gd name="connsiteY16" fmla="*/ 157005 h 177939"/>
+              <a:gd name="connsiteX17" fmla="*/ 94203 w 167472"/>
+              <a:gd name="connsiteY17" fmla="*/ 157005 h 177939"/>
+            </a:gdLst>
+            <a:ahLst/>
+            <a:cxnLst>
+              <a:cxn ang="0">
+                <a:pos x="connsiteX0" y="connsiteY0"/>
+              </a:cxn>
+              <a:cxn ang="0">
+                <a:pos x="connsiteX1" y="connsiteY1"/>
+              </a:cxn>
+              <a:cxn ang="0">
+                <a:pos x="connsiteX2" y="connsiteY2"/>
+              </a:cxn>
+              <a:cxn ang="0">
+                <a:pos x="connsiteX3" y="connsiteY3"/>
+              </a:cxn>
+              <a:cxn ang="0">
+                <a:pos x="connsiteX4" y="connsiteY4"/>
+              </a:cxn>
+              <a:cxn ang="0">
+                <a:pos x="connsiteX5" y="connsiteY5"/>
+              </a:cxn>
+              <a:cxn ang="0">
+                <a:pos x="connsiteX6" y="connsiteY6"/>
+              </a:cxn>
+              <a:cxn ang="0">
+                <a:pos x="connsiteX7" y="connsiteY7"/>
+              </a:cxn>
+              <a:cxn ang="0">
+                <a:pos x="connsiteX8" y="connsiteY8"/>
+              </a:cxn>
+              <a:cxn ang="0">
+                <a:pos x="connsiteX9" y="connsiteY9"/>
+              </a:cxn>
+              <a:cxn ang="0">
+                <a:pos x="connsiteX10" y="connsiteY10"/>
+              </a:cxn>
+              <a:cxn ang="0">
+                <a:pos x="connsiteX11" y="connsiteY11"/>
+              </a:cxn>
+              <a:cxn ang="0">
+                <a:pos x="connsiteX12" y="connsiteY12"/>
+              </a:cxn>
+              <a:cxn ang="0">
+                <a:pos x="connsiteX13" y="connsiteY13"/>
+              </a:cxn>
+              <a:cxn ang="0">
+                <a:pos x="connsiteX14" y="connsiteY14"/>
+              </a:cxn>
+              <a:cxn ang="0">
+                <a:pos x="connsiteX15" y="connsiteY15"/>
+              </a:cxn>
+              <a:cxn ang="0">
+                <a:pos x="connsiteX16" y="connsiteY16"/>
+              </a:cxn>
+              <a:cxn ang="0">
+                <a:pos x="connsiteX17" y="connsiteY17"/>
+              </a:cxn>
+            </a:cxnLst>
+            <a:rect l="l" t="t" r="r" b="b"/>
+            <a:pathLst>
+              <a:path w="167472" h="177939">
+                <a:moveTo>
+                  <a:pt x="94203" y="157005"/>
+                </a:moveTo>
+                <a:lnTo>
+                  <a:pt x="94203" y="114439"/>
+                </a:lnTo>
+                <a:cubicBezTo>
+                  <a:pt x="133629" y="109206"/>
+                  <a:pt x="163983" y="75711"/>
+                  <a:pt x="163983" y="34890"/>
+                </a:cubicBezTo>
+                <a:lnTo>
+                  <a:pt x="163983" y="0"/>
+                </a:lnTo>
+                <a:lnTo>
+                  <a:pt x="143049" y="0"/>
+                </a:lnTo>
+                <a:lnTo>
+                  <a:pt x="143049" y="34890"/>
+                </a:lnTo>
+                <a:cubicBezTo>
+                  <a:pt x="143049" y="67687"/>
+                  <a:pt x="116533" y="94203"/>
+                  <a:pt x="83736" y="94203"/>
+                </a:cubicBezTo>
+                <a:cubicBezTo>
+                  <a:pt x="50939" y="94203"/>
+                  <a:pt x="24423" y="67687"/>
+                  <a:pt x="24423" y="34890"/>
+                </a:cubicBezTo>
+                <a:lnTo>
+                  <a:pt x="24423" y="0"/>
+                </a:lnTo>
+                <a:lnTo>
+                  <a:pt x="3489" y="0"/>
+                </a:lnTo>
+                <a:lnTo>
+                  <a:pt x="3489" y="34890"/>
+                </a:lnTo>
+                <a:cubicBezTo>
+                  <a:pt x="3489" y="75711"/>
+                  <a:pt x="33843" y="109206"/>
+                  <a:pt x="73269" y="114439"/>
+                </a:cubicBezTo>
+                <a:lnTo>
+                  <a:pt x="73269" y="157005"/>
+                </a:lnTo>
+                <a:lnTo>
+                  <a:pt x="0" y="157005"/>
+                </a:lnTo>
+                <a:lnTo>
+                  <a:pt x="0" y="177939"/>
+                </a:lnTo>
+                <a:lnTo>
+                  <a:pt x="167472" y="177939"/>
+                </a:lnTo>
+                <a:lnTo>
+                  <a:pt x="167472" y="157005"/>
+                </a:lnTo>
+                <a:lnTo>
+                  <a:pt x="94203" y="157005"/>
+                </a:lnTo>
+                <a:close/>
+              </a:path>
+            </a:pathLst>
+          </a:custGeom>
+          <a:solidFill>
+            <a:schemeClr val="tx1"/>
+          </a:solidFill>
+          <a:ln w="3473" cap="flat">
+            <a:noFill/>
+            <a:prstDash val="solid"/>
+            <a:miter/>
+          </a:ln>
+        </p:spPr>
+        <p:txBody>
+          <a:bodyPr rtlCol="0" anchor="ctr"/>
+          <a:lstStyle/>
+          <a:p>
+            <a:endParaRPr lang="hu-HU"/>
+          </a:p>
+        </p:txBody>
+      </p:sp>
+      <p:sp>
+        <p:nvSpPr>
+          <p:cNvPr id="9" name="Szabadkézi sokszög: alakzat 8">
+            <a:extLst>
+              <a:ext uri="{FF2B5EF4-FFF2-40B4-BE49-F238E27FC236}">
+                <a16:creationId xmlns:a16="http://schemas.microsoft.com/office/drawing/2014/main" id="{D7F5F86F-8636-8E0B-79C7-07864D5E4DB0}"/>
+              </a:ext>
+            </a:extLst>
+          </p:cNvPr>
+          <p:cNvSpPr/>
+          <p:nvPr/>
+        </p:nvSpPr>
+        <p:spPr>
+          <a:xfrm>
+            <a:off x="6604674" y="523542"/>
+            <a:ext cx="90714" cy="209340"/>
+          </a:xfrm>
+          <a:custGeom>
+            <a:avLst/>
+            <a:gdLst>
+              <a:gd name="connsiteX0" fmla="*/ 45357 w 90714"/>
+              <a:gd name="connsiteY0" fmla="*/ 209340 h 209340"/>
+              <a:gd name="connsiteX1" fmla="*/ 90714 w 90714"/>
+              <a:gd name="connsiteY1" fmla="*/ 163983 h 209340"/>
+              <a:gd name="connsiteX2" fmla="*/ 55824 w 90714"/>
+              <a:gd name="connsiteY2" fmla="*/ 163983 h 209340"/>
+              <a:gd name="connsiteX3" fmla="*/ 55824 w 90714"/>
+              <a:gd name="connsiteY3" fmla="*/ 150027 h 209340"/>
+              <a:gd name="connsiteX4" fmla="*/ 90714 w 90714"/>
+              <a:gd name="connsiteY4" fmla="*/ 150027 h 209340"/>
+              <a:gd name="connsiteX5" fmla="*/ 90714 w 90714"/>
+              <a:gd name="connsiteY5" fmla="*/ 129093 h 209340"/>
+              <a:gd name="connsiteX6" fmla="*/ 55824 w 90714"/>
+              <a:gd name="connsiteY6" fmla="*/ 129093 h 209340"/>
+              <a:gd name="connsiteX7" fmla="*/ 55824 w 90714"/>
+              <a:gd name="connsiteY7" fmla="*/ 115137 h 209340"/>
+              <a:gd name="connsiteX8" fmla="*/ 90714 w 90714"/>
+              <a:gd name="connsiteY8" fmla="*/ 115137 h 209340"/>
+              <a:gd name="connsiteX9" fmla="*/ 90714 w 90714"/>
+              <a:gd name="connsiteY9" fmla="*/ 94203 h 209340"/>
+              <a:gd name="connsiteX10" fmla="*/ 55824 w 90714"/>
+              <a:gd name="connsiteY10" fmla="*/ 94203 h 209340"/>
+              <a:gd name="connsiteX11" fmla="*/ 55824 w 90714"/>
+              <a:gd name="connsiteY11" fmla="*/ 80247 h 209340"/>
+              <a:gd name="connsiteX12" fmla="*/ 90714 w 90714"/>
+              <a:gd name="connsiteY12" fmla="*/ 80247 h 209340"/>
+              <a:gd name="connsiteX13" fmla="*/ 90714 w 90714"/>
+              <a:gd name="connsiteY13" fmla="*/ 59313 h 209340"/>
+              <a:gd name="connsiteX14" fmla="*/ 55824 w 90714"/>
+              <a:gd name="connsiteY14" fmla="*/ 59313 h 209340"/>
+              <a:gd name="connsiteX15" fmla="*/ 55824 w 90714"/>
+              <a:gd name="connsiteY15" fmla="*/ 45357 h 209340"/>
+              <a:gd name="connsiteX16" fmla="*/ 90714 w 90714"/>
+              <a:gd name="connsiteY16" fmla="*/ 45357 h 209340"/>
+              <a:gd name="connsiteX17" fmla="*/ 45357 w 90714"/>
+              <a:gd name="connsiteY17" fmla="*/ 0 h 209340"/>
+              <a:gd name="connsiteX18" fmla="*/ 0 w 90714"/>
+              <a:gd name="connsiteY18" fmla="*/ 45357 h 209340"/>
+              <a:gd name="connsiteX19" fmla="*/ 0 w 90714"/>
+              <a:gd name="connsiteY19" fmla="*/ 163983 h 209340"/>
+              <a:gd name="connsiteX20" fmla="*/ 45357 w 90714"/>
+              <a:gd name="connsiteY20" fmla="*/ 209340 h 209340"/>
+            </a:gdLst>
+            <a:ahLst/>
+            <a:cxnLst>
+              <a:cxn ang="0">
+                <a:pos x="connsiteX0" y="connsiteY0"/>
+              </a:cxn>
+              <a:cxn ang="0">
+                <a:pos x="connsiteX1" y="connsiteY1"/>
+              </a:cxn>
+              <a:cxn ang="0">
+                <a:pos x="connsiteX2" y="connsiteY2"/>
+              </a:cxn>
+              <a:cxn ang="0">
+                <a:pos x="connsiteX3" y="connsiteY3"/>
+              </a:cxn>
+              <a:cxn ang="0">
+                <a:pos x="connsiteX4" y="connsiteY4"/>
+              </a:cxn>
+              <a:cxn ang="0">
+                <a:pos x="connsiteX5" y="connsiteY5"/>
+              </a:cxn>
+              <a:cxn ang="0">
+                <a:pos x="connsiteX6" y="connsiteY6"/>
+              </a:cxn>
+              <a:cxn ang="0">
+                <a:pos x="connsiteX7" y="connsiteY7"/>
+              </a:cxn>
+              <a:cxn ang="0">
+                <a:pos x="connsiteX8" y="connsiteY8"/>
+              </a:cxn>
+              <a:cxn ang="0">
+                <a:pos x="connsiteX9" y="connsiteY9"/>
+              </a:cxn>
+              <a:cxn ang="0">
+                <a:pos x="connsiteX10" y="connsiteY10"/>
+              </a:cxn>
+              <a:cxn ang="0">
+                <a:pos x="connsiteX11" y="connsiteY11"/>
+              </a:cxn>
+              <a:cxn ang="0">
+                <a:pos x="connsiteX12" y="connsiteY12"/>
+              </a:cxn>
+              <a:cxn ang="0">
+                <a:pos x="connsiteX13" y="connsiteY13"/>
+              </a:cxn>
+              <a:cxn ang="0">
+                <a:pos x="connsiteX14" y="connsiteY14"/>
+              </a:cxn>
+              <a:cxn ang="0">
+                <a:pos x="connsiteX15" y="connsiteY15"/>
+              </a:cxn>
+              <a:cxn ang="0">
+                <a:pos x="connsiteX16" y="connsiteY16"/>
+              </a:cxn>
+              <a:cxn ang="0">
+                <a:pos x="connsiteX17" y="connsiteY17"/>
+              </a:cxn>
+              <a:cxn ang="0">
+                <a:pos x="connsiteX18" y="connsiteY18"/>
+              </a:cxn>
+              <a:cxn ang="0">
+                <a:pos x="connsiteX19" y="connsiteY19"/>
+              </a:cxn>
+              <a:cxn ang="0">
+                <a:pos x="connsiteX20" y="connsiteY20"/>
+              </a:cxn>
+            </a:cxnLst>
+            <a:rect l="l" t="t" r="r" b="b"/>
+            <a:pathLst>
+              <a:path w="90714" h="209340">
+                <a:moveTo>
+                  <a:pt x="45357" y="209340"/>
+                </a:moveTo>
+                <a:cubicBezTo>
+                  <a:pt x="70478" y="209340"/>
+                  <a:pt x="90714" y="189104"/>
+                  <a:pt x="90714" y="163983"/>
+                </a:cubicBezTo>
+                <a:lnTo>
+                  <a:pt x="55824" y="163983"/>
+                </a:lnTo>
+                <a:lnTo>
+                  <a:pt x="55824" y="150027"/>
+                </a:lnTo>
+                <a:lnTo>
+                  <a:pt x="90714" y="150027"/>
+                </a:lnTo>
+                <a:lnTo>
+                  <a:pt x="90714" y="129093"/>
+                </a:lnTo>
+                <a:lnTo>
+                  <a:pt x="55824" y="129093"/>
+                </a:lnTo>
+                <a:lnTo>
+                  <a:pt x="55824" y="115137"/>
+                </a:lnTo>
+                <a:lnTo>
+                  <a:pt x="90714" y="115137"/>
+                </a:lnTo>
+                <a:lnTo>
+                  <a:pt x="90714" y="94203"/>
+                </a:lnTo>
+                <a:lnTo>
+                  <a:pt x="55824" y="94203"/>
+                </a:lnTo>
+                <a:lnTo>
+                  <a:pt x="55824" y="80247"/>
+                </a:lnTo>
+                <a:lnTo>
+                  <a:pt x="90714" y="80247"/>
+                </a:lnTo>
+                <a:lnTo>
+                  <a:pt x="90714" y="59313"/>
+                </a:lnTo>
+                <a:lnTo>
+                  <a:pt x="55824" y="59313"/>
+                </a:lnTo>
+                <a:lnTo>
+                  <a:pt x="55824" y="45357"/>
+                </a:lnTo>
+                <a:lnTo>
+                  <a:pt x="90714" y="45357"/>
+                </a:lnTo>
+                <a:cubicBezTo>
+                  <a:pt x="90714" y="20236"/>
+                  <a:pt x="70478" y="0"/>
+                  <a:pt x="45357" y="0"/>
+                </a:cubicBezTo>
+                <a:cubicBezTo>
+                  <a:pt x="20236" y="0"/>
+                  <a:pt x="0" y="20236"/>
+                  <a:pt x="0" y="45357"/>
+                </a:cubicBezTo>
+                <a:lnTo>
+                  <a:pt x="0" y="163983"/>
+                </a:lnTo>
+                <a:cubicBezTo>
+                  <a:pt x="0" y="189104"/>
+                  <a:pt x="20236" y="209340"/>
+                  <a:pt x="45357" y="209340"/>
+                </a:cubicBezTo>
+                <a:close/>
+              </a:path>
+            </a:pathLst>
+          </a:custGeom>
+          <a:solidFill>
+            <a:schemeClr val="accent1"/>
+          </a:solidFill>
+          <a:ln w="3473" cap="flat">
+            <a:noFill/>
+            <a:prstDash val="solid"/>
+            <a:miter/>
+          </a:ln>
+        </p:spPr>
+        <p:txBody>
+          <a:bodyPr rtlCol="0" anchor="ctr"/>
+          <a:lstStyle/>
+          <a:p>
+            <a:endParaRPr lang="hu-HU" dirty="0"/>
+          </a:p>
+        </p:txBody>
+      </p:sp>
+      <p:sp>
+        <p:nvSpPr>
+          <p:cNvPr id="10" name="Szövegdoboz 9">
+            <a:extLst>
+              <a:ext uri="{FF2B5EF4-FFF2-40B4-BE49-F238E27FC236}">
+                <a16:creationId xmlns:a16="http://schemas.microsoft.com/office/drawing/2014/main" id="{24EE8BCD-C8D0-DDD4-D379-7A4A104970DA}"/>
+              </a:ext>
+            </a:extLst>
+          </p:cNvPr>
+          <p:cNvSpPr txBox="1"/>
+          <p:nvPr/>
+        </p:nvSpPr>
+        <p:spPr>
+          <a:xfrm>
+            <a:off x="3051018" y="484912"/>
+            <a:ext cx="3644369" cy="369332"/>
+          </a:xfrm>
+          <a:prstGeom prst="rect">
+            <a:avLst/>
+          </a:prstGeom>
+          <a:noFill/>
+        </p:spPr>
+        <p:txBody>
+          <a:bodyPr wrap="square" rtlCol="0">
+            <a:spAutoFit/>
+          </a:bodyPr>
+          <a:lstStyle/>
+          <a:p>
+            <a:r>
+              <a:rPr lang="hu-HU" i="0" dirty="0">
+                <a:solidFill>
+                  <a:srgbClr val="202122"/>
+                </a:solidFill>
+                <a:effectLst/>
+                <a:latin typeface="Arial" panose="020B0604020202020204" pitchFamily="34" charset="0"/>
+              </a:rPr>
+              <a:t>videójáték-konzol, jelen</a:t>
+            </a:r>
+            <a:endParaRPr lang="hu-HU" dirty="0"/>
+          </a:p>
+        </p:txBody>
+      </p:sp>
+      <p:sp>
+        <p:nvSpPr>
+          <p:cNvPr id="11" name="Szövegdoboz 10">
+            <a:extLst>
+              <a:ext uri="{FF2B5EF4-FFF2-40B4-BE49-F238E27FC236}">
+                <a16:creationId xmlns:a16="http://schemas.microsoft.com/office/drawing/2014/main" id="{1B58F7C6-D380-1D14-AD6C-3ACF6EF3170A}"/>
+              </a:ext>
+            </a:extLst>
+          </p:cNvPr>
+          <p:cNvSpPr txBox="1"/>
+          <p:nvPr/>
+        </p:nvSpPr>
+        <p:spPr>
+          <a:xfrm>
+            <a:off x="10037990" y="359297"/>
+            <a:ext cx="1495425" cy="369332"/>
+          </a:xfrm>
+          <a:prstGeom prst="rect">
+            <a:avLst/>
+          </a:prstGeom>
+          <a:noFill/>
+        </p:spPr>
+        <p:txBody>
+          <a:bodyPr wrap="square" rtlCol="0">
+            <a:spAutoFit/>
+          </a:bodyPr>
+          <a:lstStyle/>
+          <a:p>
+            <a:r>
+              <a:rPr lang="hu-HU" dirty="0">
+                <a:hlinkClick r:id="rId4" action="ppaction://hlinksldjump"/>
+              </a:rPr>
+              <a:t>Kezdőlap</a:t>
+            </a:r>
+            <a:endParaRPr lang="hu-HU" dirty="0"/>
+          </a:p>
+        </p:txBody>
+      </p:sp>
+      <p:pic>
+        <p:nvPicPr>
+          <p:cNvPr id="12" name="Ábra 11" descr="Vonalas nyíl: egyenes körvonalas">
+            <a:extLst>
+              <a:ext uri="{FF2B5EF4-FFF2-40B4-BE49-F238E27FC236}">
+                <a16:creationId xmlns:a16="http://schemas.microsoft.com/office/drawing/2014/main" id="{1ABDA07A-A1BE-9E4D-96CD-8739D22ED00E}"/>
+              </a:ext>
+            </a:extLst>
+          </p:cNvPr>
+          <p:cNvPicPr>
+            <a:picLocks noChangeAspect="1"/>
+          </p:cNvPicPr>
+          <p:nvPr/>
+        </p:nvPicPr>
+        <p:blipFill>
+          <a:blip r:embed="rId5" cstate="print">
+            <a:extLst>
+              <a:ext uri="{28A0092B-C50C-407E-A947-70E740481C1C}">
+                <a14:useLocalDpi xmlns:a14="http://schemas.microsoft.com/office/drawing/2010/main" val="0"/>
+              </a:ext>
+              <a:ext uri="{96DAC541-7B7A-43D3-8B79-37D633B846F1}">
+                <asvg:svgBlip xmlns:asvg="http://schemas.microsoft.com/office/drawing/2016/SVG/main" r:embed="rId6"/>
+              </a:ext>
+            </a:extLst>
+          </a:blip>
+          <a:stretch>
+            <a:fillRect/>
+          </a:stretch>
+        </p:blipFill>
+        <p:spPr>
+          <a:xfrm>
+            <a:off x="11001372" y="346322"/>
+            <a:ext cx="395282" cy="395282"/>
+          </a:xfrm>
+          <a:prstGeom prst="rect">
+            <a:avLst/>
+          </a:prstGeom>
+        </p:spPr>
+      </p:pic>
+      <p:pic>
+        <p:nvPicPr>
+          <p:cNvPr id="13" name="Kép 12">
+            <a:extLst>
+              <a:ext uri="{FF2B5EF4-FFF2-40B4-BE49-F238E27FC236}">
+                <a16:creationId xmlns:a16="http://schemas.microsoft.com/office/drawing/2014/main" id="{DB6C719B-9302-D890-91CF-7C9070C1018E}"/>
+              </a:ext>
+            </a:extLst>
+          </p:cNvPr>
+          <p:cNvPicPr>
+            <a:picLocks noChangeAspect="1"/>
+          </p:cNvPicPr>
+          <p:nvPr/>
+        </p:nvPicPr>
+        <p:blipFill>
+          <a:blip r:embed="rId7" cstate="print">
+            <a:extLst>
+              <a:ext uri="{28A0092B-C50C-407E-A947-70E740481C1C}">
+                <a14:useLocalDpi xmlns:a14="http://schemas.microsoft.com/office/drawing/2010/main" val="0"/>
+              </a:ext>
+            </a:extLst>
+          </a:blip>
+          <a:stretch>
+            <a:fillRect/>
+          </a:stretch>
+        </p:blipFill>
+        <p:spPr>
+          <a:xfrm>
+            <a:off x="841759" y="1381125"/>
+            <a:ext cx="1240954" cy="1425546"/>
+          </a:xfrm>
+          <a:prstGeom prst="rect">
+            <a:avLst/>
+          </a:prstGeom>
+        </p:spPr>
+      </p:pic>
+      <p:sp>
+        <p:nvSpPr>
+          <p:cNvPr id="14" name="Szövegdoboz 13">
+            <a:extLst>
+              <a:ext uri="{FF2B5EF4-FFF2-40B4-BE49-F238E27FC236}">
+                <a16:creationId xmlns:a16="http://schemas.microsoft.com/office/drawing/2014/main" id="{EDBC25F4-CBDE-3A0D-4257-737F81DC75C5}"/>
+              </a:ext>
+            </a:extLst>
+          </p:cNvPr>
+          <p:cNvSpPr txBox="1"/>
+          <p:nvPr/>
+        </p:nvSpPr>
+        <p:spPr>
+          <a:xfrm>
+            <a:off x="2357968" y="1592826"/>
+            <a:ext cx="7680021" cy="369332"/>
+          </a:xfrm>
+          <a:prstGeom prst="rect">
+            <a:avLst/>
+          </a:prstGeom>
+          <a:noFill/>
+        </p:spPr>
+        <p:txBody>
+          <a:bodyPr wrap="square" rtlCol="0">
+            <a:spAutoFit/>
+          </a:bodyPr>
+          <a:lstStyle/>
+          <a:p>
+            <a:r>
+              <a:rPr lang="hu-HU" b="0" i="0" dirty="0">
+                <a:solidFill>
+                  <a:srgbClr val="202122"/>
+                </a:solidFill>
+                <a:effectLst/>
+                <a:latin typeface="Arial" panose="020B0604020202020204" pitchFamily="34" charset="0"/>
+              </a:rPr>
+              <a:t>Ray </a:t>
+            </a:r>
+            <a:r>
+              <a:rPr lang="hu-HU" b="0" i="0" dirty="0" err="1">
+                <a:solidFill>
+                  <a:srgbClr val="202122"/>
+                </a:solidFill>
+                <a:effectLst/>
+                <a:latin typeface="Arial" panose="020B0604020202020204" pitchFamily="34" charset="0"/>
+              </a:rPr>
+              <a:t>Tracingre</a:t>
+            </a:r>
+            <a:r>
+              <a:rPr lang="hu-HU" b="0" i="0" dirty="0">
+                <a:solidFill>
+                  <a:srgbClr val="202122"/>
+                </a:solidFill>
+                <a:effectLst/>
+                <a:latin typeface="Arial" panose="020B0604020202020204" pitchFamily="34" charset="0"/>
+              </a:rPr>
+              <a:t> is már képes (valós időben képes lekövetni a fényeket)</a:t>
+            </a:r>
+          </a:p>
+        </p:txBody>
+      </p:sp>
+      <p:sp>
+        <p:nvSpPr>
+          <p:cNvPr id="15" name="Szövegdoboz 14">
+            <a:extLst>
+              <a:ext uri="{FF2B5EF4-FFF2-40B4-BE49-F238E27FC236}">
+                <a16:creationId xmlns:a16="http://schemas.microsoft.com/office/drawing/2014/main" id="{B8421DC5-8FF6-5982-E643-560086B13C49}"/>
+              </a:ext>
+            </a:extLst>
+          </p:cNvPr>
+          <p:cNvSpPr txBox="1"/>
+          <p:nvPr/>
+        </p:nvSpPr>
+        <p:spPr>
+          <a:xfrm>
+            <a:off x="2357968" y="2035277"/>
+            <a:ext cx="5193206" cy="369332"/>
+          </a:xfrm>
+          <a:prstGeom prst="rect">
+            <a:avLst/>
+          </a:prstGeom>
+          <a:noFill/>
+        </p:spPr>
+        <p:txBody>
+          <a:bodyPr wrap="square" rtlCol="0">
+            <a:spAutoFit/>
+          </a:bodyPr>
+          <a:lstStyle/>
+          <a:p>
+            <a:r>
+              <a:rPr lang="hu-HU" dirty="0"/>
+              <a:t>Natív 4k 120fps-el (HDMI 2 képességek kihasználása)</a:t>
+            </a:r>
+          </a:p>
+        </p:txBody>
+      </p:sp>
+      <p:sp>
+        <p:nvSpPr>
+          <p:cNvPr id="16" name="Szövegdoboz 15">
+            <a:extLst>
+              <a:ext uri="{FF2B5EF4-FFF2-40B4-BE49-F238E27FC236}">
+                <a16:creationId xmlns:a16="http://schemas.microsoft.com/office/drawing/2014/main" id="{D75B0831-AED2-F554-A3A8-D3CE1CDC688D}"/>
+              </a:ext>
+            </a:extLst>
+          </p:cNvPr>
+          <p:cNvSpPr txBox="1"/>
+          <p:nvPr/>
+        </p:nvSpPr>
+        <p:spPr>
+          <a:xfrm>
+            <a:off x="2357968" y="2404609"/>
+            <a:ext cx="5344372" cy="369332"/>
+          </a:xfrm>
+          <a:prstGeom prst="rect">
+            <a:avLst/>
+          </a:prstGeom>
+          <a:noFill/>
+        </p:spPr>
+        <p:txBody>
+          <a:bodyPr wrap="square" rtlCol="0">
+            <a:spAutoFit/>
+          </a:bodyPr>
+          <a:lstStyle/>
+          <a:p>
+            <a:r>
+              <a:rPr lang="hu-HU" dirty="0"/>
+              <a:t>Párhuzamosan fejlődik a PC-vel</a:t>
+            </a:r>
+          </a:p>
+        </p:txBody>
+      </p:sp>
+      <p:pic>
+        <p:nvPicPr>
+          <p:cNvPr id="3076" name="Picture 4" descr="Best Game Console 2022: PlayStation, Xbox or Switch? | Tech Advisor">
+            <a:extLst>
+              <a:ext uri="{FF2B5EF4-FFF2-40B4-BE49-F238E27FC236}">
+                <a16:creationId xmlns:a16="http://schemas.microsoft.com/office/drawing/2014/main" id="{013FD91F-E971-1373-14A4-9203DDCB3A12}"/>
+              </a:ext>
+            </a:extLst>
+          </p:cNvPr>
+          <p:cNvPicPr>
+            <a:picLocks noChangeAspect="1" noChangeArrowheads="1"/>
+          </p:cNvPicPr>
+          <p:nvPr/>
+        </p:nvPicPr>
+        <p:blipFill>
+          <a:blip r:embed="rId8" cstate="print">
+            <a:extLst>
+              <a:ext uri="{28A0092B-C50C-407E-A947-70E740481C1C}">
+                <a14:useLocalDpi xmlns:a14="http://schemas.microsoft.com/office/drawing/2010/main" val="0"/>
+              </a:ext>
+            </a:extLst>
+          </a:blip>
+          <a:srcRect/>
+          <a:stretch>
+            <a:fillRect/>
+          </a:stretch>
+        </p:blipFill>
+        <p:spPr bwMode="auto">
+          <a:xfrm>
+            <a:off x="3952187" y="3160963"/>
+            <a:ext cx="5486400" cy="3086100"/>
+          </a:xfrm>
+          <a:prstGeom prst="rect">
+            <a:avLst/>
+          </a:prstGeom>
+          <a:noFill/>
+          <a:effectLst>
+            <a:outerShdw blurRad="495300" sx="102000" sy="102000" algn="ctr" rotWithShape="0">
+              <a:prstClr val="black">
+                <a:alpha val="40000"/>
+              </a:prstClr>
+            </a:outerShdw>
+          </a:effectLst>
+          <a:extLst>
+            <a:ext uri="{909E8E84-426E-40DD-AFC4-6F175D3DCCD1}">
+              <a14:hiddenFill xmlns:a14="http://schemas.microsoft.com/office/drawing/2010/main">
+                <a:solidFill>
+                  <a:srgbClr val="FFFFFF"/>
+                </a:solidFill>
+              </a14:hiddenFill>
+            </a:ext>
+          </a:extLst>
+        </p:spPr>
+      </p:pic>
+    </p:spTree>
+    <p:extLst>
+      <p:ext uri="{BB962C8B-B14F-4D97-AF65-F5344CB8AC3E}">
+        <p14:creationId xmlns:p14="http://schemas.microsoft.com/office/powerpoint/2010/main" val="496662461"/>
+      </p:ext>
+    </p:extLst>
+  </p:cSld>
+  <p:clrMapOvr>
+    <a:masterClrMapping/>
+  </p:clrMapOvr>
+  <p:timing>
+    <p:tnLst>
+      <p:par>
+        <p:cTn id="1" dur="indefinite" restart="never" nodeType="tmRoot">
+          <p:childTnLst>
+            <p:seq concurrent="1" nextAc="seek">
+              <p:cTn id="2" dur="indefinite" nodeType="mainSeq">
+                <p:childTnLst>
+                  <p:par>
+                    <p:cTn id="3" fill="hold">
+                      <p:stCondLst>
+                        <p:cond delay="indefinite"/>
+                        <p:cond evt="onBegin" delay="0">
+                          <p:tn val="2"/>
+                        </p:cond>
+                      </p:stCondLst>
+                      <p:childTnLst>
+                        <p:par>
+                          <p:cTn id="4" fill="hold">
+                            <p:stCondLst>
+                              <p:cond delay="0"/>
+                            </p:stCondLst>
+                            <p:childTnLst>
+                              <p:par>
+                                <p:cTn id="5" presetID="22" presetClass="entr" presetSubtype="4" fill="hold" grpId="0" nodeType="withEffect">
+                                  <p:stCondLst>
+                                    <p:cond delay="0"/>
+                                  </p:stCondLst>
+                                  <p:childTnLst>
+                                    <p:set>
+                                      <p:cBhvr>
+                                        <p:cTn id="6" dur="1" fill="hold">
+                                          <p:stCondLst>
+                                            <p:cond delay="0"/>
+                                          </p:stCondLst>
+                                        </p:cTn>
+                                        <p:tgtEl>
+                                          <p:spTgt spid="5"/>
+                                        </p:tgtEl>
+                                        <p:attrNameLst>
+                                          <p:attrName>style.visibility</p:attrName>
+                                        </p:attrNameLst>
+                                      </p:cBhvr>
+                                      <p:to>
+                                        <p:strVal val="visible"/>
+                                      </p:to>
+                                    </p:set>
+                                    <p:animEffect transition="in" filter="wipe(down)">
+                                      <p:cBhvr>
+                                        <p:cTn id="7" dur="500"/>
+                                        <p:tgtEl>
+                                          <p:spTgt spid="5"/>
+                                        </p:tgtEl>
+                                      </p:cBhvr>
+                                    </p:animEffect>
+                                  </p:childTnLst>
+                                </p:cTn>
+                              </p:par>
+                            </p:childTnLst>
+                          </p:cTn>
+                        </p:par>
+                        <p:par>
+                          <p:cTn id="8" fill="hold">
+                            <p:stCondLst>
+                              <p:cond delay="500"/>
+                            </p:stCondLst>
+                            <p:childTnLst>
+                              <p:par>
+                                <p:cTn id="9" presetID="22" presetClass="entr" presetSubtype="4" fill="hold" grpId="0" nodeType="afterEffect">
+                                  <p:stCondLst>
+                                    <p:cond delay="0"/>
+                                  </p:stCondLst>
+                                  <p:childTnLst>
+                                    <p:set>
+                                      <p:cBhvr>
+                                        <p:cTn id="10" dur="1" fill="hold">
+                                          <p:stCondLst>
+                                            <p:cond delay="0"/>
+                                          </p:stCondLst>
+                                        </p:cTn>
+                                        <p:tgtEl>
+                                          <p:spTgt spid="6"/>
+                                        </p:tgtEl>
+                                        <p:attrNameLst>
+                                          <p:attrName>style.visibility</p:attrName>
+                                        </p:attrNameLst>
+                                      </p:cBhvr>
+                                      <p:to>
+                                        <p:strVal val="visible"/>
+                                      </p:to>
+                                    </p:set>
+                                    <p:animEffect transition="in" filter="wipe(down)">
+                                      <p:cBhvr>
+                                        <p:cTn id="11" dur="500"/>
+                                        <p:tgtEl>
+                                          <p:spTgt spid="6"/>
+                                        </p:tgtEl>
+                                      </p:cBhvr>
+                                    </p:animEffect>
+                                  </p:childTnLst>
+                                </p:cTn>
+                              </p:par>
+                              <p:par>
+                                <p:cTn id="12" presetID="22" presetClass="entr" presetSubtype="4" fill="hold" nodeType="withEffect">
+                                  <p:stCondLst>
+                                    <p:cond delay="0"/>
+                                  </p:stCondLst>
+                                  <p:childTnLst>
+                                    <p:set>
+                                      <p:cBhvr>
+                                        <p:cTn id="13" dur="1" fill="hold">
+                                          <p:stCondLst>
+                                            <p:cond delay="0"/>
+                                          </p:stCondLst>
+                                        </p:cTn>
+                                        <p:tgtEl>
+                                          <p:spTgt spid="7"/>
+                                        </p:tgtEl>
+                                        <p:attrNameLst>
+                                          <p:attrName>style.visibility</p:attrName>
+                                        </p:attrNameLst>
+                                      </p:cBhvr>
+                                      <p:to>
+                                        <p:strVal val="visible"/>
+                                      </p:to>
+                                    </p:set>
+                                    <p:animEffect transition="in" filter="wipe(down)">
+                                      <p:cBhvr>
+                                        <p:cTn id="14" dur="500"/>
+                                        <p:tgtEl>
+                                          <p:spTgt spid="7"/>
+                                        </p:tgtEl>
+                                      </p:cBhvr>
+                                    </p:animEffect>
+                                  </p:childTnLst>
+                                </p:cTn>
+                              </p:par>
+                              <p:par>
+                                <p:cTn id="15" presetID="22" presetClass="entr" presetSubtype="4" fill="hold" grpId="0" nodeType="withEffect">
+                                  <p:stCondLst>
+                                    <p:cond delay="0"/>
+                                  </p:stCondLst>
+                                  <p:childTnLst>
+                                    <p:set>
+                                      <p:cBhvr>
+                                        <p:cTn id="16" dur="1" fill="hold">
+                                          <p:stCondLst>
+                                            <p:cond delay="0"/>
+                                          </p:stCondLst>
+                                        </p:cTn>
+                                        <p:tgtEl>
+                                          <p:spTgt spid="8"/>
+                                        </p:tgtEl>
+                                        <p:attrNameLst>
+                                          <p:attrName>style.visibility</p:attrName>
+                                        </p:attrNameLst>
+                                      </p:cBhvr>
+                                      <p:to>
+                                        <p:strVal val="visible"/>
+                                      </p:to>
+                                    </p:set>
+                                    <p:animEffect transition="in" filter="wipe(down)">
+                                      <p:cBhvr>
+                                        <p:cTn id="17" dur="500"/>
+                                        <p:tgtEl>
+                                          <p:spTgt spid="8"/>
+                                        </p:tgtEl>
+                                      </p:cBhvr>
+                                    </p:animEffect>
+                                  </p:childTnLst>
+                                </p:cTn>
+                              </p:par>
+                              <p:par>
+                                <p:cTn id="18" presetID="22" presetClass="entr" presetSubtype="4" fill="hold" grpId="0" nodeType="withEffect">
+                                  <p:stCondLst>
+                                    <p:cond delay="0"/>
+                                  </p:stCondLst>
+                                  <p:childTnLst>
+                                    <p:set>
+                                      <p:cBhvr>
+                                        <p:cTn id="19" dur="1" fill="hold">
+                                          <p:stCondLst>
+                                            <p:cond delay="0"/>
+                                          </p:stCondLst>
+                                        </p:cTn>
+                                        <p:tgtEl>
+                                          <p:spTgt spid="9"/>
+                                        </p:tgtEl>
+                                        <p:attrNameLst>
+                                          <p:attrName>style.visibility</p:attrName>
+                                        </p:attrNameLst>
+                                      </p:cBhvr>
+                                      <p:to>
+                                        <p:strVal val="visible"/>
+                                      </p:to>
+                                    </p:set>
+                                    <p:animEffect transition="in" filter="wipe(down)">
+                                      <p:cBhvr>
+                                        <p:cTn id="20" dur="500"/>
+                                        <p:tgtEl>
+                                          <p:spTgt spid="9"/>
+                                        </p:tgtEl>
+                                      </p:cBhvr>
+                                    </p:animEffect>
+                                  </p:childTnLst>
+                                </p:cTn>
+                              </p:par>
+                              <p:par>
+                                <p:cTn id="21" presetID="22" presetClass="entr" presetSubtype="4" fill="hold" grpId="0" nodeType="withEffect">
+                                  <p:stCondLst>
+                                    <p:cond delay="0"/>
+                                  </p:stCondLst>
+                                  <p:childTnLst>
+                                    <p:set>
+                                      <p:cBhvr>
+                                        <p:cTn id="22" dur="1" fill="hold">
+                                          <p:stCondLst>
+                                            <p:cond delay="0"/>
+                                          </p:stCondLst>
+                                        </p:cTn>
+                                        <p:tgtEl>
+                                          <p:spTgt spid="10"/>
+                                        </p:tgtEl>
+                                        <p:attrNameLst>
+                                          <p:attrName>style.visibility</p:attrName>
+                                        </p:attrNameLst>
+                                      </p:cBhvr>
+                                      <p:to>
+                                        <p:strVal val="visible"/>
+                                      </p:to>
+                                    </p:set>
+                                    <p:animEffect transition="in" filter="wipe(down)">
+                                      <p:cBhvr>
+                                        <p:cTn id="23" dur="500"/>
+                                        <p:tgtEl>
+                                          <p:spTgt spid="10"/>
+                                        </p:tgtEl>
+                                      </p:cBhvr>
+                                    </p:animEffect>
+                                  </p:childTnLst>
+                                </p:cTn>
+                              </p:par>
+                            </p:childTnLst>
+                          </p:cTn>
+                        </p:par>
+                        <p:par>
+                          <p:cTn id="24" fill="hold">
+                            <p:stCondLst>
+                              <p:cond delay="1000"/>
+                            </p:stCondLst>
+                            <p:childTnLst>
+                              <p:par>
+                                <p:cTn id="25" presetID="22" presetClass="entr" presetSubtype="4" fill="hold" grpId="0" nodeType="afterEffect">
+                                  <p:stCondLst>
+                                    <p:cond delay="0"/>
+                                  </p:stCondLst>
+                                  <p:childTnLst>
+                                    <p:set>
+                                      <p:cBhvr>
+                                        <p:cTn id="26" dur="1" fill="hold">
+                                          <p:stCondLst>
+                                            <p:cond delay="0"/>
+                                          </p:stCondLst>
+                                        </p:cTn>
+                                        <p:tgtEl>
+                                          <p:spTgt spid="11"/>
+                                        </p:tgtEl>
+                                        <p:attrNameLst>
+                                          <p:attrName>style.visibility</p:attrName>
+                                        </p:attrNameLst>
+                                      </p:cBhvr>
+                                      <p:to>
+                                        <p:strVal val="visible"/>
+                                      </p:to>
+                                    </p:set>
+                                    <p:animEffect transition="in" filter="wipe(down)">
+                                      <p:cBhvr>
+                                        <p:cTn id="27" dur="500"/>
+                                        <p:tgtEl>
+                                          <p:spTgt spid="11"/>
+                                        </p:tgtEl>
+                                      </p:cBhvr>
+                                    </p:animEffect>
+                                  </p:childTnLst>
+                                </p:cTn>
+                              </p:par>
+                              <p:par>
+                                <p:cTn id="28" presetID="22" presetClass="entr" presetSubtype="4" fill="hold" nodeType="withEffect">
+                                  <p:stCondLst>
+                                    <p:cond delay="0"/>
+                                  </p:stCondLst>
+                                  <p:childTnLst>
+                                    <p:set>
+                                      <p:cBhvr>
+                                        <p:cTn id="29" dur="1" fill="hold">
+                                          <p:stCondLst>
+                                            <p:cond delay="0"/>
+                                          </p:stCondLst>
+                                        </p:cTn>
+                                        <p:tgtEl>
+                                          <p:spTgt spid="12"/>
+                                        </p:tgtEl>
+                                        <p:attrNameLst>
+                                          <p:attrName>style.visibility</p:attrName>
+                                        </p:attrNameLst>
+                                      </p:cBhvr>
+                                      <p:to>
+                                        <p:strVal val="visible"/>
+                                      </p:to>
+                                    </p:set>
+                                    <p:animEffect transition="in" filter="wipe(down)">
+                                      <p:cBhvr>
+                                        <p:cTn id="30" dur="500"/>
+                                        <p:tgtEl>
+                                          <p:spTgt spid="12"/>
+                                        </p:tgtEl>
+                                      </p:cBhvr>
+                                    </p:animEffect>
+                                  </p:childTnLst>
+                                </p:cTn>
+                              </p:par>
+                            </p:childTnLst>
+                          </p:cTn>
+                        </p:par>
+                        <p:par>
+                          <p:cTn id="31" fill="hold">
+                            <p:stCondLst>
+                              <p:cond delay="1500"/>
+                            </p:stCondLst>
+                            <p:childTnLst>
+                              <p:par>
+                                <p:cTn id="32" presetID="22" presetClass="entr" presetSubtype="4" fill="hold" grpId="0" nodeType="afterEffect">
+                                  <p:stCondLst>
+                                    <p:cond delay="0"/>
+                                  </p:stCondLst>
+                                  <p:childTnLst>
+                                    <p:set>
+                                      <p:cBhvr>
+                                        <p:cTn id="33" dur="1" fill="hold">
+                                          <p:stCondLst>
+                                            <p:cond delay="0"/>
+                                          </p:stCondLst>
+                                        </p:cTn>
+                                        <p:tgtEl>
+                                          <p:spTgt spid="4"/>
+                                        </p:tgtEl>
+                                        <p:attrNameLst>
+                                          <p:attrName>style.visibility</p:attrName>
+                                        </p:attrNameLst>
+                                      </p:cBhvr>
+                                      <p:to>
+                                        <p:strVal val="visible"/>
+                                      </p:to>
+                                    </p:set>
+                                    <p:animEffect transition="in" filter="wipe(down)">
+                                      <p:cBhvr>
+                                        <p:cTn id="34" dur="500"/>
+                                        <p:tgtEl>
+                                          <p:spTgt spid="4"/>
+                                        </p:tgtEl>
+                                      </p:cBhvr>
+                                    </p:animEffect>
+                                  </p:childTnLst>
+                                </p:cTn>
+                              </p:par>
+                              <p:par>
+                                <p:cTn id="35" presetID="22" presetClass="entr" presetSubtype="4" fill="hold" nodeType="withEffect">
+                                  <p:stCondLst>
+                                    <p:cond delay="0"/>
+                                  </p:stCondLst>
+                                  <p:childTnLst>
+                                    <p:set>
+                                      <p:cBhvr>
+                                        <p:cTn id="36" dur="1" fill="hold">
+                                          <p:stCondLst>
+                                            <p:cond delay="0"/>
+                                          </p:stCondLst>
+                                        </p:cTn>
+                                        <p:tgtEl>
+                                          <p:spTgt spid="13"/>
+                                        </p:tgtEl>
+                                        <p:attrNameLst>
+                                          <p:attrName>style.visibility</p:attrName>
+                                        </p:attrNameLst>
+                                      </p:cBhvr>
+                                      <p:to>
+                                        <p:strVal val="visible"/>
+                                      </p:to>
+                                    </p:set>
+                                    <p:animEffect transition="in" filter="wipe(down)">
+                                      <p:cBhvr>
+                                        <p:cTn id="37" dur="500"/>
+                                        <p:tgtEl>
+                                          <p:spTgt spid="13"/>
+                                        </p:tgtEl>
+                                      </p:cBhvr>
+                                    </p:animEffect>
+                                  </p:childTnLst>
+                                </p:cTn>
+                              </p:par>
+                            </p:childTnLst>
+                          </p:cTn>
+                        </p:par>
+                      </p:childTnLst>
+                    </p:cTn>
+                  </p:par>
+                </p:childTnLst>
+              </p:cTn>
+              <p:prevCondLst>
+                <p:cond evt="onPrev" delay="0">
+                  <p:tgtEl>
+                    <p:sldTgt/>
+                  </p:tgtEl>
+                </p:cond>
+              </p:prevCondLst>
+              <p:nextCondLst>
+                <p:cond evt="onNext" delay="0">
+                  <p:tgtEl>
+                    <p:sldTgt/>
+                  </p:tgtEl>
+                </p:cond>
+              </p:nextCondLst>
+            </p:seq>
+          </p:childTnLst>
+        </p:cTn>
+      </p:par>
+    </p:tnLst>
+    <p:bldLst>
+      <p:bldP spid="4" grpId="0" animBg="1"/>
+      <p:bldP spid="5" grpId="0"/>
+      <p:bldP spid="6" grpId="0" animBg="1"/>
+      <p:bldP spid="8" grpId="0" animBg="1"/>
+      <p:bldP spid="9" grpId="0" animBg="1"/>
+      <p:bldP spid="10" grpId="0"/>
+      <p:bldP spid="11" grpId="0"/>
+    </p:bldLst>
+  </p:timing>
+</p:sld>
+</file>
+
+<file path=ppt/slides/slide7.xml><?xml version="1.0" encoding="utf-8"?>
+<p:sld xmlns:a="http://schemas.openxmlformats.org/drawingml/2006/main" xmlns:r="http://schemas.openxmlformats.org/officeDocument/2006/relationships" xmlns:p="http://schemas.openxmlformats.org/presentationml/2006/main">
+  <p:cSld>
+    <p:spTree>
+      <p:nvGrpSpPr>
+        <p:cNvPr id="1" name=""/>
+        <p:cNvGrpSpPr/>
+        <p:nvPr/>
+      </p:nvGrpSpPr>
+      <p:grpSpPr>
+        <a:xfrm>
+          <a:off x="0" y="0"/>
+          <a:ext cx="0" cy="0"/>
+          <a:chOff x="0" y="0"/>
+          <a:chExt cx="0" cy="0"/>
+        </a:xfrm>
+      </p:grpSpPr>
+      <p:pic>
+        <p:nvPicPr>
+          <p:cNvPr id="5" name="Kép 4" descr="A képen szöveg látható&#10;&#10;Automatikusan generált leírás">
+            <a:extLst>
+              <a:ext uri="{FF2B5EF4-FFF2-40B4-BE49-F238E27FC236}">
+                <a16:creationId xmlns:a16="http://schemas.microsoft.com/office/drawing/2014/main" id="{C48107D0-458A-3347-E232-B8817F5BFC9B}"/>
+              </a:ext>
+            </a:extLst>
+          </p:cNvPr>
+          <p:cNvPicPr>
+            <a:picLocks noChangeAspect="1"/>
+          </p:cNvPicPr>
+          <p:nvPr/>
+        </p:nvPicPr>
+        <p:blipFill>
+          <a:blip r:embed="rId2">
+            <a:extLst>
+              <a:ext uri="{28A0092B-C50C-407E-A947-70E740481C1C}">
+                <a14:useLocalDpi xmlns:a14="http://schemas.microsoft.com/office/drawing/2010/main" val="0"/>
+              </a:ext>
+            </a:extLst>
+          </a:blip>
+          <a:stretch>
+            <a:fillRect/>
+          </a:stretch>
+        </p:blipFill>
+        <p:spPr>
+          <a:xfrm>
+            <a:off x="4096358" y="2203651"/>
+            <a:ext cx="3179941" cy="4443586"/>
+          </a:xfrm>
+          <a:prstGeom prst="rect">
+            <a:avLst/>
+          </a:prstGeom>
+        </p:spPr>
+      </p:pic>
+      <p:sp>
+        <p:nvSpPr>
+          <p:cNvPr id="7" name="Téglalap: lekerekített 6">
+            <a:extLst>
+              <a:ext uri="{FF2B5EF4-FFF2-40B4-BE49-F238E27FC236}">
+                <a16:creationId xmlns:a16="http://schemas.microsoft.com/office/drawing/2014/main" id="{A0E26187-2907-B2C7-ED85-1F7C3A1926A3}"/>
+              </a:ext>
+            </a:extLst>
+          </p:cNvPr>
+          <p:cNvSpPr/>
+          <p:nvPr/>
+        </p:nvSpPr>
+        <p:spPr>
+          <a:xfrm>
+            <a:off x="2930013" y="914400"/>
+            <a:ext cx="5791200" cy="983226"/>
+          </a:xfrm>
+          <a:prstGeom prst="roundRect">
+            <a:avLst/>
+          </a:prstGeom>
+        </p:spPr>
+        <p:style>
+          <a:lnRef idx="2">
+            <a:schemeClr val="accent1">
+              <a:shade val="50000"/>
+            </a:schemeClr>
+          </a:lnRef>
+          <a:fillRef idx="1">
+            <a:schemeClr val="accent1"/>
+          </a:fillRef>
+          <a:effectRef idx="0">
+            <a:schemeClr val="accent1"/>
+          </a:effectRef>
+          <a:fontRef idx="minor">
+            <a:schemeClr val="lt1"/>
+          </a:fontRef>
+        </p:style>
+        <p:txBody>
+          <a:bodyPr rtlCol="0" anchor="ctr"/>
+          <a:lstStyle/>
+          <a:p>
+            <a:pPr algn="ctr"/>
+            <a:endParaRPr lang="hu-HU"/>
+          </a:p>
+        </p:txBody>
+      </p:sp>
+      <p:sp>
+        <p:nvSpPr>
+          <p:cNvPr id="8" name="Szövegdoboz 7">
+            <a:extLst>
+              <a:ext uri="{FF2B5EF4-FFF2-40B4-BE49-F238E27FC236}">
+                <a16:creationId xmlns:a16="http://schemas.microsoft.com/office/drawing/2014/main" id="{B7492774-A8FF-E0A0-DCD2-335DC2C2047B}"/>
+              </a:ext>
+            </a:extLst>
+          </p:cNvPr>
+          <p:cNvSpPr txBox="1"/>
+          <p:nvPr/>
+        </p:nvSpPr>
+        <p:spPr>
+          <a:xfrm>
+            <a:off x="3116826" y="1012723"/>
+            <a:ext cx="5348748" cy="769441"/>
+          </a:xfrm>
+          <a:prstGeom prst="rect">
+            <a:avLst/>
+          </a:prstGeom>
+          <a:noFill/>
+          <a:effectLst>
+            <a:innerShdw blurRad="63500" dist="50800" dir="13500000">
+              <a:prstClr val="black">
+                <a:alpha val="50000"/>
+              </a:prstClr>
+            </a:innerShdw>
+          </a:effectLst>
+        </p:spPr>
+        <p:txBody>
+          <a:bodyPr wrap="square" rtlCol="0">
+            <a:spAutoFit/>
+          </a:bodyPr>
+          <a:lstStyle/>
+          <a:p>
+            <a:r>
+              <a:rPr lang="hu-HU" sz="4400" dirty="0">
+                <a:solidFill>
+                  <a:srgbClr val="FF0000"/>
+                </a:solidFill>
+                <a:effectLst>
+                  <a:outerShdw blurRad="38100" dist="38100" dir="2700000" algn="tl">
+                    <a:srgbClr val="000000">
+                      <a:alpha val="43137"/>
+                    </a:srgbClr>
+                  </a:outerShdw>
+                </a:effectLst>
+              </a:rPr>
+              <a:t>Köszönöm a figyelmet!</a:t>
+            </a:r>
+          </a:p>
+        </p:txBody>
+      </p:sp>
+    </p:spTree>
+    <p:extLst>
+      <p:ext uri="{BB962C8B-B14F-4D97-AF65-F5344CB8AC3E}">
+        <p14:creationId xmlns:p14="http://schemas.microsoft.com/office/powerpoint/2010/main" val="1858545839"/>
+      </p:ext>
+    </p:extLst>
+  </p:cSld>
+  <p:clrMapOvr>
+    <a:masterClrMapping/>
+  </p:clrMapOvr>
+  <p:timing>
+    <p:tnLst>
+      <p:par>
+        <p:cTn id="1" dur="indefinite" restart="never" nodeType="tmRoot">
+          <p:childTnLst>
+            <p:seq concurrent="1" nextAc="seek">
+              <p:cTn id="2" dur="indefinite" nodeType="mainSeq">
+                <p:childTnLst>
+                  <p:par>
+                    <p:cTn id="3" fill="hold">
+                      <p:stCondLst>
+                        <p:cond delay="indefinite"/>
+                        <p:cond evt="onBegin" delay="0">
+                          <p:tn val="2"/>
+                        </p:cond>
+                      </p:stCondLst>
+                      <p:childTnLst>
+                        <p:par>
+                          <p:cTn id="4" fill="hold">
+                            <p:stCondLst>
+                              <p:cond delay="0"/>
+                            </p:stCondLst>
+                            <p:childTnLst>
+                              <p:par>
+                                <p:cTn id="5" presetID="22" presetClass="entr" presetSubtype="8" fill="hold" nodeType="withEffect">
+                                  <p:stCondLst>
+                                    <p:cond delay="0"/>
+                                  </p:stCondLst>
+                                  <p:childTnLst>
+                                    <p:set>
+                                      <p:cBhvr>
+                                        <p:cTn id="6" dur="1" fill="hold">
+                                          <p:stCondLst>
+                                            <p:cond delay="0"/>
+                                          </p:stCondLst>
+                                        </p:cTn>
+                                        <p:tgtEl>
+                                          <p:spTgt spid="8">
+                                            <p:txEl>
+                                              <p:pRg st="0" end="0"/>
+                                            </p:txEl>
+                                          </p:spTgt>
+                                        </p:tgtEl>
+                                        <p:attrNameLst>
+                                          <p:attrName>style.visibility</p:attrName>
+                                        </p:attrNameLst>
+                                      </p:cBhvr>
+                                      <p:to>
+                                        <p:strVal val="visible"/>
+                                      </p:to>
+                                    </p:set>
+                                    <p:animEffect transition="in" filter="wipe(left)">
+                                      <p:cBhvr>
+                                        <p:cTn id="7" dur="500"/>
+                                        <p:tgtEl>
+                                          <p:spTgt spid="8">
+                                            <p:txEl>
+                                              <p:pRg st="0" end="0"/>
+                                            </p:txEl>
+                                          </p:spTgt>
+                                        </p:tgtEl>
+                                      </p:cBhvr>
+                                    </p:animEffect>
+                                  </p:childTnLst>
+                                </p:cTn>
+                              </p:par>
+                            </p:childTnLst>
+                          </p:cTn>
+                        </p:par>
+                        <p:par>
+                          <p:cTn id="8" fill="hold">
+                            <p:stCondLst>
+                              <p:cond delay="500"/>
+                            </p:stCondLst>
+                            <p:childTnLst>
+                              <p:par>
+                                <p:cTn id="9" presetID="16" presetClass="entr" presetSubtype="21" fill="hold" nodeType="afterEffect">
+                                  <p:stCondLst>
+                                    <p:cond delay="0"/>
+                                  </p:stCondLst>
+                                  <p:childTnLst>
+                                    <p:set>
+                                      <p:cBhvr>
+                                        <p:cTn id="10" dur="1" fill="hold">
+                                          <p:stCondLst>
+                                            <p:cond delay="0"/>
+                                          </p:stCondLst>
+                                        </p:cTn>
+                                        <p:tgtEl>
+                                          <p:spTgt spid="5"/>
+                                        </p:tgtEl>
+                                        <p:attrNameLst>
+                                          <p:attrName>style.visibility</p:attrName>
+                                        </p:attrNameLst>
+                                      </p:cBhvr>
+                                      <p:to>
+                                        <p:strVal val="visible"/>
+                                      </p:to>
+                                    </p:set>
+                                    <p:animEffect transition="in" filter="barn(inVertical)">
+                                      <p:cBhvr>
+                                        <p:cTn id="11" dur="1800"/>
+                                        <p:tgtEl>
+                                          <p:spTgt spid="5"/>
+                                        </p:tgtEl>
+                                      </p:cBhvr>
+                                    </p:animEffect>
+                                  </p:childTnLst>
+                                </p:cTn>
+                              </p:par>
+                            </p:childTnLst>
+                          </p:cTn>
+                        </p:par>
+                      </p:childTnLst>
+                    </p:cTn>
+                  </p:par>
+                </p:childTnLst>
+              </p:cTn>
+              <p:prevCondLst>
+                <p:cond evt="onPrev" delay="0">
+                  <p:tgtEl>
+                    <p:sldTgt/>
+                  </p:tgtEl>
+                </p:cond>
+              </p:prevCondLst>
+              <p:nextCondLst>
+                <p:cond evt="onNext" delay="0">
+                  <p:tgtEl>
+                    <p:sldTgt/>
+                  </p:tgtEl>
+                </p:cond>
+              </p:nextCondLst>
+            </p:seq>
+          </p:childTnLst>
+        </p:cTn>
+      </p:par>
+    </p:tnLst>
+  </p:timing>
 </p:sld>
 </file>
 

--- a/ikt.pptx
+++ b/ikt.pptx
@@ -13171,6 +13171,164 @@
                       </p:childTnLst>
                     </p:cTn>
                   </p:par>
+                  <p:par>
+                    <p:cTn id="38" fill="hold">
+                      <p:stCondLst>
+                        <p:cond delay="indefinite"/>
+                      </p:stCondLst>
+                      <p:childTnLst>
+                        <p:par>
+                          <p:cTn id="39" fill="hold">
+                            <p:stCondLst>
+                              <p:cond delay="0"/>
+                            </p:stCondLst>
+                            <p:childTnLst>
+                              <p:par>
+                                <p:cTn id="40" presetID="22" presetClass="entr" presetSubtype="4" fill="hold" grpId="0" nodeType="clickEffect">
+                                  <p:stCondLst>
+                                    <p:cond delay="0"/>
+                                  </p:stCondLst>
+                                  <p:childTnLst>
+                                    <p:set>
+                                      <p:cBhvr>
+                                        <p:cTn id="41" dur="1" fill="hold">
+                                          <p:stCondLst>
+                                            <p:cond delay="0"/>
+                                          </p:stCondLst>
+                                        </p:cTn>
+                                        <p:tgtEl>
+                                          <p:spTgt spid="14"/>
+                                        </p:tgtEl>
+                                        <p:attrNameLst>
+                                          <p:attrName>style.visibility</p:attrName>
+                                        </p:attrNameLst>
+                                      </p:cBhvr>
+                                      <p:to>
+                                        <p:strVal val="visible"/>
+                                      </p:to>
+                                    </p:set>
+                                    <p:animEffect transition="in" filter="wipe(down)">
+                                      <p:cBhvr>
+                                        <p:cTn id="42" dur="500"/>
+                                        <p:tgtEl>
+                                          <p:spTgt spid="14"/>
+                                        </p:tgtEl>
+                                      </p:cBhvr>
+                                    </p:animEffect>
+                                  </p:childTnLst>
+                                </p:cTn>
+                              </p:par>
+                              <p:par>
+                                <p:cTn id="43" presetID="22" presetClass="entr" presetSubtype="4" fill="hold" grpId="0" nodeType="withEffect">
+                                  <p:stCondLst>
+                                    <p:cond delay="0"/>
+                                  </p:stCondLst>
+                                  <p:childTnLst>
+                                    <p:set>
+                                      <p:cBhvr>
+                                        <p:cTn id="44" dur="1" fill="hold">
+                                          <p:stCondLst>
+                                            <p:cond delay="0"/>
+                                          </p:stCondLst>
+                                        </p:cTn>
+                                        <p:tgtEl>
+                                          <p:spTgt spid="15"/>
+                                        </p:tgtEl>
+                                        <p:attrNameLst>
+                                          <p:attrName>style.visibility</p:attrName>
+                                        </p:attrNameLst>
+                                      </p:cBhvr>
+                                      <p:to>
+                                        <p:strVal val="visible"/>
+                                      </p:to>
+                                    </p:set>
+                                    <p:animEffect transition="in" filter="wipe(down)">
+                                      <p:cBhvr>
+                                        <p:cTn id="45" dur="500"/>
+                                        <p:tgtEl>
+                                          <p:spTgt spid="15"/>
+                                        </p:tgtEl>
+                                      </p:cBhvr>
+                                    </p:animEffect>
+                                  </p:childTnLst>
+                                </p:cTn>
+                              </p:par>
+                              <p:par>
+                                <p:cTn id="46" presetID="22" presetClass="entr" presetSubtype="4" fill="hold" grpId="0" nodeType="withEffect">
+                                  <p:stCondLst>
+                                    <p:cond delay="0"/>
+                                  </p:stCondLst>
+                                  <p:childTnLst>
+                                    <p:set>
+                                      <p:cBhvr>
+                                        <p:cTn id="47" dur="1" fill="hold">
+                                          <p:stCondLst>
+                                            <p:cond delay="0"/>
+                                          </p:stCondLst>
+                                        </p:cTn>
+                                        <p:tgtEl>
+                                          <p:spTgt spid="16"/>
+                                        </p:tgtEl>
+                                        <p:attrNameLst>
+                                          <p:attrName>style.visibility</p:attrName>
+                                        </p:attrNameLst>
+                                      </p:cBhvr>
+                                      <p:to>
+                                        <p:strVal val="visible"/>
+                                      </p:to>
+                                    </p:set>
+                                    <p:animEffect transition="in" filter="wipe(down)">
+                                      <p:cBhvr>
+                                        <p:cTn id="48" dur="500"/>
+                                        <p:tgtEl>
+                                          <p:spTgt spid="16"/>
+                                        </p:tgtEl>
+                                      </p:cBhvr>
+                                    </p:animEffect>
+                                  </p:childTnLst>
+                                </p:cTn>
+                              </p:par>
+                              <p:par>
+                                <p:cTn id="49" presetID="22" presetClass="entr" presetSubtype="4" fill="hold" nodeType="withEffect">
+                                  <p:stCondLst>
+                                    <p:cond delay="0"/>
+                                  </p:stCondLst>
+                                  <p:childTnLst>
+                                    <p:set>
+                                      <p:cBhvr>
+                                        <p:cTn id="50" dur="1" fill="hold">
+                                          <p:stCondLst>
+                                            <p:cond delay="0"/>
+                                          </p:stCondLst>
+                                        </p:cTn>
+                                        <p:tgtEl>
+                                          <p:spTgt spid="3076"/>
+                                        </p:tgtEl>
+                                        <p:attrNameLst>
+                                          <p:attrName>style.visibility</p:attrName>
+                                        </p:attrNameLst>
+                                      </p:cBhvr>
+                                      <p:to>
+                                        <p:strVal val="visible"/>
+                                      </p:to>
+                                    </p:set>
+                                    <p:animEffect transition="in" filter="wipe(down)">
+                                      <p:cBhvr>
+                                        <p:cTn id="51" dur="500"/>
+                                        <p:tgtEl>
+                                          <p:spTgt spid="3076"/>
+                                        </p:tgtEl>
+                                      </p:cBhvr>
+                                    </p:animEffect>
+                                  </p:childTnLst>
+                                </p:cTn>
+                              </p:par>
+                            </p:childTnLst>
+                          </p:cTn>
+                        </p:par>
+                      </p:childTnLst>
+                    </p:cTn>
+                  </p:par>
                 </p:childTnLst>
               </p:cTn>
               <p:prevCondLst>
@@ -13200,6 +13358,9 @@
       <p:bldP spid="9" grpId="0" animBg="1"/>
       <p:bldP spid="10" grpId="0"/>
       <p:bldP spid="11" grpId="0"/>
+      <p:bldP spid="14" grpId="0"/>
+      <p:bldP spid="15" grpId="0"/>
+      <p:bldP spid="16" grpId="0"/>
     </p:bldLst>
   </p:timing>
 </p:sld>

--- a/ikt.pptx
+++ b/ikt.pptx
@@ -7851,6 +7851,111 @@
                                   </p:childTnLst>
                                 </p:cTn>
                               </p:par>
+                              <p:par>
+                                <p:cTn id="53" presetID="22" presetClass="entr" presetSubtype="4" fill="hold" grpId="0" nodeType="withEffect">
+                                  <p:stCondLst>
+                                    <p:cond delay="0"/>
+                                  </p:stCondLst>
+                                  <p:childTnLst>
+                                    <p:set>
+                                      <p:cBhvr>
+                                        <p:cTn id="54" dur="1" fill="hold">
+                                          <p:stCondLst>
+                                            <p:cond delay="0"/>
+                                          </p:stCondLst>
+                                        </p:cTn>
+                                        <p:tgtEl>
+                                          <p:spTgt spid="26"/>
+                                        </p:tgtEl>
+                                        <p:attrNameLst>
+                                          <p:attrName>style.visibility</p:attrName>
+                                        </p:attrNameLst>
+                                      </p:cBhvr>
+                                      <p:to>
+                                        <p:strVal val="visible"/>
+                                      </p:to>
+                                    </p:set>
+                                    <p:animEffect transition="in" filter="wipe(down)">
+                                      <p:cBhvr>
+                                        <p:cTn id="55" dur="500"/>
+                                        <p:tgtEl>
+                                          <p:spTgt spid="26"/>
+                                        </p:tgtEl>
+                                      </p:cBhvr>
+                                    </p:animEffect>
+                                  </p:childTnLst>
+                                </p:cTn>
+                              </p:par>
+                              <p:par>
+                                <p:cTn id="56" presetID="22" presetClass="entr" presetSubtype="4" fill="hold" grpId="0" nodeType="withEffect">
+                                  <p:stCondLst>
+                                    <p:cond delay="0"/>
+                                  </p:stCondLst>
+                                  <p:childTnLst>
+                                    <p:set>
+                                      <p:cBhvr>
+                                        <p:cTn id="57" dur="1" fill="hold">
+                                          <p:stCondLst>
+                                            <p:cond delay="0"/>
+                                          </p:stCondLst>
+                                        </p:cTn>
+                                        <p:tgtEl>
+                                          <p:spTgt spid="27"/>
+                                        </p:tgtEl>
+                                        <p:attrNameLst>
+                                          <p:attrName>style.visibility</p:attrName>
+                                        </p:attrNameLst>
+                                      </p:cBhvr>
+                                      <p:to>
+                                        <p:strVal val="visible"/>
+                                      </p:to>
+                                    </p:set>
+                                    <p:animEffect transition="in" filter="wipe(down)">
+                                      <p:cBhvr>
+                                        <p:cTn id="58" dur="500"/>
+                                        <p:tgtEl>
+                                          <p:spTgt spid="27"/>
+                                        </p:tgtEl>
+                                      </p:cBhvr>
+                                    </p:animEffect>
+                                  </p:childTnLst>
+                                </p:cTn>
+                              </p:par>
+                              <p:par>
+                                <p:cTn id="59" presetID="22" presetClass="entr" presetSubtype="4" fill="hold" grpId="0" nodeType="withEffect">
+                                  <p:stCondLst>
+                                    <p:cond delay="0"/>
+                                  </p:stCondLst>
+                                  <p:childTnLst>
+                                    <p:set>
+                                      <p:cBhvr>
+                                        <p:cTn id="60" dur="1" fill="hold">
+                                          <p:stCondLst>
+                                            <p:cond delay="0"/>
+                                          </p:stCondLst>
+                                        </p:cTn>
+                                        <p:tgtEl>
+                                          <p:spTgt spid="28"/>
+                                        </p:tgtEl>
+                                        <p:attrNameLst>
+                                          <p:attrName>style.visibility</p:attrName>
+                                        </p:attrNameLst>
+                                      </p:cBhvr>
+                                      <p:to>
+                                        <p:strVal val="visible"/>
+                                      </p:to>
+                                    </p:set>
+                                    <p:animEffect transition="in" filter="wipe(down)">
+                                      <p:cBhvr>
+                                        <p:cTn id="61" dur="500"/>
+                                        <p:tgtEl>
+                                          <p:spTgt spid="28"/>
+                                        </p:tgtEl>
+                                      </p:cBhvr>
+                                    </p:animEffect>
+                                  </p:childTnLst>
+                                </p:cTn>
+                              </p:par>
                             </p:childTnLst>
                           </p:cTn>
                         </p:par>
@@ -7889,6 +7994,9 @@
       <p:bldP spid="11" grpId="0"/>
       <p:bldP spid="13" grpId="0"/>
       <p:bldP spid="24" grpId="0"/>
+      <p:bldP spid="26" grpId="0"/>
+      <p:bldP spid="27" grpId="0"/>
+      <p:bldP spid="28" grpId="0"/>
     </p:bldLst>
   </p:timing>
 </p:sld>

--- a/ikt.pptx
+++ b/ikt.pptx
@@ -9053,6 +9053,13 @@
             <a:avLst/>
           </a:prstGeom>
           <a:noFill/>
+          <a:effectLst>
+            <a:outerShdw blurRad="419100" sx="102000" sy="102000" algn="ctr" rotWithShape="0">
+              <a:prstClr val="black">
+                <a:alpha val="40000"/>
+              </a:prstClr>
+            </a:outerShdw>
+          </a:effectLst>
           <a:extLst>
             <a:ext uri="{909E8E84-426E-40DD-AFC4-6F175D3DCCD1}">
               <a14:hiddenFill xmlns:a14="http://schemas.microsoft.com/office/drawing/2010/main">
@@ -9100,6 +9107,13 @@
             <a:avLst/>
           </a:prstGeom>
           <a:noFill/>
+          <a:effectLst>
+            <a:outerShdw blurRad="584200" dist="38100" dir="2700000" algn="tl" rotWithShape="0">
+              <a:prstClr val="black">
+                <a:alpha val="40000"/>
+              </a:prstClr>
+            </a:outerShdw>
+          </a:effectLst>
           <a:extLst>
             <a:ext uri="{909E8E84-426E-40DD-AFC4-6F175D3DCCD1}">
               <a14:hiddenFill xmlns:a14="http://schemas.microsoft.com/office/drawing/2010/main">
@@ -9652,33 +9666,15 @@
                                   </p:childTnLst>
                                 </p:cTn>
                               </p:par>
-                            </p:childTnLst>
-                          </p:cTn>
-                        </p:par>
-                      </p:childTnLst>
-                    </p:cTn>
-                  </p:par>
-                  <p:par>
-                    <p:cTn id="49" fill="hold">
-                      <p:stCondLst>
-                        <p:cond delay="indefinite"/>
-                      </p:stCondLst>
-                      <p:childTnLst>
-                        <p:par>
-                          <p:cTn id="50" fill="hold">
-                            <p:stCondLst>
-                              <p:cond delay="0"/>
-                            </p:stCondLst>
-                            <p:childTnLst>
                               <p:par>
-                                <p:cTn id="51" presetID="22" presetClass="entr" presetSubtype="4" fill="hold" nodeType="clickEffect">
+                                <p:cTn id="49" presetID="22" presetClass="entr" presetSubtype="4" fill="hold" nodeType="withEffect">
                                   <p:stCondLst>
-                                    <p:cond delay="0"/>
+                                    <p:cond delay="500"/>
                                   </p:stCondLst>
                                   <p:childTnLst>
                                     <p:set>
                                       <p:cBhvr>
-                                        <p:cTn id="52" dur="1" fill="hold">
+                                        <p:cTn id="50" dur="1" fill="hold">
                                           <p:stCondLst>
                                             <p:cond delay="0"/>
                                           </p:stCondLst>
@@ -9696,7 +9692,7 @@
                                     </p:set>
                                     <p:animEffect transition="in" filter="wipe(down)">
                                       <p:cBhvr>
-                                        <p:cTn id="53" dur="500"/>
+                                        <p:cTn id="51" dur="500"/>
                                         <p:tgtEl>
                                           <p:spTgt spid="1034"/>
                                         </p:tgtEl>
@@ -9705,33 +9701,15 @@
                                   </p:childTnLst>
                                 </p:cTn>
                               </p:par>
-                            </p:childTnLst>
-                          </p:cTn>
-                        </p:par>
-                      </p:childTnLst>
-                    </p:cTn>
-                  </p:par>
-                  <p:par>
-                    <p:cTn id="54" fill="hold">
-                      <p:stCondLst>
-                        <p:cond delay="indefinite"/>
-                      </p:stCondLst>
-                      <p:childTnLst>
-                        <p:par>
-                          <p:cTn id="55" fill="hold">
-                            <p:stCondLst>
-                              <p:cond delay="0"/>
-                            </p:stCondLst>
-                            <p:childTnLst>
                               <p:par>
-                                <p:cTn id="56" presetID="22" presetClass="entr" presetSubtype="4" fill="hold" nodeType="clickEffect">
+                                <p:cTn id="52" presetID="22" presetClass="entr" presetSubtype="4" fill="hold" nodeType="withEffect">
                                   <p:stCondLst>
-                                    <p:cond delay="0"/>
+                                    <p:cond delay="500"/>
                                   </p:stCondLst>
                                   <p:childTnLst>
                                     <p:set>
                                       <p:cBhvr>
-                                        <p:cTn id="57" dur="1" fill="hold">
+                                        <p:cTn id="53" dur="1" fill="hold">
                                           <p:stCondLst>
                                             <p:cond delay="0"/>
                                           </p:stCondLst>
@@ -9749,7 +9727,7 @@
                                     </p:set>
                                     <p:animEffect transition="in" filter="wipe(down)">
                                       <p:cBhvr>
-                                        <p:cTn id="58" dur="500"/>
+                                        <p:cTn id="54" dur="500"/>
                                         <p:tgtEl>
                                           <p:spTgt spid="1032"/>
                                         </p:tgtEl>
@@ -11428,33 +11406,15 @@
                                   </p:childTnLst>
                                 </p:cTn>
                               </p:par>
-                            </p:childTnLst>
-                          </p:cTn>
-                        </p:par>
-                      </p:childTnLst>
-                    </p:cTn>
-                  </p:par>
-                  <p:par>
-                    <p:cTn id="38" fill="hold">
-                      <p:stCondLst>
-                        <p:cond delay="indefinite"/>
-                      </p:stCondLst>
-                      <p:childTnLst>
-                        <p:par>
-                          <p:cTn id="39" fill="hold">
-                            <p:stCondLst>
-                              <p:cond delay="0"/>
-                            </p:stCondLst>
-                            <p:childTnLst>
                               <p:par>
-                                <p:cTn id="40" presetID="22" presetClass="entr" presetSubtype="4" fill="hold" grpId="0" nodeType="clickEffect">
+                                <p:cTn id="38" presetID="22" presetClass="entr" presetSubtype="4" fill="hold" grpId="0" nodeType="withEffect">
                                   <p:stCondLst>
                                     <p:cond delay="0"/>
                                   </p:stCondLst>
                                   <p:childTnLst>
                                     <p:set>
                                       <p:cBhvr>
-                                        <p:cTn id="41" dur="1" fill="hold">
+                                        <p:cTn id="39" dur="1" fill="hold">
                                           <p:stCondLst>
                                             <p:cond delay="0"/>
                                           </p:stCondLst>
@@ -11472,7 +11432,7 @@
                                     </p:set>
                                     <p:animEffect transition="in" filter="wipe(down)">
                                       <p:cBhvr>
-                                        <p:cTn id="42" dur="500"/>
+                                        <p:cTn id="40" dur="500"/>
                                         <p:tgtEl>
                                           <p:spTgt spid="14"/>
                                         </p:tgtEl>
@@ -11482,14 +11442,14 @@
                                 </p:cTn>
                               </p:par>
                               <p:par>
-                                <p:cTn id="43" presetID="22" presetClass="entr" presetSubtype="4" fill="hold" grpId="0" nodeType="withEffect">
+                                <p:cTn id="41" presetID="22" presetClass="entr" presetSubtype="4" fill="hold" grpId="0" nodeType="withEffect">
                                   <p:stCondLst>
                                     <p:cond delay="0"/>
                                   </p:stCondLst>
                                   <p:childTnLst>
                                     <p:set>
                                       <p:cBhvr>
-                                        <p:cTn id="44" dur="1" fill="hold">
+                                        <p:cTn id="42" dur="1" fill="hold">
                                           <p:stCondLst>
                                             <p:cond delay="0"/>
                                           </p:stCondLst>
@@ -11507,7 +11467,7 @@
                                     </p:set>
                                     <p:animEffect transition="in" filter="wipe(down)">
                                       <p:cBhvr>
-                                        <p:cTn id="45" dur="500"/>
+                                        <p:cTn id="43" dur="500"/>
                                         <p:tgtEl>
                                           <p:spTgt spid="15"/>
                                         </p:tgtEl>
@@ -11517,14 +11477,14 @@
                                 </p:cTn>
                               </p:par>
                               <p:par>
-                                <p:cTn id="46" presetID="22" presetClass="entr" presetSubtype="4" fill="hold" grpId="0" nodeType="withEffect">
+                                <p:cTn id="44" presetID="22" presetClass="entr" presetSubtype="4" fill="hold" grpId="0" nodeType="withEffect">
                                   <p:stCondLst>
                                     <p:cond delay="0"/>
                                   </p:stCondLst>
                                   <p:childTnLst>
                                     <p:set>
                                       <p:cBhvr>
-                                        <p:cTn id="47" dur="1" fill="hold">
+                                        <p:cTn id="45" dur="1" fill="hold">
                                           <p:stCondLst>
                                             <p:cond delay="0"/>
                                           </p:stCondLst>
@@ -11542,7 +11502,7 @@
                                     </p:set>
                                     <p:animEffect transition="in" filter="wipe(down)">
                                       <p:cBhvr>
-                                        <p:cTn id="48" dur="500"/>
+                                        <p:cTn id="46" dur="500"/>
                                         <p:tgtEl>
                                           <p:spTgt spid="16"/>
                                         </p:tgtEl>
@@ -11552,14 +11512,14 @@
                                 </p:cTn>
                               </p:par>
                               <p:par>
-                                <p:cTn id="49" presetID="22" presetClass="entr" presetSubtype="4" fill="hold" grpId="0" nodeType="withEffect">
+                                <p:cTn id="47" presetID="22" presetClass="entr" presetSubtype="4" fill="hold" grpId="0" nodeType="withEffect">
                                   <p:stCondLst>
                                     <p:cond delay="0"/>
                                   </p:stCondLst>
                                   <p:childTnLst>
                                     <p:set>
                                       <p:cBhvr>
-                                        <p:cTn id="50" dur="1" fill="hold">
+                                        <p:cTn id="48" dur="1" fill="hold">
                                           <p:stCondLst>
                                             <p:cond delay="0"/>
                                           </p:stCondLst>
@@ -11577,7 +11537,7 @@
                                     </p:set>
                                     <p:animEffect transition="in" filter="wipe(down)">
                                       <p:cBhvr>
-                                        <p:cTn id="51" dur="500"/>
+                                        <p:cTn id="49" dur="500"/>
                                         <p:tgtEl>
                                           <p:spTgt spid="17"/>
                                         </p:tgtEl>
@@ -11587,14 +11547,14 @@
                                 </p:cTn>
                               </p:par>
                               <p:par>
-                                <p:cTn id="52" presetID="22" presetClass="entr" presetSubtype="4" fill="hold" grpId="0" nodeType="withEffect">
+                                <p:cTn id="50" presetID="22" presetClass="entr" presetSubtype="4" fill="hold" grpId="0" nodeType="withEffect">
                                   <p:stCondLst>
                                     <p:cond delay="0"/>
                                   </p:stCondLst>
                                   <p:childTnLst>
                                     <p:set>
                                       <p:cBhvr>
-                                        <p:cTn id="53" dur="1" fill="hold">
+                                        <p:cTn id="51" dur="1" fill="hold">
                                           <p:stCondLst>
                                             <p:cond delay="0"/>
                                           </p:stCondLst>
@@ -11612,7 +11572,7 @@
                                     </p:set>
                                     <p:animEffect transition="in" filter="wipe(down)">
                                       <p:cBhvr>
-                                        <p:cTn id="54" dur="500"/>
+                                        <p:cTn id="52" dur="500"/>
                                         <p:tgtEl>
                                           <p:spTgt spid="18"/>
                                         </p:tgtEl>
@@ -11622,14 +11582,14 @@
                                 </p:cTn>
                               </p:par>
                               <p:par>
-                                <p:cTn id="55" presetID="22" presetClass="entr" presetSubtype="4" fill="hold" grpId="0" nodeType="withEffect">
+                                <p:cTn id="53" presetID="22" presetClass="entr" presetSubtype="4" fill="hold" grpId="0" nodeType="withEffect">
                                   <p:stCondLst>
                                     <p:cond delay="0"/>
                                   </p:stCondLst>
                                   <p:childTnLst>
                                     <p:set>
                                       <p:cBhvr>
-                                        <p:cTn id="56" dur="1" fill="hold">
+                                        <p:cTn id="54" dur="1" fill="hold">
                                           <p:stCondLst>
                                             <p:cond delay="0"/>
                                           </p:stCondLst>
@@ -11647,7 +11607,7 @@
                                     </p:set>
                                     <p:animEffect transition="in" filter="wipe(down)">
                                       <p:cBhvr>
-                                        <p:cTn id="57" dur="500"/>
+                                        <p:cTn id="55" dur="500"/>
                                         <p:tgtEl>
                                           <p:spTgt spid="19"/>
                                         </p:tgtEl>
@@ -11657,14 +11617,14 @@
                                 </p:cTn>
                               </p:par>
                               <p:par>
-                                <p:cTn id="58" presetID="22" presetClass="entr" presetSubtype="4" fill="hold" nodeType="withEffect">
+                                <p:cTn id="56" presetID="22" presetClass="entr" presetSubtype="4" fill="hold" nodeType="withEffect">
                                   <p:stCondLst>
                                     <p:cond delay="0"/>
                                   </p:stCondLst>
                                   <p:childTnLst>
                                     <p:set>
                                       <p:cBhvr>
-                                        <p:cTn id="59" dur="1" fill="hold">
+                                        <p:cTn id="57" dur="1" fill="hold">
                                           <p:stCondLst>
                                             <p:cond delay="0"/>
                                           </p:stCondLst>
@@ -11682,7 +11642,7 @@
                                     </p:set>
                                     <p:animEffect transition="in" filter="wipe(down)">
                                       <p:cBhvr>
-                                        <p:cTn id="60" dur="500"/>
+                                        <p:cTn id="58" dur="500"/>
                                         <p:tgtEl>
                                           <p:spTgt spid="21"/>
                                         </p:tgtEl>
@@ -11692,14 +11652,14 @@
                                 </p:cTn>
                               </p:par>
                               <p:par>
-                                <p:cTn id="61" presetID="22" presetClass="entr" presetSubtype="4" fill="hold" grpId="0" nodeType="withEffect">
+                                <p:cTn id="59" presetID="22" presetClass="entr" presetSubtype="4" fill="hold" grpId="0" nodeType="withEffect">
                                   <p:stCondLst>
                                     <p:cond delay="0"/>
                                   </p:stCondLst>
                                   <p:childTnLst>
                                     <p:set>
                                       <p:cBhvr>
-                                        <p:cTn id="62" dur="1" fill="hold">
+                                        <p:cTn id="60" dur="1" fill="hold">
                                           <p:stCondLst>
                                             <p:cond delay="0"/>
                                           </p:stCondLst>
@@ -11717,7 +11677,7 @@
                                     </p:set>
                                     <p:animEffect transition="in" filter="wipe(down)">
                                       <p:cBhvr>
-                                        <p:cTn id="63" dur="500"/>
+                                        <p:cTn id="61" dur="500"/>
                                         <p:tgtEl>
                                           <p:spTgt spid="23"/>
                                         </p:tgtEl>
@@ -11726,33 +11686,15 @@
                                   </p:childTnLst>
                                 </p:cTn>
                               </p:par>
-                            </p:childTnLst>
-                          </p:cTn>
-                        </p:par>
-                      </p:childTnLst>
-                    </p:cTn>
-                  </p:par>
-                  <p:par>
-                    <p:cTn id="64" fill="hold">
-                      <p:stCondLst>
-                        <p:cond delay="indefinite"/>
-                      </p:stCondLst>
-                      <p:childTnLst>
-                        <p:par>
-                          <p:cTn id="65" fill="hold">
-                            <p:stCondLst>
-                              <p:cond delay="0"/>
-                            </p:stCondLst>
-                            <p:childTnLst>
                               <p:par>
-                                <p:cTn id="66" presetID="22" presetClass="entr" presetSubtype="4" fill="hold" nodeType="clickEffect">
+                                <p:cTn id="62" presetID="22" presetClass="entr" presetSubtype="4" fill="hold" nodeType="withEffect">
                                   <p:stCondLst>
                                     <p:cond delay="0"/>
                                   </p:stCondLst>
                                   <p:childTnLst>
                                     <p:set>
                                       <p:cBhvr>
-                                        <p:cTn id="67" dur="1" fill="hold">
+                                        <p:cTn id="63" dur="1" fill="hold">
                                           <p:stCondLst>
                                             <p:cond delay="0"/>
                                           </p:stCondLst>
@@ -11770,7 +11712,7 @@
                                     </p:set>
                                     <p:animEffect transition="in" filter="wipe(down)">
                                       <p:cBhvr>
-                                        <p:cTn id="68" dur="500"/>
+                                        <p:cTn id="64" dur="500"/>
                                         <p:tgtEl>
                                           <p:spTgt spid="2050"/>
                                         </p:tgtEl>
@@ -13273,33 +13215,15 @@
                                   </p:childTnLst>
                                 </p:cTn>
                               </p:par>
-                            </p:childTnLst>
-                          </p:cTn>
-                        </p:par>
-                      </p:childTnLst>
-                    </p:cTn>
-                  </p:par>
-                  <p:par>
-                    <p:cTn id="38" fill="hold">
-                      <p:stCondLst>
-                        <p:cond delay="indefinite"/>
-                      </p:stCondLst>
-                      <p:childTnLst>
-                        <p:par>
-                          <p:cTn id="39" fill="hold">
-                            <p:stCondLst>
-                              <p:cond delay="0"/>
-                            </p:stCondLst>
-                            <p:childTnLst>
                               <p:par>
-                                <p:cTn id="40" presetID="22" presetClass="entr" presetSubtype="4" fill="hold" grpId="0" nodeType="clickEffect">
+                                <p:cTn id="38" presetID="22" presetClass="entr" presetSubtype="4" fill="hold" grpId="0" nodeType="withEffect">
                                   <p:stCondLst>
                                     <p:cond delay="0"/>
                                   </p:stCondLst>
                                   <p:childTnLst>
                                     <p:set>
                                       <p:cBhvr>
-                                        <p:cTn id="41" dur="1" fill="hold">
+                                        <p:cTn id="39" dur="1" fill="hold">
                                           <p:stCondLst>
                                             <p:cond delay="0"/>
                                           </p:stCondLst>
@@ -13317,7 +13241,7 @@
                                     </p:set>
                                     <p:animEffect transition="in" filter="wipe(down)">
                                       <p:cBhvr>
-                                        <p:cTn id="42" dur="500"/>
+                                        <p:cTn id="40" dur="500"/>
                                         <p:tgtEl>
                                           <p:spTgt spid="14"/>
                                         </p:tgtEl>
@@ -13327,14 +13251,14 @@
                                 </p:cTn>
                               </p:par>
                               <p:par>
-                                <p:cTn id="43" presetID="22" presetClass="entr" presetSubtype="4" fill="hold" grpId="0" nodeType="withEffect">
+                                <p:cTn id="41" presetID="22" presetClass="entr" presetSubtype="4" fill="hold" grpId="0" nodeType="withEffect">
                                   <p:stCondLst>
                                     <p:cond delay="0"/>
                                   </p:stCondLst>
                                   <p:childTnLst>
                                     <p:set>
                                       <p:cBhvr>
-                                        <p:cTn id="44" dur="1" fill="hold">
+                                        <p:cTn id="42" dur="1" fill="hold">
                                           <p:stCondLst>
                                             <p:cond delay="0"/>
                                           </p:stCondLst>
@@ -13352,7 +13276,7 @@
                                     </p:set>
                                     <p:animEffect transition="in" filter="wipe(down)">
                                       <p:cBhvr>
-                                        <p:cTn id="45" dur="500"/>
+                                        <p:cTn id="43" dur="500"/>
                                         <p:tgtEl>
                                           <p:spTgt spid="15"/>
                                         </p:tgtEl>
@@ -13362,14 +13286,14 @@
                                 </p:cTn>
                               </p:par>
                               <p:par>
-                                <p:cTn id="46" presetID="22" presetClass="entr" presetSubtype="4" fill="hold" grpId="0" nodeType="withEffect">
+                                <p:cTn id="44" presetID="22" presetClass="entr" presetSubtype="4" fill="hold" grpId="0" nodeType="withEffect">
                                   <p:stCondLst>
                                     <p:cond delay="0"/>
                                   </p:stCondLst>
                                   <p:childTnLst>
                                     <p:set>
                                       <p:cBhvr>
-                                        <p:cTn id="47" dur="1" fill="hold">
+                                        <p:cTn id="45" dur="1" fill="hold">
                                           <p:stCondLst>
                                             <p:cond delay="0"/>
                                           </p:stCondLst>
@@ -13387,7 +13311,7 @@
                                     </p:set>
                                     <p:animEffect transition="in" filter="wipe(down)">
                                       <p:cBhvr>
-                                        <p:cTn id="48" dur="500"/>
+                                        <p:cTn id="46" dur="500"/>
                                         <p:tgtEl>
                                           <p:spTgt spid="16"/>
                                         </p:tgtEl>
@@ -13397,14 +13321,14 @@
                                 </p:cTn>
                               </p:par>
                               <p:par>
-                                <p:cTn id="49" presetID="22" presetClass="entr" presetSubtype="4" fill="hold" nodeType="withEffect">
+                                <p:cTn id="47" presetID="22" presetClass="entr" presetSubtype="4" fill="hold" nodeType="withEffect">
                                   <p:stCondLst>
                                     <p:cond delay="0"/>
                                   </p:stCondLst>
                                   <p:childTnLst>
                                     <p:set>
                                       <p:cBhvr>
-                                        <p:cTn id="50" dur="1" fill="hold">
+                                        <p:cTn id="48" dur="1" fill="hold">
                                           <p:stCondLst>
                                             <p:cond delay="0"/>
                                           </p:stCondLst>
@@ -13422,7 +13346,7 @@
                                     </p:set>
                                     <p:animEffect transition="in" filter="wipe(down)">
                                       <p:cBhvr>
-                                        <p:cTn id="51" dur="500"/>
+                                        <p:cTn id="49" dur="500"/>
                                         <p:tgtEl>
                                           <p:spTgt spid="3076"/>
                                         </p:tgtEl>
@@ -13491,42 +13415,6 @@
           <a:chExt cx="0" cy="0"/>
         </a:xfrm>
       </p:grpSpPr>
-      <p:pic>
-        <p:nvPicPr>
-          <p:cNvPr id="5" name="Kép 4" descr="A képen szöveg látható&#10;&#10;Automatikusan generált leírás">
-            <a:extLst>
-              <a:ext uri="{FF2B5EF4-FFF2-40B4-BE49-F238E27FC236}">
-                <a16:creationId xmlns:a16="http://schemas.microsoft.com/office/drawing/2014/main" id="{C48107D0-458A-3347-E232-B8817F5BFC9B}"/>
-              </a:ext>
-            </a:extLst>
-          </p:cNvPr>
-          <p:cNvPicPr>
-            <a:picLocks noChangeAspect="1"/>
-          </p:cNvPicPr>
-          <p:nvPr/>
-        </p:nvPicPr>
-        <p:blipFill>
-          <a:blip r:embed="rId2">
-            <a:extLst>
-              <a:ext uri="{28A0092B-C50C-407E-A947-70E740481C1C}">
-                <a14:useLocalDpi xmlns:a14="http://schemas.microsoft.com/office/drawing/2010/main" val="0"/>
-              </a:ext>
-            </a:extLst>
-          </a:blip>
-          <a:stretch>
-            <a:fillRect/>
-          </a:stretch>
-        </p:blipFill>
-        <p:spPr>
-          <a:xfrm>
-            <a:off x="4096358" y="2203651"/>
-            <a:ext cx="3179941" cy="4443586"/>
-          </a:xfrm>
-          <a:prstGeom prst="rect">
-            <a:avLst/>
-          </a:prstGeom>
-        </p:spPr>
-      </p:pic>
       <p:sp>
         <p:nvSpPr>
           <p:cNvPr id="7" name="Téglalap: lekerekített 6">
@@ -13626,6 +13514,42 @@
           </a:p>
         </p:txBody>
       </p:sp>
+      <p:pic>
+        <p:nvPicPr>
+          <p:cNvPr id="3" name="Kép 2">
+            <a:extLst>
+              <a:ext uri="{FF2B5EF4-FFF2-40B4-BE49-F238E27FC236}">
+                <a16:creationId xmlns:a16="http://schemas.microsoft.com/office/drawing/2014/main" id="{742BC9E2-FB87-0CCB-7E52-AF3340F01FFA}"/>
+              </a:ext>
+            </a:extLst>
+          </p:cNvPr>
+          <p:cNvPicPr>
+            <a:picLocks noChangeAspect="1"/>
+          </p:cNvPicPr>
+          <p:nvPr/>
+        </p:nvPicPr>
+        <p:blipFill>
+          <a:blip r:embed="rId2">
+            <a:extLst>
+              <a:ext uri="{28A0092B-C50C-407E-A947-70E740481C1C}">
+                <a14:useLocalDpi xmlns:a14="http://schemas.microsoft.com/office/drawing/2010/main" val="0"/>
+              </a:ext>
+            </a:extLst>
+          </a:blip>
+          <a:stretch>
+            <a:fillRect/>
+          </a:stretch>
+        </p:blipFill>
+        <p:spPr>
+          <a:xfrm>
+            <a:off x="3947311" y="2439452"/>
+            <a:ext cx="3899026" cy="3986226"/>
+          </a:xfrm>
+          <a:prstGeom prst="rect">
+            <a:avLst/>
+          </a:prstGeom>
+        </p:spPr>
+      </p:pic>
     </p:spTree>
     <p:extLst>
       <p:ext uri="{BB962C8B-B14F-4D97-AF65-F5344CB8AC3E}">
@@ -13705,27 +13629,36 @@
                             </p:childTnLst>
                           </p:cTn>
                         </p:par>
+                      </p:childTnLst>
+                    </p:cTn>
+                  </p:par>
+                  <p:par>
+                    <p:cTn id="8" fill="hold">
+                      <p:stCondLst>
+                        <p:cond delay="indefinite"/>
+                      </p:stCondLst>
+                      <p:childTnLst>
                         <p:par>
-                          <p:cTn id="8" fill="hold">
+                          <p:cTn id="9" fill="hold">
                             <p:stCondLst>
-                              <p:cond delay="500"/>
+                              <p:cond delay="0"/>
                             </p:stCondLst>
                             <p:childTnLst>
                               <p:par>
-                                <p:cTn id="9" presetID="16" presetClass="entr" presetSubtype="21" fill="hold" nodeType="afterEffect">
+                                <p:cTn id="10" presetID="16" presetClass="entr" presetSubtype="21" fill="hold" nodeType="clickEffect">
                                   <p:stCondLst>
                                     <p:cond delay="0"/>
                                   </p:stCondLst>
                                   <p:childTnLst>
                                     <p:set>
                                       <p:cBhvr>
-                                        <p:cTn id="10" dur="1" fill="hold">
+                                        <p:cTn id="11" dur="1" fill="hold">
                                           <p:stCondLst>
                                             <p:cond delay="0"/>
                                           </p:stCondLst>
                                         </p:cTn>
                                         <p:tgtEl>
-                                          <p:spTgt spid="5"/>
+                                          <p:spTgt spid="3"/>
                                         </p:tgtEl>
                                         <p:attrNameLst>
                                           <p:attrName>style.visibility</p:attrName>
@@ -13737,9 +13670,9 @@
                                     </p:set>
                                     <p:animEffect transition="in" filter="barn(inVertical)">
                                       <p:cBhvr>
-                                        <p:cTn id="11" dur="1800"/>
-                                        <p:tgtEl>
-                                          <p:spTgt spid="5"/>
+                                        <p:cTn id="12" dur="1000"/>
+                                        <p:tgtEl>
+                                          <p:spTgt spid="3"/>
                                         </p:tgtEl>
                                       </p:cBhvr>
                                     </p:animEffect>
